--- a/papers/ICRA2016/pictures/pdf/PositionNrobots.pptx
+++ b/papers/ICRA2016/pictures/pdf/PositionNrobots.pptx
@@ -7,14 +7,14 @@
   <p:sldIdLst>
     <p:sldId id="256" r:id="rId2"/>
   </p:sldIdLst>
-  <p:sldSz cx="36576000" cy="20574000"/>
+  <p:sldSz cx="24688800" cy="32004000"/>
   <p:notesSz cx="6858000" cy="9144000"/>
   <p:defaultTextStyle>
     <a:defPPr>
       <a:defRPr lang="en-US"/>
     </a:defPPr>
-    <a:lvl1pPr marL="0" algn="l" defTabSz="2090044" rtl="0" eaLnBrk="1" latinLnBrk="0" hangingPunct="1">
-      <a:defRPr sz="8200" kern="1200">
+    <a:lvl1pPr marL="0" algn="l" defTabSz="1755574" rtl="0" eaLnBrk="1" latinLnBrk="0" hangingPunct="1">
+      <a:defRPr sz="6900" kern="1200">
         <a:solidFill>
           <a:schemeClr val="tx1"/>
         </a:solidFill>
@@ -23,8 +23,8 @@
         <a:cs typeface="+mn-cs"/>
       </a:defRPr>
     </a:lvl1pPr>
-    <a:lvl2pPr marL="2090044" algn="l" defTabSz="2090044" rtl="0" eaLnBrk="1" latinLnBrk="0" hangingPunct="1">
-      <a:defRPr sz="8200" kern="1200">
+    <a:lvl2pPr marL="1755574" algn="l" defTabSz="1755574" rtl="0" eaLnBrk="1" latinLnBrk="0" hangingPunct="1">
+      <a:defRPr sz="6900" kern="1200">
         <a:solidFill>
           <a:schemeClr val="tx1"/>
         </a:solidFill>
@@ -33,8 +33,8 @@
         <a:cs typeface="+mn-cs"/>
       </a:defRPr>
     </a:lvl2pPr>
-    <a:lvl3pPr marL="4180088" algn="l" defTabSz="2090044" rtl="0" eaLnBrk="1" latinLnBrk="0" hangingPunct="1">
-      <a:defRPr sz="8200" kern="1200">
+    <a:lvl3pPr marL="3511148" algn="l" defTabSz="1755574" rtl="0" eaLnBrk="1" latinLnBrk="0" hangingPunct="1">
+      <a:defRPr sz="6900" kern="1200">
         <a:solidFill>
           <a:schemeClr val="tx1"/>
         </a:solidFill>
@@ -43,8 +43,8 @@
         <a:cs typeface="+mn-cs"/>
       </a:defRPr>
     </a:lvl3pPr>
-    <a:lvl4pPr marL="6270132" algn="l" defTabSz="2090044" rtl="0" eaLnBrk="1" latinLnBrk="0" hangingPunct="1">
-      <a:defRPr sz="8200" kern="1200">
+    <a:lvl4pPr marL="5266723" algn="l" defTabSz="1755574" rtl="0" eaLnBrk="1" latinLnBrk="0" hangingPunct="1">
+      <a:defRPr sz="6900" kern="1200">
         <a:solidFill>
           <a:schemeClr val="tx1"/>
         </a:solidFill>
@@ -53,8 +53,8 @@
         <a:cs typeface="+mn-cs"/>
       </a:defRPr>
     </a:lvl4pPr>
-    <a:lvl5pPr marL="8360176" algn="l" defTabSz="2090044" rtl="0" eaLnBrk="1" latinLnBrk="0" hangingPunct="1">
-      <a:defRPr sz="8200" kern="1200">
+    <a:lvl5pPr marL="7022297" algn="l" defTabSz="1755574" rtl="0" eaLnBrk="1" latinLnBrk="0" hangingPunct="1">
+      <a:defRPr sz="6900" kern="1200">
         <a:solidFill>
           <a:schemeClr val="tx1"/>
         </a:solidFill>
@@ -63,8 +63,8 @@
         <a:cs typeface="+mn-cs"/>
       </a:defRPr>
     </a:lvl5pPr>
-    <a:lvl6pPr marL="10450220" algn="l" defTabSz="2090044" rtl="0" eaLnBrk="1" latinLnBrk="0" hangingPunct="1">
-      <a:defRPr sz="8200" kern="1200">
+    <a:lvl6pPr marL="8777871" algn="l" defTabSz="1755574" rtl="0" eaLnBrk="1" latinLnBrk="0" hangingPunct="1">
+      <a:defRPr sz="6900" kern="1200">
         <a:solidFill>
           <a:schemeClr val="tx1"/>
         </a:solidFill>
@@ -73,8 +73,8 @@
         <a:cs typeface="+mn-cs"/>
       </a:defRPr>
     </a:lvl6pPr>
-    <a:lvl7pPr marL="12540264" algn="l" defTabSz="2090044" rtl="0" eaLnBrk="1" latinLnBrk="0" hangingPunct="1">
-      <a:defRPr sz="8200" kern="1200">
+    <a:lvl7pPr marL="10533445" algn="l" defTabSz="1755574" rtl="0" eaLnBrk="1" latinLnBrk="0" hangingPunct="1">
+      <a:defRPr sz="6900" kern="1200">
         <a:solidFill>
           <a:schemeClr val="tx1"/>
         </a:solidFill>
@@ -83,8 +83,8 @@
         <a:cs typeface="+mn-cs"/>
       </a:defRPr>
     </a:lvl7pPr>
-    <a:lvl8pPr marL="14630309" algn="l" defTabSz="2090044" rtl="0" eaLnBrk="1" latinLnBrk="0" hangingPunct="1">
-      <a:defRPr sz="8200" kern="1200">
+    <a:lvl8pPr marL="12289020" algn="l" defTabSz="1755574" rtl="0" eaLnBrk="1" latinLnBrk="0" hangingPunct="1">
+      <a:defRPr sz="6900" kern="1200">
         <a:solidFill>
           <a:schemeClr val="tx1"/>
         </a:solidFill>
@@ -93,8 +93,8 @@
         <a:cs typeface="+mn-cs"/>
       </a:defRPr>
     </a:lvl8pPr>
-    <a:lvl9pPr marL="16720353" algn="l" defTabSz="2090044" rtl="0" eaLnBrk="1" latinLnBrk="0" hangingPunct="1">
-      <a:defRPr sz="8200" kern="1200">
+    <a:lvl9pPr marL="14044595" algn="l" defTabSz="1755574" rtl="0" eaLnBrk="1" latinLnBrk="0" hangingPunct="1">
+      <a:defRPr sz="6900" kern="1200">
         <a:solidFill>
           <a:schemeClr val="tx1"/>
         </a:solidFill>
@@ -136,8 +136,8 @@
         </p:nvSpPr>
         <p:spPr>
           <a:xfrm>
-            <a:off x="2743200" y="6391278"/>
-            <a:ext cx="31089600" cy="4410075"/>
+            <a:off x="1851660" y="9941990"/>
+            <a:ext cx="20985480" cy="6860116"/>
           </a:xfrm>
         </p:spPr>
         <p:txBody>
@@ -164,8 +164,8 @@
         </p:nvSpPr>
         <p:spPr>
           <a:xfrm>
-            <a:off x="5486400" y="11658600"/>
-            <a:ext cx="25603200" cy="5257800"/>
+            <a:off x="3703320" y="18135600"/>
+            <a:ext cx="17282160" cy="8178800"/>
           </a:xfrm>
         </p:spPr>
         <p:txBody>
@@ -181,7 +181,7 @@
                 </a:solidFill>
               </a:defRPr>
             </a:lvl1pPr>
-            <a:lvl2pPr marL="2090044" indent="0" algn="ctr">
+            <a:lvl2pPr marL="1755574" indent="0" algn="ctr">
               <a:buNone/>
               <a:defRPr>
                 <a:solidFill>
@@ -191,7 +191,7 @@
                 </a:solidFill>
               </a:defRPr>
             </a:lvl2pPr>
-            <a:lvl3pPr marL="4180088" indent="0" algn="ctr">
+            <a:lvl3pPr marL="3511148" indent="0" algn="ctr">
               <a:buNone/>
               <a:defRPr>
                 <a:solidFill>
@@ -201,7 +201,7 @@
                 </a:solidFill>
               </a:defRPr>
             </a:lvl3pPr>
-            <a:lvl4pPr marL="6270132" indent="0" algn="ctr">
+            <a:lvl4pPr marL="5266723" indent="0" algn="ctr">
               <a:buNone/>
               <a:defRPr>
                 <a:solidFill>
@@ -211,7 +211,7 @@
                 </a:solidFill>
               </a:defRPr>
             </a:lvl4pPr>
-            <a:lvl5pPr marL="8360176" indent="0" algn="ctr">
+            <a:lvl5pPr marL="7022297" indent="0" algn="ctr">
               <a:buNone/>
               <a:defRPr>
                 <a:solidFill>
@@ -221,7 +221,7 @@
                 </a:solidFill>
               </a:defRPr>
             </a:lvl5pPr>
-            <a:lvl6pPr marL="10450220" indent="0" algn="ctr">
+            <a:lvl6pPr marL="8777871" indent="0" algn="ctr">
               <a:buNone/>
               <a:defRPr>
                 <a:solidFill>
@@ -231,7 +231,7 @@
                 </a:solidFill>
               </a:defRPr>
             </a:lvl6pPr>
-            <a:lvl7pPr marL="12540264" indent="0" algn="ctr">
+            <a:lvl7pPr marL="10533445" indent="0" algn="ctr">
               <a:buNone/>
               <a:defRPr>
                 <a:solidFill>
@@ -241,7 +241,7 @@
                 </a:solidFill>
               </a:defRPr>
             </a:lvl7pPr>
-            <a:lvl8pPr marL="14630309" indent="0" algn="ctr">
+            <a:lvl8pPr marL="12289020" indent="0" algn="ctr">
               <a:buNone/>
               <a:defRPr>
                 <a:solidFill>
@@ -251,7 +251,7 @@
                 </a:solidFill>
               </a:defRPr>
             </a:lvl8pPr>
-            <a:lvl9pPr marL="16720353" indent="0" algn="ctr">
+            <a:lvl9pPr marL="14044595" indent="0" algn="ctr">
               <a:buNone/>
               <a:defRPr>
                 <a:solidFill>
@@ -548,8 +548,8 @@
         </p:nvSpPr>
         <p:spPr>
           <a:xfrm>
-            <a:off x="26517600" y="823917"/>
-            <a:ext cx="8229600" cy="17554575"/>
+            <a:off x="17899380" y="1281650"/>
+            <a:ext cx="5554980" cy="27307116"/>
           </a:xfrm>
         </p:spPr>
         <p:txBody>
@@ -576,8 +576,8 @@
         </p:nvSpPr>
         <p:spPr>
           <a:xfrm>
-            <a:off x="1828800" y="823917"/>
-            <a:ext cx="24079200" cy="17554575"/>
+            <a:off x="1234440" y="1281650"/>
+            <a:ext cx="16253460" cy="27307116"/>
           </a:xfrm>
         </p:spPr>
         <p:txBody>
@@ -898,15 +898,15 @@
         </p:nvSpPr>
         <p:spPr>
           <a:xfrm>
-            <a:off x="2889252" y="13220701"/>
-            <a:ext cx="31089600" cy="4086225"/>
+            <a:off x="1950246" y="20565536"/>
+            <a:ext cx="20985480" cy="6356350"/>
           </a:xfrm>
         </p:spPr>
         <p:txBody>
           <a:bodyPr anchor="t"/>
           <a:lstStyle>
             <a:lvl1pPr algn="l">
-              <a:defRPr sz="18300" b="1" cap="all"/>
+              <a:defRPr sz="15400" b="1" cap="all"/>
             </a:lvl1pPr>
           </a:lstStyle>
           <a:p>
@@ -930,8 +930,8 @@
         </p:nvSpPr>
         <p:spPr>
           <a:xfrm>
-            <a:off x="2889252" y="8720141"/>
-            <a:ext cx="31089600" cy="4500560"/>
+            <a:off x="1950246" y="13564665"/>
+            <a:ext cx="20985480" cy="7000871"/>
           </a:xfrm>
         </p:spPr>
         <p:txBody>
@@ -939,7 +939,7 @@
           <a:lstStyle>
             <a:lvl1pPr marL="0" indent="0">
               <a:buNone/>
-              <a:defRPr sz="9100">
+              <a:defRPr sz="7700">
                 <a:solidFill>
                   <a:schemeClr val="tx1">
                     <a:tint val="75000"/>
@@ -947,9 +947,9 @@
                 </a:solidFill>
               </a:defRPr>
             </a:lvl1pPr>
-            <a:lvl2pPr marL="2090044" indent="0">
+            <a:lvl2pPr marL="1755574" indent="0">
               <a:buNone/>
-              <a:defRPr sz="8200">
+              <a:defRPr sz="6900">
                 <a:solidFill>
                   <a:schemeClr val="tx1">
                     <a:tint val="75000"/>
@@ -957,9 +957,9 @@
                 </a:solidFill>
               </a:defRPr>
             </a:lvl2pPr>
-            <a:lvl3pPr marL="4180088" indent="0">
+            <a:lvl3pPr marL="3511148" indent="0">
               <a:buNone/>
-              <a:defRPr sz="7300">
+              <a:defRPr sz="6100">
                 <a:solidFill>
                   <a:schemeClr val="tx1">
                     <a:tint val="75000"/>
@@ -967,9 +967,9 @@
                 </a:solidFill>
               </a:defRPr>
             </a:lvl3pPr>
-            <a:lvl4pPr marL="6270132" indent="0">
+            <a:lvl4pPr marL="5266723" indent="0">
               <a:buNone/>
-              <a:defRPr sz="6400">
+              <a:defRPr sz="5400">
                 <a:solidFill>
                   <a:schemeClr val="tx1">
                     <a:tint val="75000"/>
@@ -977,9 +977,9 @@
                 </a:solidFill>
               </a:defRPr>
             </a:lvl4pPr>
-            <a:lvl5pPr marL="8360176" indent="0">
+            <a:lvl5pPr marL="7022297" indent="0">
               <a:buNone/>
-              <a:defRPr sz="6400">
+              <a:defRPr sz="5400">
                 <a:solidFill>
                   <a:schemeClr val="tx1">
                     <a:tint val="75000"/>
@@ -987,9 +987,9 @@
                 </a:solidFill>
               </a:defRPr>
             </a:lvl5pPr>
-            <a:lvl6pPr marL="10450220" indent="0">
+            <a:lvl6pPr marL="8777871" indent="0">
               <a:buNone/>
-              <a:defRPr sz="6400">
+              <a:defRPr sz="5400">
                 <a:solidFill>
                   <a:schemeClr val="tx1">
                     <a:tint val="75000"/>
@@ -997,9 +997,9 @@
                 </a:solidFill>
               </a:defRPr>
             </a:lvl6pPr>
-            <a:lvl7pPr marL="12540264" indent="0">
+            <a:lvl7pPr marL="10533445" indent="0">
               <a:buNone/>
-              <a:defRPr sz="6400">
+              <a:defRPr sz="5400">
                 <a:solidFill>
                   <a:schemeClr val="tx1">
                     <a:tint val="75000"/>
@@ -1007,9 +1007,9 @@
                 </a:solidFill>
               </a:defRPr>
             </a:lvl7pPr>
-            <a:lvl8pPr marL="14630309" indent="0">
+            <a:lvl8pPr marL="12289020" indent="0">
               <a:buNone/>
-              <a:defRPr sz="6400">
+              <a:defRPr sz="5400">
                 <a:solidFill>
                   <a:schemeClr val="tx1">
                     <a:tint val="75000"/>
@@ -1017,9 +1017,9 @@
                 </a:solidFill>
               </a:defRPr>
             </a:lvl8pPr>
-            <a:lvl9pPr marL="16720353" indent="0">
+            <a:lvl9pPr marL="14044595" indent="0">
               <a:buNone/>
-              <a:defRPr sz="6400">
+              <a:defRPr sz="5400">
                 <a:solidFill>
                   <a:schemeClr val="tx1">
                     <a:tint val="75000"/>
@@ -1167,39 +1167,39 @@
         </p:nvSpPr>
         <p:spPr>
           <a:xfrm>
-            <a:off x="1828800" y="4800602"/>
-            <a:ext cx="16154400" cy="13577889"/>
+            <a:off x="1234440" y="7467606"/>
+            <a:ext cx="10904220" cy="21121161"/>
           </a:xfrm>
         </p:spPr>
         <p:txBody>
           <a:bodyPr/>
           <a:lstStyle>
             <a:lvl1pPr>
-              <a:defRPr sz="12800"/>
+              <a:defRPr sz="10700"/>
             </a:lvl1pPr>
             <a:lvl2pPr>
-              <a:defRPr sz="11000"/>
+              <a:defRPr sz="9300"/>
             </a:lvl2pPr>
             <a:lvl3pPr>
-              <a:defRPr sz="9100"/>
+              <a:defRPr sz="7700"/>
             </a:lvl3pPr>
             <a:lvl4pPr>
-              <a:defRPr sz="8200"/>
+              <a:defRPr sz="6900"/>
             </a:lvl4pPr>
             <a:lvl5pPr>
-              <a:defRPr sz="8200"/>
+              <a:defRPr sz="6900"/>
             </a:lvl5pPr>
             <a:lvl6pPr>
-              <a:defRPr sz="8200"/>
+              <a:defRPr sz="6900"/>
             </a:lvl6pPr>
             <a:lvl7pPr>
-              <a:defRPr sz="8200"/>
+              <a:defRPr sz="6900"/>
             </a:lvl7pPr>
             <a:lvl8pPr>
-              <a:defRPr sz="8200"/>
+              <a:defRPr sz="6900"/>
             </a:lvl8pPr>
             <a:lvl9pPr>
-              <a:defRPr sz="8200"/>
+              <a:defRPr sz="6900"/>
             </a:lvl9pPr>
           </a:lstStyle>
           <a:p>
@@ -1252,39 +1252,39 @@
         </p:nvSpPr>
         <p:spPr>
           <a:xfrm>
-            <a:off x="18592800" y="4800602"/>
-            <a:ext cx="16154400" cy="13577889"/>
+            <a:off x="12550140" y="7467606"/>
+            <a:ext cx="10904220" cy="21121161"/>
           </a:xfrm>
         </p:spPr>
         <p:txBody>
           <a:bodyPr/>
           <a:lstStyle>
             <a:lvl1pPr>
-              <a:defRPr sz="12800"/>
+              <a:defRPr sz="10700"/>
             </a:lvl1pPr>
             <a:lvl2pPr>
-              <a:defRPr sz="11000"/>
+              <a:defRPr sz="9300"/>
             </a:lvl2pPr>
             <a:lvl3pPr>
-              <a:defRPr sz="9100"/>
+              <a:defRPr sz="7700"/>
             </a:lvl3pPr>
             <a:lvl4pPr>
-              <a:defRPr sz="8200"/>
+              <a:defRPr sz="6900"/>
             </a:lvl4pPr>
             <a:lvl5pPr>
-              <a:defRPr sz="8200"/>
+              <a:defRPr sz="6900"/>
             </a:lvl5pPr>
             <a:lvl6pPr>
-              <a:defRPr sz="8200"/>
+              <a:defRPr sz="6900"/>
             </a:lvl6pPr>
             <a:lvl7pPr>
-              <a:defRPr sz="8200"/>
+              <a:defRPr sz="6900"/>
             </a:lvl7pPr>
             <a:lvl8pPr>
-              <a:defRPr sz="8200"/>
+              <a:defRPr sz="6900"/>
             </a:lvl8pPr>
             <a:lvl9pPr>
-              <a:defRPr sz="8200"/>
+              <a:defRPr sz="6900"/>
             </a:lvl9pPr>
           </a:lstStyle>
           <a:p>
@@ -1459,8 +1459,8 @@
         </p:nvSpPr>
         <p:spPr>
           <a:xfrm>
-            <a:off x="1828800" y="4605339"/>
-            <a:ext cx="16160752" cy="1919286"/>
+            <a:off x="1234441" y="7163860"/>
+            <a:ext cx="10908508" cy="2985556"/>
           </a:xfrm>
         </p:spPr>
         <p:txBody>
@@ -1468,39 +1468,39 @@
           <a:lstStyle>
             <a:lvl1pPr marL="0" indent="0">
               <a:buNone/>
-              <a:defRPr sz="11000" b="1"/>
+              <a:defRPr sz="9300" b="1"/>
             </a:lvl1pPr>
-            <a:lvl2pPr marL="2090044" indent="0">
+            <a:lvl2pPr marL="1755574" indent="0">
               <a:buNone/>
-              <a:defRPr sz="9100" b="1"/>
+              <a:defRPr sz="7700" b="1"/>
             </a:lvl2pPr>
-            <a:lvl3pPr marL="4180088" indent="0">
+            <a:lvl3pPr marL="3511148" indent="0">
               <a:buNone/>
-              <a:defRPr sz="8200" b="1"/>
+              <a:defRPr sz="6900" b="1"/>
             </a:lvl3pPr>
-            <a:lvl4pPr marL="6270132" indent="0">
+            <a:lvl4pPr marL="5266723" indent="0">
               <a:buNone/>
-              <a:defRPr sz="7300" b="1"/>
+              <a:defRPr sz="6100" b="1"/>
             </a:lvl4pPr>
-            <a:lvl5pPr marL="8360176" indent="0">
+            <a:lvl5pPr marL="7022297" indent="0">
               <a:buNone/>
-              <a:defRPr sz="7300" b="1"/>
+              <a:defRPr sz="6100" b="1"/>
             </a:lvl5pPr>
-            <a:lvl6pPr marL="10450220" indent="0">
+            <a:lvl6pPr marL="8777871" indent="0">
               <a:buNone/>
-              <a:defRPr sz="7300" b="1"/>
+              <a:defRPr sz="6100" b="1"/>
             </a:lvl6pPr>
-            <a:lvl7pPr marL="12540264" indent="0">
+            <a:lvl7pPr marL="10533445" indent="0">
               <a:buNone/>
-              <a:defRPr sz="7300" b="1"/>
+              <a:defRPr sz="6100" b="1"/>
             </a:lvl7pPr>
-            <a:lvl8pPr marL="14630309" indent="0">
+            <a:lvl8pPr marL="12289020" indent="0">
               <a:buNone/>
-              <a:defRPr sz="7300" b="1"/>
+              <a:defRPr sz="6100" b="1"/>
             </a:lvl8pPr>
-            <a:lvl9pPr marL="16720353" indent="0">
+            <a:lvl9pPr marL="14044595" indent="0">
               <a:buNone/>
-              <a:defRPr sz="7300" b="1"/>
+              <a:defRPr sz="6100" b="1"/>
             </a:lvl9pPr>
           </a:lstStyle>
           <a:p>
@@ -1524,39 +1524,39 @@
         </p:nvSpPr>
         <p:spPr>
           <a:xfrm>
-            <a:off x="1828800" y="6524625"/>
-            <a:ext cx="16160752" cy="11853864"/>
+            <a:off x="1234441" y="10149416"/>
+            <a:ext cx="10908508" cy="18439344"/>
           </a:xfrm>
         </p:spPr>
         <p:txBody>
           <a:bodyPr/>
           <a:lstStyle>
             <a:lvl1pPr>
-              <a:defRPr sz="11000"/>
+              <a:defRPr sz="9300"/>
             </a:lvl1pPr>
             <a:lvl2pPr>
-              <a:defRPr sz="9100"/>
+              <a:defRPr sz="7700"/>
             </a:lvl2pPr>
             <a:lvl3pPr>
-              <a:defRPr sz="8200"/>
+              <a:defRPr sz="6900"/>
             </a:lvl3pPr>
             <a:lvl4pPr>
-              <a:defRPr sz="7300"/>
+              <a:defRPr sz="6100"/>
             </a:lvl4pPr>
             <a:lvl5pPr>
-              <a:defRPr sz="7300"/>
+              <a:defRPr sz="6100"/>
             </a:lvl5pPr>
             <a:lvl6pPr>
-              <a:defRPr sz="7300"/>
+              <a:defRPr sz="6100"/>
             </a:lvl6pPr>
             <a:lvl7pPr>
-              <a:defRPr sz="7300"/>
+              <a:defRPr sz="6100"/>
             </a:lvl7pPr>
             <a:lvl8pPr>
-              <a:defRPr sz="7300"/>
+              <a:defRPr sz="6100"/>
             </a:lvl8pPr>
             <a:lvl9pPr>
-              <a:defRPr sz="7300"/>
+              <a:defRPr sz="6100"/>
             </a:lvl9pPr>
           </a:lstStyle>
           <a:p>
@@ -1609,8 +1609,8 @@
         </p:nvSpPr>
         <p:spPr>
           <a:xfrm>
-            <a:off x="18580102" y="4605339"/>
-            <a:ext cx="16167100" cy="1919286"/>
+            <a:off x="12541569" y="7163860"/>
+            <a:ext cx="10912793" cy="2985556"/>
           </a:xfrm>
         </p:spPr>
         <p:txBody>
@@ -1618,39 +1618,39 @@
           <a:lstStyle>
             <a:lvl1pPr marL="0" indent="0">
               <a:buNone/>
-              <a:defRPr sz="11000" b="1"/>
+              <a:defRPr sz="9300" b="1"/>
             </a:lvl1pPr>
-            <a:lvl2pPr marL="2090044" indent="0">
+            <a:lvl2pPr marL="1755574" indent="0">
               <a:buNone/>
-              <a:defRPr sz="9100" b="1"/>
+              <a:defRPr sz="7700" b="1"/>
             </a:lvl2pPr>
-            <a:lvl3pPr marL="4180088" indent="0">
+            <a:lvl3pPr marL="3511148" indent="0">
               <a:buNone/>
-              <a:defRPr sz="8200" b="1"/>
+              <a:defRPr sz="6900" b="1"/>
             </a:lvl3pPr>
-            <a:lvl4pPr marL="6270132" indent="0">
+            <a:lvl4pPr marL="5266723" indent="0">
               <a:buNone/>
-              <a:defRPr sz="7300" b="1"/>
+              <a:defRPr sz="6100" b="1"/>
             </a:lvl4pPr>
-            <a:lvl5pPr marL="8360176" indent="0">
+            <a:lvl5pPr marL="7022297" indent="0">
               <a:buNone/>
-              <a:defRPr sz="7300" b="1"/>
+              <a:defRPr sz="6100" b="1"/>
             </a:lvl5pPr>
-            <a:lvl6pPr marL="10450220" indent="0">
+            <a:lvl6pPr marL="8777871" indent="0">
               <a:buNone/>
-              <a:defRPr sz="7300" b="1"/>
+              <a:defRPr sz="6100" b="1"/>
             </a:lvl6pPr>
-            <a:lvl7pPr marL="12540264" indent="0">
+            <a:lvl7pPr marL="10533445" indent="0">
               <a:buNone/>
-              <a:defRPr sz="7300" b="1"/>
+              <a:defRPr sz="6100" b="1"/>
             </a:lvl7pPr>
-            <a:lvl8pPr marL="14630309" indent="0">
+            <a:lvl8pPr marL="12289020" indent="0">
               <a:buNone/>
-              <a:defRPr sz="7300" b="1"/>
+              <a:defRPr sz="6100" b="1"/>
             </a:lvl8pPr>
-            <a:lvl9pPr marL="16720353" indent="0">
+            <a:lvl9pPr marL="14044595" indent="0">
               <a:buNone/>
-              <a:defRPr sz="7300" b="1"/>
+              <a:defRPr sz="6100" b="1"/>
             </a:lvl9pPr>
           </a:lstStyle>
           <a:p>
@@ -1674,39 +1674,39 @@
         </p:nvSpPr>
         <p:spPr>
           <a:xfrm>
-            <a:off x="18580102" y="6524625"/>
-            <a:ext cx="16167100" cy="11853864"/>
+            <a:off x="12541569" y="10149416"/>
+            <a:ext cx="10912793" cy="18439344"/>
           </a:xfrm>
         </p:spPr>
         <p:txBody>
           <a:bodyPr/>
           <a:lstStyle>
             <a:lvl1pPr>
-              <a:defRPr sz="11000"/>
+              <a:defRPr sz="9300"/>
             </a:lvl1pPr>
             <a:lvl2pPr>
-              <a:defRPr sz="9100"/>
+              <a:defRPr sz="7700"/>
             </a:lvl2pPr>
             <a:lvl3pPr>
-              <a:defRPr sz="8200"/>
+              <a:defRPr sz="6900"/>
             </a:lvl3pPr>
             <a:lvl4pPr>
-              <a:defRPr sz="7300"/>
+              <a:defRPr sz="6100"/>
             </a:lvl4pPr>
             <a:lvl5pPr>
-              <a:defRPr sz="7300"/>
+              <a:defRPr sz="6100"/>
             </a:lvl5pPr>
             <a:lvl6pPr>
-              <a:defRPr sz="7300"/>
+              <a:defRPr sz="6100"/>
             </a:lvl6pPr>
             <a:lvl7pPr>
-              <a:defRPr sz="7300"/>
+              <a:defRPr sz="6100"/>
             </a:lvl7pPr>
             <a:lvl8pPr>
-              <a:defRPr sz="7300"/>
+              <a:defRPr sz="6100"/>
             </a:lvl8pPr>
             <a:lvl9pPr>
-              <a:defRPr sz="7300"/>
+              <a:defRPr sz="6100"/>
             </a:lvl9pPr>
           </a:lstStyle>
           <a:p>
@@ -2067,15 +2067,15 @@
         </p:nvSpPr>
         <p:spPr>
           <a:xfrm>
-            <a:off x="1828802" y="819150"/>
-            <a:ext cx="12033252" cy="3486150"/>
+            <a:off x="1234442" y="1274234"/>
+            <a:ext cx="8122446" cy="5422900"/>
           </a:xfrm>
         </p:spPr>
         <p:txBody>
           <a:bodyPr anchor="b"/>
           <a:lstStyle>
             <a:lvl1pPr algn="l">
-              <a:defRPr sz="9100" b="1"/>
+              <a:defRPr sz="7700" b="1"/>
             </a:lvl1pPr>
           </a:lstStyle>
           <a:p>
@@ -2099,39 +2099,39 @@
         </p:nvSpPr>
         <p:spPr>
           <a:xfrm>
-            <a:off x="14300200" y="819151"/>
-            <a:ext cx="20447000" cy="17559340"/>
+            <a:off x="9652635" y="1274236"/>
+            <a:ext cx="13801725" cy="27314529"/>
           </a:xfrm>
         </p:spPr>
         <p:txBody>
           <a:bodyPr/>
           <a:lstStyle>
             <a:lvl1pPr>
-              <a:defRPr sz="14600"/>
+              <a:defRPr sz="12200"/>
             </a:lvl1pPr>
             <a:lvl2pPr>
-              <a:defRPr sz="12800"/>
+              <a:defRPr sz="10700"/>
             </a:lvl2pPr>
             <a:lvl3pPr>
-              <a:defRPr sz="11000"/>
+              <a:defRPr sz="9300"/>
             </a:lvl3pPr>
             <a:lvl4pPr>
-              <a:defRPr sz="9100"/>
+              <a:defRPr sz="7700"/>
             </a:lvl4pPr>
             <a:lvl5pPr>
-              <a:defRPr sz="9100"/>
+              <a:defRPr sz="7700"/>
             </a:lvl5pPr>
             <a:lvl6pPr>
-              <a:defRPr sz="9100"/>
+              <a:defRPr sz="7700"/>
             </a:lvl6pPr>
             <a:lvl7pPr>
-              <a:defRPr sz="9100"/>
+              <a:defRPr sz="7700"/>
             </a:lvl7pPr>
             <a:lvl8pPr>
-              <a:defRPr sz="9100"/>
+              <a:defRPr sz="7700"/>
             </a:lvl8pPr>
             <a:lvl9pPr>
-              <a:defRPr sz="9100"/>
+              <a:defRPr sz="7700"/>
             </a:lvl9pPr>
           </a:lstStyle>
           <a:p>
@@ -2184,8 +2184,8 @@
         </p:nvSpPr>
         <p:spPr>
           <a:xfrm>
-            <a:off x="1828802" y="4305301"/>
-            <a:ext cx="12033252" cy="14073190"/>
+            <a:off x="1234442" y="6697136"/>
+            <a:ext cx="8122446" cy="21891629"/>
           </a:xfrm>
         </p:spPr>
         <p:txBody>
@@ -2193,39 +2193,39 @@
           <a:lstStyle>
             <a:lvl1pPr marL="0" indent="0">
               <a:buNone/>
-              <a:defRPr sz="6400"/>
+              <a:defRPr sz="5400"/>
             </a:lvl1pPr>
-            <a:lvl2pPr marL="2090044" indent="0">
-              <a:buNone/>
-              <a:defRPr sz="5500"/>
-            </a:lvl2pPr>
-            <a:lvl3pPr marL="4180088" indent="0">
+            <a:lvl2pPr marL="1755574" indent="0">
               <a:buNone/>
               <a:defRPr sz="4600"/>
+            </a:lvl2pPr>
+            <a:lvl3pPr marL="3511148" indent="0">
+              <a:buNone/>
+              <a:defRPr sz="3900"/>
             </a:lvl3pPr>
-            <a:lvl4pPr marL="6270132" indent="0">
+            <a:lvl4pPr marL="5266723" indent="0">
               <a:buNone/>
-              <a:defRPr sz="4100"/>
+              <a:defRPr sz="3400"/>
             </a:lvl4pPr>
-            <a:lvl5pPr marL="8360176" indent="0">
+            <a:lvl5pPr marL="7022297" indent="0">
               <a:buNone/>
-              <a:defRPr sz="4100"/>
+              <a:defRPr sz="3400"/>
             </a:lvl5pPr>
-            <a:lvl6pPr marL="10450220" indent="0">
+            <a:lvl6pPr marL="8777871" indent="0">
               <a:buNone/>
-              <a:defRPr sz="4100"/>
+              <a:defRPr sz="3400"/>
             </a:lvl6pPr>
-            <a:lvl7pPr marL="12540264" indent="0">
+            <a:lvl7pPr marL="10533445" indent="0">
               <a:buNone/>
-              <a:defRPr sz="4100"/>
+              <a:defRPr sz="3400"/>
             </a:lvl7pPr>
-            <a:lvl8pPr marL="14630309" indent="0">
+            <a:lvl8pPr marL="12289020" indent="0">
               <a:buNone/>
-              <a:defRPr sz="4100"/>
+              <a:defRPr sz="3400"/>
             </a:lvl8pPr>
-            <a:lvl9pPr marL="16720353" indent="0">
+            <a:lvl9pPr marL="14044595" indent="0">
               <a:buNone/>
-              <a:defRPr sz="4100"/>
+              <a:defRPr sz="3400"/>
             </a:lvl9pPr>
           </a:lstStyle>
           <a:p>
@@ -2344,15 +2344,15 @@
         </p:nvSpPr>
         <p:spPr>
           <a:xfrm>
-            <a:off x="7169152" y="14401800"/>
-            <a:ext cx="21945600" cy="1700215"/>
+            <a:off x="4839178" y="22402802"/>
+            <a:ext cx="14813280" cy="2644779"/>
           </a:xfrm>
         </p:spPr>
         <p:txBody>
           <a:bodyPr anchor="b"/>
           <a:lstStyle>
             <a:lvl1pPr algn="l">
-              <a:defRPr sz="9100" b="1"/>
+              <a:defRPr sz="7700" b="1"/>
             </a:lvl1pPr>
           </a:lstStyle>
           <a:p>
@@ -2376,8 +2376,8 @@
         </p:nvSpPr>
         <p:spPr>
           <a:xfrm>
-            <a:off x="7169152" y="1838325"/>
-            <a:ext cx="21945600" cy="12344400"/>
+            <a:off x="4839178" y="2859616"/>
+            <a:ext cx="14813280" cy="19202400"/>
           </a:xfrm>
         </p:spPr>
         <p:txBody>
@@ -2385,39 +2385,39 @@
           <a:lstStyle>
             <a:lvl1pPr marL="0" indent="0">
               <a:buNone/>
-              <a:defRPr sz="14600"/>
+              <a:defRPr sz="12200"/>
             </a:lvl1pPr>
-            <a:lvl2pPr marL="2090044" indent="0">
+            <a:lvl2pPr marL="1755574" indent="0">
               <a:buNone/>
-              <a:defRPr sz="12800"/>
+              <a:defRPr sz="10700"/>
             </a:lvl2pPr>
-            <a:lvl3pPr marL="4180088" indent="0">
+            <a:lvl3pPr marL="3511148" indent="0">
               <a:buNone/>
-              <a:defRPr sz="11000"/>
+              <a:defRPr sz="9300"/>
             </a:lvl3pPr>
-            <a:lvl4pPr marL="6270132" indent="0">
+            <a:lvl4pPr marL="5266723" indent="0">
               <a:buNone/>
-              <a:defRPr sz="9100"/>
+              <a:defRPr sz="7700"/>
             </a:lvl4pPr>
-            <a:lvl5pPr marL="8360176" indent="0">
+            <a:lvl5pPr marL="7022297" indent="0">
               <a:buNone/>
-              <a:defRPr sz="9100"/>
+              <a:defRPr sz="7700"/>
             </a:lvl5pPr>
-            <a:lvl6pPr marL="10450220" indent="0">
+            <a:lvl6pPr marL="8777871" indent="0">
               <a:buNone/>
-              <a:defRPr sz="9100"/>
+              <a:defRPr sz="7700"/>
             </a:lvl6pPr>
-            <a:lvl7pPr marL="12540264" indent="0">
+            <a:lvl7pPr marL="10533445" indent="0">
               <a:buNone/>
-              <a:defRPr sz="9100"/>
+              <a:defRPr sz="7700"/>
             </a:lvl7pPr>
-            <a:lvl8pPr marL="14630309" indent="0">
+            <a:lvl8pPr marL="12289020" indent="0">
               <a:buNone/>
-              <a:defRPr sz="9100"/>
+              <a:defRPr sz="7700"/>
             </a:lvl8pPr>
-            <a:lvl9pPr marL="16720353" indent="0">
+            <a:lvl9pPr marL="14044595" indent="0">
               <a:buNone/>
-              <a:defRPr sz="9100"/>
+              <a:defRPr sz="7700"/>
             </a:lvl9pPr>
           </a:lstStyle>
           <a:p>
@@ -2437,8 +2437,8 @@
         </p:nvSpPr>
         <p:spPr>
           <a:xfrm>
-            <a:off x="7169152" y="16102015"/>
-            <a:ext cx="21945600" cy="2414585"/>
+            <a:off x="4839178" y="25047581"/>
+            <a:ext cx="14813280" cy="3756021"/>
           </a:xfrm>
         </p:spPr>
         <p:txBody>
@@ -2446,39 +2446,39 @@
           <a:lstStyle>
             <a:lvl1pPr marL="0" indent="0">
               <a:buNone/>
-              <a:defRPr sz="6400"/>
+              <a:defRPr sz="5400"/>
             </a:lvl1pPr>
-            <a:lvl2pPr marL="2090044" indent="0">
-              <a:buNone/>
-              <a:defRPr sz="5500"/>
-            </a:lvl2pPr>
-            <a:lvl3pPr marL="4180088" indent="0">
+            <a:lvl2pPr marL="1755574" indent="0">
               <a:buNone/>
               <a:defRPr sz="4600"/>
+            </a:lvl2pPr>
+            <a:lvl3pPr marL="3511148" indent="0">
+              <a:buNone/>
+              <a:defRPr sz="3900"/>
             </a:lvl3pPr>
-            <a:lvl4pPr marL="6270132" indent="0">
+            <a:lvl4pPr marL="5266723" indent="0">
               <a:buNone/>
-              <a:defRPr sz="4100"/>
+              <a:defRPr sz="3400"/>
             </a:lvl4pPr>
-            <a:lvl5pPr marL="8360176" indent="0">
+            <a:lvl5pPr marL="7022297" indent="0">
               <a:buNone/>
-              <a:defRPr sz="4100"/>
+              <a:defRPr sz="3400"/>
             </a:lvl5pPr>
-            <a:lvl6pPr marL="10450220" indent="0">
+            <a:lvl6pPr marL="8777871" indent="0">
               <a:buNone/>
-              <a:defRPr sz="4100"/>
+              <a:defRPr sz="3400"/>
             </a:lvl6pPr>
-            <a:lvl7pPr marL="12540264" indent="0">
+            <a:lvl7pPr marL="10533445" indent="0">
               <a:buNone/>
-              <a:defRPr sz="4100"/>
+              <a:defRPr sz="3400"/>
             </a:lvl7pPr>
-            <a:lvl8pPr marL="14630309" indent="0">
+            <a:lvl8pPr marL="12289020" indent="0">
               <a:buNone/>
-              <a:defRPr sz="4100"/>
+              <a:defRPr sz="3400"/>
             </a:lvl8pPr>
-            <a:lvl9pPr marL="16720353" indent="0">
+            <a:lvl9pPr marL="14044595" indent="0">
               <a:buNone/>
-              <a:defRPr sz="4100"/>
+              <a:defRPr sz="3400"/>
             </a:lvl9pPr>
           </a:lstStyle>
           <a:p>
@@ -2602,15 +2602,15 @@
         </p:nvSpPr>
         <p:spPr>
           <a:xfrm>
-            <a:off x="1828800" y="823914"/>
-            <a:ext cx="32918400" cy="3429000"/>
+            <a:off x="1234440" y="1281644"/>
+            <a:ext cx="22219920" cy="5334000"/>
           </a:xfrm>
           <a:prstGeom prst="rect">
             <a:avLst/>
           </a:prstGeom>
         </p:spPr>
         <p:txBody>
-          <a:bodyPr vert="horz" lIns="418009" tIns="209004" rIns="418009" bIns="209004" rtlCol="0" anchor="ctr">
+          <a:bodyPr vert="horz" lIns="351115" tIns="175557" rIns="351115" bIns="175557" rtlCol="0" anchor="ctr">
             <a:normAutofit/>
           </a:bodyPr>
           <a:lstStyle/>
@@ -2635,15 +2635,15 @@
         </p:nvSpPr>
         <p:spPr>
           <a:xfrm>
-            <a:off x="1828800" y="4800602"/>
-            <a:ext cx="32918400" cy="13577889"/>
+            <a:off x="1234440" y="7467606"/>
+            <a:ext cx="22219920" cy="21121161"/>
           </a:xfrm>
           <a:prstGeom prst="rect">
             <a:avLst/>
           </a:prstGeom>
         </p:spPr>
         <p:txBody>
-          <a:bodyPr vert="horz" lIns="418009" tIns="209004" rIns="418009" bIns="209004" rtlCol="0">
+          <a:bodyPr vert="horz" lIns="351115" tIns="175557" rIns="351115" bIns="175557" rtlCol="0">
             <a:normAutofit/>
           </a:bodyPr>
           <a:lstStyle/>
@@ -2697,18 +2697,18 @@
         </p:nvSpPr>
         <p:spPr>
           <a:xfrm>
-            <a:off x="1828800" y="19069052"/>
-            <a:ext cx="8534400" cy="1095375"/>
+            <a:off x="1234440" y="29662972"/>
+            <a:ext cx="5760720" cy="1703916"/>
           </a:xfrm>
           <a:prstGeom prst="rect">
             <a:avLst/>
           </a:prstGeom>
         </p:spPr>
         <p:txBody>
-          <a:bodyPr vert="horz" lIns="418009" tIns="209004" rIns="418009" bIns="209004" rtlCol="0" anchor="ctr"/>
+          <a:bodyPr vert="horz" lIns="351115" tIns="175557" rIns="351115" bIns="175557" rtlCol="0" anchor="ctr"/>
           <a:lstStyle>
             <a:lvl1pPr algn="l">
-              <a:defRPr sz="5500">
+              <a:defRPr sz="4600">
                 <a:solidFill>
                   <a:schemeClr val="tx1">
                     <a:tint val="75000"/>
@@ -2738,18 +2738,18 @@
         </p:nvSpPr>
         <p:spPr>
           <a:xfrm>
-            <a:off x="12496800" y="19069052"/>
-            <a:ext cx="11582400" cy="1095375"/>
+            <a:off x="8435340" y="29662972"/>
+            <a:ext cx="7818120" cy="1703916"/>
           </a:xfrm>
           <a:prstGeom prst="rect">
             <a:avLst/>
           </a:prstGeom>
         </p:spPr>
         <p:txBody>
-          <a:bodyPr vert="horz" lIns="418009" tIns="209004" rIns="418009" bIns="209004" rtlCol="0" anchor="ctr"/>
+          <a:bodyPr vert="horz" lIns="351115" tIns="175557" rIns="351115" bIns="175557" rtlCol="0" anchor="ctr"/>
           <a:lstStyle>
             <a:lvl1pPr algn="ctr">
-              <a:defRPr sz="5500">
+              <a:defRPr sz="4600">
                 <a:solidFill>
                   <a:schemeClr val="tx1">
                     <a:tint val="75000"/>
@@ -2775,18 +2775,18 @@
         </p:nvSpPr>
         <p:spPr>
           <a:xfrm>
-            <a:off x="26212800" y="19069052"/>
-            <a:ext cx="8534400" cy="1095375"/>
+            <a:off x="17693640" y="29662972"/>
+            <a:ext cx="5760720" cy="1703916"/>
           </a:xfrm>
           <a:prstGeom prst="rect">
             <a:avLst/>
           </a:prstGeom>
         </p:spPr>
         <p:txBody>
-          <a:bodyPr vert="horz" lIns="418009" tIns="209004" rIns="418009" bIns="209004" rtlCol="0" anchor="ctr"/>
+          <a:bodyPr vert="horz" lIns="351115" tIns="175557" rIns="351115" bIns="175557" rtlCol="0" anchor="ctr"/>
           <a:lstStyle>
             <a:lvl1pPr algn="r">
-              <a:defRPr sz="5500">
+              <a:defRPr sz="4600">
                 <a:solidFill>
                   <a:schemeClr val="tx1">
                     <a:tint val="75000"/>
@@ -2827,12 +2827,12 @@
   </p:sldLayoutIdLst>
   <p:txStyles>
     <p:titleStyle>
-      <a:lvl1pPr algn="ctr" defTabSz="2090044" rtl="0" eaLnBrk="1" latinLnBrk="0" hangingPunct="1">
+      <a:lvl1pPr algn="ctr" defTabSz="1755574" rtl="0" eaLnBrk="1" latinLnBrk="0" hangingPunct="1">
         <a:spcBef>
           <a:spcPct val="0"/>
         </a:spcBef>
         <a:buNone/>
-        <a:defRPr sz="20100" kern="1200">
+        <a:defRPr sz="16900" kern="1200">
           <a:solidFill>
             <a:schemeClr val="tx1"/>
           </a:solidFill>
@@ -2843,13 +2843,13 @@
       </a:lvl1pPr>
     </p:titleStyle>
     <p:bodyStyle>
-      <a:lvl1pPr marL="1567533" indent="-1567533" algn="l" defTabSz="2090044" rtl="0" eaLnBrk="1" latinLnBrk="0" hangingPunct="1">
+      <a:lvl1pPr marL="1316681" indent="-1316681" algn="l" defTabSz="1755574" rtl="0" eaLnBrk="1" latinLnBrk="0" hangingPunct="1">
         <a:spcBef>
           <a:spcPct val="20000"/>
         </a:spcBef>
         <a:buFont typeface="Arial"/>
         <a:buChar char="•"/>
-        <a:defRPr sz="14600" kern="1200">
+        <a:defRPr sz="12200" kern="1200">
           <a:solidFill>
             <a:schemeClr val="tx1"/>
           </a:solidFill>
@@ -2858,13 +2858,13 @@
           <a:cs typeface="+mn-cs"/>
         </a:defRPr>
       </a:lvl1pPr>
-      <a:lvl2pPr marL="3396322" indent="-1306278" algn="l" defTabSz="2090044" rtl="0" eaLnBrk="1" latinLnBrk="0" hangingPunct="1">
+      <a:lvl2pPr marL="2852808" indent="-1097234" algn="l" defTabSz="1755574" rtl="0" eaLnBrk="1" latinLnBrk="0" hangingPunct="1">
         <a:spcBef>
           <a:spcPct val="20000"/>
         </a:spcBef>
         <a:buFont typeface="Arial"/>
         <a:buChar char="–"/>
-        <a:defRPr sz="12800" kern="1200">
+        <a:defRPr sz="10700" kern="1200">
           <a:solidFill>
             <a:schemeClr val="tx1"/>
           </a:solidFill>
@@ -2873,13 +2873,13 @@
           <a:cs typeface="+mn-cs"/>
         </a:defRPr>
       </a:lvl2pPr>
-      <a:lvl3pPr marL="5225110" indent="-1045022" algn="l" defTabSz="2090044" rtl="0" eaLnBrk="1" latinLnBrk="0" hangingPunct="1">
+      <a:lvl3pPr marL="4388936" indent="-877787" algn="l" defTabSz="1755574" rtl="0" eaLnBrk="1" latinLnBrk="0" hangingPunct="1">
         <a:spcBef>
           <a:spcPct val="20000"/>
         </a:spcBef>
         <a:buFont typeface="Arial"/>
         <a:buChar char="•"/>
-        <a:defRPr sz="11000" kern="1200">
+        <a:defRPr sz="9300" kern="1200">
           <a:solidFill>
             <a:schemeClr val="tx1"/>
           </a:solidFill>
@@ -2888,13 +2888,13 @@
           <a:cs typeface="+mn-cs"/>
         </a:defRPr>
       </a:lvl3pPr>
-      <a:lvl4pPr marL="7315154" indent="-1045022" algn="l" defTabSz="2090044" rtl="0" eaLnBrk="1" latinLnBrk="0" hangingPunct="1">
+      <a:lvl4pPr marL="6144510" indent="-877787" algn="l" defTabSz="1755574" rtl="0" eaLnBrk="1" latinLnBrk="0" hangingPunct="1">
         <a:spcBef>
           <a:spcPct val="20000"/>
         </a:spcBef>
         <a:buFont typeface="Arial"/>
         <a:buChar char="–"/>
-        <a:defRPr sz="9100" kern="1200">
+        <a:defRPr sz="7700" kern="1200">
           <a:solidFill>
             <a:schemeClr val="tx1"/>
           </a:solidFill>
@@ -2903,13 +2903,13 @@
           <a:cs typeface="+mn-cs"/>
         </a:defRPr>
       </a:lvl4pPr>
-      <a:lvl5pPr marL="9405198" indent="-1045022" algn="l" defTabSz="2090044" rtl="0" eaLnBrk="1" latinLnBrk="0" hangingPunct="1">
+      <a:lvl5pPr marL="7900084" indent="-877787" algn="l" defTabSz="1755574" rtl="0" eaLnBrk="1" latinLnBrk="0" hangingPunct="1">
         <a:spcBef>
           <a:spcPct val="20000"/>
         </a:spcBef>
         <a:buFont typeface="Arial"/>
         <a:buChar char="»"/>
-        <a:defRPr sz="9100" kern="1200">
+        <a:defRPr sz="7700" kern="1200">
           <a:solidFill>
             <a:schemeClr val="tx1"/>
           </a:solidFill>
@@ -2918,13 +2918,13 @@
           <a:cs typeface="+mn-cs"/>
         </a:defRPr>
       </a:lvl5pPr>
-      <a:lvl6pPr marL="11495242" indent="-1045022" algn="l" defTabSz="2090044" rtl="0" eaLnBrk="1" latinLnBrk="0" hangingPunct="1">
+      <a:lvl6pPr marL="9655658" indent="-877787" algn="l" defTabSz="1755574" rtl="0" eaLnBrk="1" latinLnBrk="0" hangingPunct="1">
         <a:spcBef>
           <a:spcPct val="20000"/>
         </a:spcBef>
         <a:buFont typeface="Arial"/>
         <a:buChar char="•"/>
-        <a:defRPr sz="9100" kern="1200">
+        <a:defRPr sz="7700" kern="1200">
           <a:solidFill>
             <a:schemeClr val="tx1"/>
           </a:solidFill>
@@ -2933,13 +2933,13 @@
           <a:cs typeface="+mn-cs"/>
         </a:defRPr>
       </a:lvl6pPr>
-      <a:lvl7pPr marL="13585287" indent="-1045022" algn="l" defTabSz="2090044" rtl="0" eaLnBrk="1" latinLnBrk="0" hangingPunct="1">
+      <a:lvl7pPr marL="11411233" indent="-877787" algn="l" defTabSz="1755574" rtl="0" eaLnBrk="1" latinLnBrk="0" hangingPunct="1">
         <a:spcBef>
           <a:spcPct val="20000"/>
         </a:spcBef>
         <a:buFont typeface="Arial"/>
         <a:buChar char="•"/>
-        <a:defRPr sz="9100" kern="1200">
+        <a:defRPr sz="7700" kern="1200">
           <a:solidFill>
             <a:schemeClr val="tx1"/>
           </a:solidFill>
@@ -2948,13 +2948,13 @@
           <a:cs typeface="+mn-cs"/>
         </a:defRPr>
       </a:lvl7pPr>
-      <a:lvl8pPr marL="15675331" indent="-1045022" algn="l" defTabSz="2090044" rtl="0" eaLnBrk="1" latinLnBrk="0" hangingPunct="1">
+      <a:lvl8pPr marL="13166807" indent="-877787" algn="l" defTabSz="1755574" rtl="0" eaLnBrk="1" latinLnBrk="0" hangingPunct="1">
         <a:spcBef>
           <a:spcPct val="20000"/>
         </a:spcBef>
         <a:buFont typeface="Arial"/>
         <a:buChar char="•"/>
-        <a:defRPr sz="9100" kern="1200">
+        <a:defRPr sz="7700" kern="1200">
           <a:solidFill>
             <a:schemeClr val="tx1"/>
           </a:solidFill>
@@ -2963,13 +2963,13 @@
           <a:cs typeface="+mn-cs"/>
         </a:defRPr>
       </a:lvl8pPr>
-      <a:lvl9pPr marL="17765375" indent="-1045022" algn="l" defTabSz="2090044" rtl="0" eaLnBrk="1" latinLnBrk="0" hangingPunct="1">
+      <a:lvl9pPr marL="14922382" indent="-877787" algn="l" defTabSz="1755574" rtl="0" eaLnBrk="1" latinLnBrk="0" hangingPunct="1">
         <a:spcBef>
           <a:spcPct val="20000"/>
         </a:spcBef>
         <a:buFont typeface="Arial"/>
         <a:buChar char="•"/>
-        <a:defRPr sz="9100" kern="1200">
+        <a:defRPr sz="7700" kern="1200">
           <a:solidFill>
             <a:schemeClr val="tx1"/>
           </a:solidFill>
@@ -2983,8 +2983,8 @@
       <a:defPPr>
         <a:defRPr lang="en-US"/>
       </a:defPPr>
-      <a:lvl1pPr marL="0" algn="l" defTabSz="2090044" rtl="0" eaLnBrk="1" latinLnBrk="0" hangingPunct="1">
-        <a:defRPr sz="8200" kern="1200">
+      <a:lvl1pPr marL="0" algn="l" defTabSz="1755574" rtl="0" eaLnBrk="1" latinLnBrk="0" hangingPunct="1">
+        <a:defRPr sz="6900" kern="1200">
           <a:solidFill>
             <a:schemeClr val="tx1"/>
           </a:solidFill>
@@ -2993,8 +2993,8 @@
           <a:cs typeface="+mn-cs"/>
         </a:defRPr>
       </a:lvl1pPr>
-      <a:lvl2pPr marL="2090044" algn="l" defTabSz="2090044" rtl="0" eaLnBrk="1" latinLnBrk="0" hangingPunct="1">
-        <a:defRPr sz="8200" kern="1200">
+      <a:lvl2pPr marL="1755574" algn="l" defTabSz="1755574" rtl="0" eaLnBrk="1" latinLnBrk="0" hangingPunct="1">
+        <a:defRPr sz="6900" kern="1200">
           <a:solidFill>
             <a:schemeClr val="tx1"/>
           </a:solidFill>
@@ -3003,8 +3003,8 @@
           <a:cs typeface="+mn-cs"/>
         </a:defRPr>
       </a:lvl2pPr>
-      <a:lvl3pPr marL="4180088" algn="l" defTabSz="2090044" rtl="0" eaLnBrk="1" latinLnBrk="0" hangingPunct="1">
-        <a:defRPr sz="8200" kern="1200">
+      <a:lvl3pPr marL="3511148" algn="l" defTabSz="1755574" rtl="0" eaLnBrk="1" latinLnBrk="0" hangingPunct="1">
+        <a:defRPr sz="6900" kern="1200">
           <a:solidFill>
             <a:schemeClr val="tx1"/>
           </a:solidFill>
@@ -3013,8 +3013,8 @@
           <a:cs typeface="+mn-cs"/>
         </a:defRPr>
       </a:lvl3pPr>
-      <a:lvl4pPr marL="6270132" algn="l" defTabSz="2090044" rtl="0" eaLnBrk="1" latinLnBrk="0" hangingPunct="1">
-        <a:defRPr sz="8200" kern="1200">
+      <a:lvl4pPr marL="5266723" algn="l" defTabSz="1755574" rtl="0" eaLnBrk="1" latinLnBrk="0" hangingPunct="1">
+        <a:defRPr sz="6900" kern="1200">
           <a:solidFill>
             <a:schemeClr val="tx1"/>
           </a:solidFill>
@@ -3023,8 +3023,8 @@
           <a:cs typeface="+mn-cs"/>
         </a:defRPr>
       </a:lvl4pPr>
-      <a:lvl5pPr marL="8360176" algn="l" defTabSz="2090044" rtl="0" eaLnBrk="1" latinLnBrk="0" hangingPunct="1">
-        <a:defRPr sz="8200" kern="1200">
+      <a:lvl5pPr marL="7022297" algn="l" defTabSz="1755574" rtl="0" eaLnBrk="1" latinLnBrk="0" hangingPunct="1">
+        <a:defRPr sz="6900" kern="1200">
           <a:solidFill>
             <a:schemeClr val="tx1"/>
           </a:solidFill>
@@ -3033,8 +3033,8 @@
           <a:cs typeface="+mn-cs"/>
         </a:defRPr>
       </a:lvl5pPr>
-      <a:lvl6pPr marL="10450220" algn="l" defTabSz="2090044" rtl="0" eaLnBrk="1" latinLnBrk="0" hangingPunct="1">
-        <a:defRPr sz="8200" kern="1200">
+      <a:lvl6pPr marL="8777871" algn="l" defTabSz="1755574" rtl="0" eaLnBrk="1" latinLnBrk="0" hangingPunct="1">
+        <a:defRPr sz="6900" kern="1200">
           <a:solidFill>
             <a:schemeClr val="tx1"/>
           </a:solidFill>
@@ -3043,8 +3043,8 @@
           <a:cs typeface="+mn-cs"/>
         </a:defRPr>
       </a:lvl6pPr>
-      <a:lvl7pPr marL="12540264" algn="l" defTabSz="2090044" rtl="0" eaLnBrk="1" latinLnBrk="0" hangingPunct="1">
-        <a:defRPr sz="8200" kern="1200">
+      <a:lvl7pPr marL="10533445" algn="l" defTabSz="1755574" rtl="0" eaLnBrk="1" latinLnBrk="0" hangingPunct="1">
+        <a:defRPr sz="6900" kern="1200">
           <a:solidFill>
             <a:schemeClr val="tx1"/>
           </a:solidFill>
@@ -3053,8 +3053,8 @@
           <a:cs typeface="+mn-cs"/>
         </a:defRPr>
       </a:lvl7pPr>
-      <a:lvl8pPr marL="14630309" algn="l" defTabSz="2090044" rtl="0" eaLnBrk="1" latinLnBrk="0" hangingPunct="1">
-        <a:defRPr sz="8200" kern="1200">
+      <a:lvl8pPr marL="12289020" algn="l" defTabSz="1755574" rtl="0" eaLnBrk="1" latinLnBrk="0" hangingPunct="1">
+        <a:defRPr sz="6900" kern="1200">
           <a:solidFill>
             <a:schemeClr val="tx1"/>
           </a:solidFill>
@@ -3063,8 +3063,8 @@
           <a:cs typeface="+mn-cs"/>
         </a:defRPr>
       </a:lvl8pPr>
-      <a:lvl9pPr marL="16720353" algn="l" defTabSz="2090044" rtl="0" eaLnBrk="1" latinLnBrk="0" hangingPunct="1">
-        <a:defRPr sz="8200" kern="1200">
+      <a:lvl9pPr marL="14044595" algn="l" defTabSz="1755574" rtl="0" eaLnBrk="1" latinLnBrk="0" hangingPunct="1">
+        <a:defRPr sz="6900" kern="1200">
           <a:solidFill>
             <a:schemeClr val="tx1"/>
           </a:solidFill>
@@ -3097,13 +3097,13 @@
       </p:grpSpPr>
       <p:grpSp>
         <p:nvGrpSpPr>
-          <p:cNvPr id="1499" name="Group 1498"/>
+          <p:cNvPr id="3280" name="Group 3279"/>
           <p:cNvGrpSpPr/>
           <p:nvPr/>
         </p:nvGrpSpPr>
         <p:grpSpPr>
           <a:xfrm>
-            <a:off x="11002451" y="69272"/>
+            <a:off x="212230" y="10684875"/>
             <a:ext cx="3698875" cy="5957455"/>
             <a:chOff x="1071713" y="323272"/>
             <a:chExt cx="3698875" cy="5957455"/>
@@ -3111,7 +3111,7 @@
         </p:grpSpPr>
         <p:grpSp>
           <p:nvGrpSpPr>
-            <p:cNvPr id="1500" name="Group 1499"/>
+            <p:cNvPr id="3281" name="Group 3280"/>
             <p:cNvGrpSpPr/>
             <p:nvPr/>
           </p:nvGrpSpPr>
@@ -3125,7 +3125,7 @@
           </p:grpSpPr>
           <p:sp>
             <p:nvSpPr>
-              <p:cNvPr id="1506" name="Rectangle 1505"/>
+              <p:cNvPr id="3287" name="Rectangle 3286"/>
               <p:cNvSpPr/>
               <p:nvPr/>
             </p:nvSpPr>
@@ -3172,7 +3172,7 @@
           </p:sp>
           <p:sp>
             <p:nvSpPr>
-              <p:cNvPr id="1507" name="Rectangle 1506"/>
+              <p:cNvPr id="3288" name="Rectangle 3287"/>
               <p:cNvSpPr/>
               <p:nvPr/>
             </p:nvSpPr>
@@ -3219,7 +3219,7 @@
           </p:sp>
           <p:sp>
             <p:nvSpPr>
-              <p:cNvPr id="1508" name="Octagon 1507"/>
+              <p:cNvPr id="3289" name="Octagon 3288"/>
               <p:cNvSpPr/>
               <p:nvPr/>
             </p:nvSpPr>
@@ -3279,7 +3279,7 @@
           </p:sp>
           <p:sp>
             <p:nvSpPr>
-              <p:cNvPr id="1509" name="Octagon 1508"/>
+              <p:cNvPr id="3290" name="Octagon 3289"/>
               <p:cNvSpPr/>
               <p:nvPr/>
             </p:nvSpPr>
@@ -3339,7 +3339,7 @@
           </p:sp>
           <p:sp>
             <p:nvSpPr>
-              <p:cNvPr id="1510" name="Octagon 1509"/>
+              <p:cNvPr id="3291" name="Octagon 3290"/>
               <p:cNvSpPr/>
               <p:nvPr/>
             </p:nvSpPr>
@@ -3399,7 +3399,7 @@
           </p:sp>
           <p:sp>
             <p:nvSpPr>
-              <p:cNvPr id="1511" name="Octagon 1510"/>
+              <p:cNvPr id="3292" name="Octagon 3291"/>
               <p:cNvSpPr/>
               <p:nvPr/>
             </p:nvSpPr>
@@ -3459,7 +3459,7 @@
           </p:sp>
           <p:sp>
             <p:nvSpPr>
-              <p:cNvPr id="1512" name="Octagon 1511"/>
+              <p:cNvPr id="3293" name="Octagon 3292"/>
               <p:cNvSpPr/>
               <p:nvPr/>
             </p:nvSpPr>
@@ -3519,7 +3519,7 @@
           </p:sp>
           <p:sp>
             <p:nvSpPr>
-              <p:cNvPr id="1513" name="Frame 1512"/>
+              <p:cNvPr id="3294" name="Frame 3293"/>
               <p:cNvSpPr/>
               <p:nvPr/>
             </p:nvSpPr>
@@ -3571,7 +3571,7 @@
         </p:grpSp>
         <p:sp>
           <p:nvSpPr>
-            <p:cNvPr id="1501" name="Octagon 1500"/>
+            <p:cNvPr id="3282" name="Octagon 3281"/>
             <p:cNvSpPr/>
             <p:nvPr/>
           </p:nvSpPr>
@@ -3628,7 +3628,7 @@
         </p:sp>
         <p:sp>
           <p:nvSpPr>
-            <p:cNvPr id="1502" name="Octagon 1501"/>
+            <p:cNvPr id="3283" name="Octagon 3282"/>
             <p:cNvSpPr/>
             <p:nvPr/>
           </p:nvSpPr>
@@ -3685,7 +3685,7 @@
         </p:sp>
         <p:sp>
           <p:nvSpPr>
-            <p:cNvPr id="1503" name="Octagon 1502"/>
+            <p:cNvPr id="3284" name="Octagon 3283"/>
             <p:cNvSpPr/>
             <p:nvPr/>
           </p:nvSpPr>
@@ -3742,7 +3742,7 @@
         </p:sp>
         <p:sp>
           <p:nvSpPr>
-            <p:cNvPr id="1504" name="Octagon 1503"/>
+            <p:cNvPr id="3285" name="Octagon 3284"/>
             <p:cNvSpPr/>
             <p:nvPr/>
           </p:nvSpPr>
@@ -3799,7 +3799,7 @@
         </p:sp>
         <p:sp>
           <p:nvSpPr>
-            <p:cNvPr id="1505" name="Octagon 1504"/>
+            <p:cNvPr id="3286" name="Octagon 3285"/>
             <p:cNvSpPr/>
             <p:nvPr/>
           </p:nvSpPr>
@@ -3857,13 +3857,13 @@
       </p:grpSp>
       <p:grpSp>
         <p:nvGrpSpPr>
-          <p:cNvPr id="1514" name="Group 1513"/>
+          <p:cNvPr id="3295" name="Group 3294"/>
           <p:cNvGrpSpPr/>
           <p:nvPr/>
         </p:nvGrpSpPr>
         <p:grpSpPr>
           <a:xfrm>
-            <a:off x="15110570" y="69272"/>
+            <a:off x="4320349" y="10684875"/>
             <a:ext cx="3698875" cy="5957455"/>
             <a:chOff x="5060850" y="323272"/>
             <a:chExt cx="3698875" cy="5957455"/>
@@ -3871,7 +3871,7 @@
         </p:grpSpPr>
         <p:grpSp>
           <p:nvGrpSpPr>
-            <p:cNvPr id="1515" name="Group 1514"/>
+            <p:cNvPr id="3296" name="Group 3295"/>
             <p:cNvGrpSpPr/>
             <p:nvPr/>
           </p:nvGrpSpPr>
@@ -3885,7 +3885,7 @@
           </p:grpSpPr>
           <p:sp>
             <p:nvSpPr>
-              <p:cNvPr id="1521" name="Rectangle 1520"/>
+              <p:cNvPr id="3302" name="Rectangle 3301"/>
               <p:cNvSpPr/>
               <p:nvPr/>
             </p:nvSpPr>
@@ -3932,7 +3932,7 @@
           </p:sp>
           <p:sp>
             <p:nvSpPr>
-              <p:cNvPr id="1522" name="Rectangle 1521"/>
+              <p:cNvPr id="3303" name="Rectangle 3302"/>
               <p:cNvSpPr/>
               <p:nvPr/>
             </p:nvSpPr>
@@ -3979,7 +3979,7 @@
           </p:sp>
           <p:sp>
             <p:nvSpPr>
-              <p:cNvPr id="1523" name="Octagon 1522"/>
+              <p:cNvPr id="3304" name="Octagon 3303"/>
               <p:cNvSpPr/>
               <p:nvPr/>
             </p:nvSpPr>
@@ -4039,7 +4039,7 @@
           </p:sp>
           <p:sp>
             <p:nvSpPr>
-              <p:cNvPr id="1524" name="Octagon 1523"/>
+              <p:cNvPr id="3305" name="Octagon 3304"/>
               <p:cNvSpPr/>
               <p:nvPr/>
             </p:nvSpPr>
@@ -4099,7 +4099,7 @@
           </p:sp>
           <p:sp>
             <p:nvSpPr>
-              <p:cNvPr id="1525" name="Octagon 1524"/>
+              <p:cNvPr id="3306" name="Octagon 3305"/>
               <p:cNvSpPr/>
               <p:nvPr/>
             </p:nvSpPr>
@@ -4159,7 +4159,7 @@
           </p:sp>
           <p:sp>
             <p:nvSpPr>
-              <p:cNvPr id="1526" name="Octagon 1525"/>
+              <p:cNvPr id="3307" name="Octagon 3306"/>
               <p:cNvSpPr/>
               <p:nvPr/>
             </p:nvSpPr>
@@ -4219,7 +4219,7 @@
           </p:sp>
           <p:sp>
             <p:nvSpPr>
-              <p:cNvPr id="1527" name="Octagon 1526"/>
+              <p:cNvPr id="3308" name="Octagon 3307"/>
               <p:cNvSpPr/>
               <p:nvPr/>
             </p:nvSpPr>
@@ -4279,7 +4279,7 @@
           </p:sp>
           <p:sp>
             <p:nvSpPr>
-              <p:cNvPr id="1528" name="Frame 1527"/>
+              <p:cNvPr id="3309" name="Frame 3308"/>
               <p:cNvSpPr/>
               <p:nvPr/>
             </p:nvSpPr>
@@ -4331,7 +4331,7 @@
         </p:grpSp>
         <p:sp>
           <p:nvSpPr>
-            <p:cNvPr id="1516" name="Octagon 1515"/>
+            <p:cNvPr id="3297" name="Octagon 3296"/>
             <p:cNvSpPr/>
             <p:nvPr/>
           </p:nvSpPr>
@@ -4388,7 +4388,7 @@
         </p:sp>
         <p:sp>
           <p:nvSpPr>
-            <p:cNvPr id="1517" name="Octagon 1516"/>
+            <p:cNvPr id="3298" name="Octagon 3297"/>
             <p:cNvSpPr/>
             <p:nvPr/>
           </p:nvSpPr>
@@ -4445,7 +4445,7 @@
         </p:sp>
         <p:sp>
           <p:nvSpPr>
-            <p:cNvPr id="1518" name="Octagon 1517"/>
+            <p:cNvPr id="3299" name="Octagon 3298"/>
             <p:cNvSpPr/>
             <p:nvPr/>
           </p:nvSpPr>
@@ -4502,7 +4502,7 @@
         </p:sp>
         <p:sp>
           <p:nvSpPr>
-            <p:cNvPr id="1519" name="Octagon 1518"/>
+            <p:cNvPr id="3300" name="Octagon 3299"/>
             <p:cNvSpPr/>
             <p:nvPr/>
           </p:nvSpPr>
@@ -4559,7 +4559,7 @@
         </p:sp>
         <p:sp>
           <p:nvSpPr>
-            <p:cNvPr id="1520" name="Octagon 1519"/>
+            <p:cNvPr id="3301" name="Octagon 3300"/>
             <p:cNvSpPr/>
             <p:nvPr/>
           </p:nvSpPr>
@@ -4617,13 +4617,13 @@
       </p:grpSp>
       <p:grpSp>
         <p:nvGrpSpPr>
-          <p:cNvPr id="1529" name="Group 1528"/>
+          <p:cNvPr id="3310" name="Group 3309"/>
           <p:cNvGrpSpPr/>
           <p:nvPr/>
         </p:nvGrpSpPr>
         <p:grpSpPr>
           <a:xfrm>
-            <a:off x="19218689" y="69272"/>
+            <a:off x="8428468" y="10684875"/>
             <a:ext cx="3698875" cy="5957455"/>
             <a:chOff x="9109075" y="323272"/>
             <a:chExt cx="3698875" cy="5957455"/>
@@ -4631,7 +4631,7 @@
         </p:grpSpPr>
         <p:grpSp>
           <p:nvGrpSpPr>
-            <p:cNvPr id="1530" name="Group 1529"/>
+            <p:cNvPr id="3311" name="Group 3310"/>
             <p:cNvGrpSpPr/>
             <p:nvPr/>
           </p:nvGrpSpPr>
@@ -4645,7 +4645,7 @@
           </p:grpSpPr>
           <p:sp>
             <p:nvSpPr>
-              <p:cNvPr id="1536" name="Rectangle 1535"/>
+              <p:cNvPr id="3317" name="Rectangle 3316"/>
               <p:cNvSpPr/>
               <p:nvPr/>
             </p:nvSpPr>
@@ -4692,7 +4692,7 @@
           </p:sp>
           <p:sp>
             <p:nvSpPr>
-              <p:cNvPr id="1537" name="Rectangle 1536"/>
+              <p:cNvPr id="3318" name="Rectangle 3317"/>
               <p:cNvSpPr/>
               <p:nvPr/>
             </p:nvSpPr>
@@ -4745,7 +4745,7 @@
           </p:sp>
           <p:sp>
             <p:nvSpPr>
-              <p:cNvPr id="1538" name="Octagon 1537"/>
+              <p:cNvPr id="3319" name="Octagon 3318"/>
               <p:cNvSpPr/>
               <p:nvPr/>
             </p:nvSpPr>
@@ -4805,7 +4805,7 @@
           </p:sp>
           <p:sp>
             <p:nvSpPr>
-              <p:cNvPr id="1539" name="Octagon 1538"/>
+              <p:cNvPr id="3320" name="Octagon 3319"/>
               <p:cNvSpPr/>
               <p:nvPr/>
             </p:nvSpPr>
@@ -4865,7 +4865,7 @@
           </p:sp>
           <p:sp>
             <p:nvSpPr>
-              <p:cNvPr id="1540" name="Octagon 1539"/>
+              <p:cNvPr id="3321" name="Octagon 3320"/>
               <p:cNvSpPr/>
               <p:nvPr/>
             </p:nvSpPr>
@@ -4925,7 +4925,7 @@
           </p:sp>
           <p:sp>
             <p:nvSpPr>
-              <p:cNvPr id="1541" name="Octagon 1540"/>
+              <p:cNvPr id="3322" name="Octagon 3321"/>
               <p:cNvSpPr/>
               <p:nvPr/>
             </p:nvSpPr>
@@ -4985,7 +4985,7 @@
           </p:sp>
           <p:sp>
             <p:nvSpPr>
-              <p:cNvPr id="1542" name="Octagon 1541"/>
+              <p:cNvPr id="3323" name="Octagon 3322"/>
               <p:cNvSpPr/>
               <p:nvPr/>
             </p:nvSpPr>
@@ -5045,7 +5045,7 @@
           </p:sp>
           <p:sp>
             <p:nvSpPr>
-              <p:cNvPr id="1543" name="Frame 1542"/>
+              <p:cNvPr id="3324" name="Frame 3323"/>
               <p:cNvSpPr/>
               <p:nvPr/>
             </p:nvSpPr>
@@ -5097,7 +5097,7 @@
         </p:grpSp>
         <p:sp>
           <p:nvSpPr>
-            <p:cNvPr id="1531" name="Octagon 1530"/>
+            <p:cNvPr id="3312" name="Octagon 3311"/>
             <p:cNvSpPr/>
             <p:nvPr/>
           </p:nvSpPr>
@@ -5154,7 +5154,7 @@
         </p:sp>
         <p:sp>
           <p:nvSpPr>
-            <p:cNvPr id="1532" name="Octagon 1531"/>
+            <p:cNvPr id="3313" name="Octagon 3312"/>
             <p:cNvSpPr/>
             <p:nvPr/>
           </p:nvSpPr>
@@ -5211,7 +5211,7 @@
         </p:sp>
         <p:sp>
           <p:nvSpPr>
-            <p:cNvPr id="1533" name="Octagon 1532"/>
+            <p:cNvPr id="3314" name="Octagon 3313"/>
             <p:cNvSpPr/>
             <p:nvPr/>
           </p:nvSpPr>
@@ -5268,7 +5268,7 @@
         </p:sp>
         <p:sp>
           <p:nvSpPr>
-            <p:cNvPr id="1534" name="Octagon 1533"/>
+            <p:cNvPr id="3315" name="Octagon 3314"/>
             <p:cNvSpPr/>
             <p:nvPr/>
           </p:nvSpPr>
@@ -5325,7 +5325,7 @@
         </p:sp>
         <p:sp>
           <p:nvSpPr>
-            <p:cNvPr id="1535" name="Octagon 1534"/>
+            <p:cNvPr id="3316" name="Octagon 3315"/>
             <p:cNvSpPr/>
             <p:nvPr/>
           </p:nvSpPr>
@@ -5383,13 +5383,13 @@
       </p:grpSp>
       <p:grpSp>
         <p:nvGrpSpPr>
-          <p:cNvPr id="1544" name="Group 1543"/>
+          <p:cNvPr id="3325" name="Group 3324"/>
           <p:cNvGrpSpPr/>
           <p:nvPr/>
         </p:nvGrpSpPr>
         <p:grpSpPr>
           <a:xfrm>
-            <a:off x="23326808" y="69272"/>
+            <a:off x="12536587" y="10684875"/>
             <a:ext cx="3698875" cy="5957455"/>
             <a:chOff x="13227783" y="323272"/>
             <a:chExt cx="3698875" cy="5957455"/>
@@ -5397,7 +5397,7 @@
         </p:grpSpPr>
         <p:grpSp>
           <p:nvGrpSpPr>
-            <p:cNvPr id="1545" name="Group 1544"/>
+            <p:cNvPr id="3326" name="Group 3325"/>
             <p:cNvGrpSpPr/>
             <p:nvPr/>
           </p:nvGrpSpPr>
@@ -5411,7 +5411,7 @@
           </p:grpSpPr>
           <p:sp>
             <p:nvSpPr>
-              <p:cNvPr id="1551" name="Rectangle 1550"/>
+              <p:cNvPr id="3332" name="Rectangle 3331"/>
               <p:cNvSpPr/>
               <p:nvPr/>
             </p:nvSpPr>
@@ -5458,7 +5458,7 @@
           </p:sp>
           <p:sp>
             <p:nvSpPr>
-              <p:cNvPr id="1552" name="Rectangle 1551"/>
+              <p:cNvPr id="3333" name="Rectangle 3332"/>
               <p:cNvSpPr/>
               <p:nvPr/>
             </p:nvSpPr>
@@ -5505,7 +5505,7 @@
           </p:sp>
           <p:sp>
             <p:nvSpPr>
-              <p:cNvPr id="1553" name="Octagon 1552"/>
+              <p:cNvPr id="3334" name="Octagon 3333"/>
               <p:cNvSpPr/>
               <p:nvPr/>
             </p:nvSpPr>
@@ -5565,7 +5565,7 @@
           </p:sp>
           <p:sp>
             <p:nvSpPr>
-              <p:cNvPr id="1554" name="Octagon 1553"/>
+              <p:cNvPr id="3335" name="Octagon 3334"/>
               <p:cNvSpPr/>
               <p:nvPr/>
             </p:nvSpPr>
@@ -5625,7 +5625,7 @@
           </p:sp>
           <p:sp>
             <p:nvSpPr>
-              <p:cNvPr id="1555" name="Octagon 1554"/>
+              <p:cNvPr id="3336" name="Octagon 3335"/>
               <p:cNvSpPr/>
               <p:nvPr/>
             </p:nvSpPr>
@@ -5685,7 +5685,7 @@
           </p:sp>
           <p:sp>
             <p:nvSpPr>
-              <p:cNvPr id="1556" name="Octagon 1555"/>
+              <p:cNvPr id="3337" name="Octagon 3336"/>
               <p:cNvSpPr/>
               <p:nvPr/>
             </p:nvSpPr>
@@ -5745,7 +5745,7 @@
           </p:sp>
           <p:sp>
             <p:nvSpPr>
-              <p:cNvPr id="1557" name="Octagon 1556"/>
+              <p:cNvPr id="3338" name="Octagon 3337"/>
               <p:cNvSpPr/>
               <p:nvPr/>
             </p:nvSpPr>
@@ -5805,7 +5805,7 @@
           </p:sp>
           <p:sp>
             <p:nvSpPr>
-              <p:cNvPr id="1558" name="Frame 1557"/>
+              <p:cNvPr id="3339" name="Frame 3338"/>
               <p:cNvSpPr/>
               <p:nvPr/>
             </p:nvSpPr>
@@ -5857,7 +5857,7 @@
         </p:grpSp>
         <p:sp>
           <p:nvSpPr>
-            <p:cNvPr id="1546" name="Octagon 1545"/>
+            <p:cNvPr id="3327" name="Octagon 3326"/>
             <p:cNvSpPr/>
             <p:nvPr/>
           </p:nvSpPr>
@@ -5914,7 +5914,7 @@
         </p:sp>
         <p:sp>
           <p:nvSpPr>
-            <p:cNvPr id="1547" name="Octagon 1546"/>
+            <p:cNvPr id="3328" name="Octagon 3327"/>
             <p:cNvSpPr/>
             <p:nvPr/>
           </p:nvSpPr>
@@ -5971,7 +5971,7 @@
         </p:sp>
         <p:sp>
           <p:nvSpPr>
-            <p:cNvPr id="1548" name="Octagon 1547"/>
+            <p:cNvPr id="3329" name="Octagon 3328"/>
             <p:cNvSpPr/>
             <p:nvPr/>
           </p:nvSpPr>
@@ -6028,7 +6028,7 @@
         </p:sp>
         <p:sp>
           <p:nvSpPr>
-            <p:cNvPr id="1549" name="Octagon 1548"/>
+            <p:cNvPr id="3330" name="Octagon 3329"/>
             <p:cNvSpPr/>
             <p:nvPr/>
           </p:nvSpPr>
@@ -6085,7 +6085,7 @@
         </p:sp>
         <p:sp>
           <p:nvSpPr>
-            <p:cNvPr id="1550" name="Octagon 1549"/>
+            <p:cNvPr id="3331" name="Octagon 3330"/>
             <p:cNvSpPr/>
             <p:nvPr/>
           </p:nvSpPr>
@@ -6143,13 +6143,13 @@
       </p:grpSp>
       <p:grpSp>
         <p:nvGrpSpPr>
-          <p:cNvPr id="1559" name="Group 1558"/>
+          <p:cNvPr id="3340" name="Group 3339"/>
           <p:cNvGrpSpPr/>
           <p:nvPr/>
         </p:nvGrpSpPr>
         <p:grpSpPr>
           <a:xfrm>
-            <a:off x="27434927" y="69272"/>
+            <a:off x="16644706" y="10684875"/>
             <a:ext cx="3698875" cy="5957455"/>
             <a:chOff x="17483259" y="323272"/>
             <a:chExt cx="3698875" cy="5957455"/>
@@ -6157,7 +6157,7 @@
         </p:grpSpPr>
         <p:grpSp>
           <p:nvGrpSpPr>
-            <p:cNvPr id="1560" name="Group 1559"/>
+            <p:cNvPr id="3341" name="Group 3340"/>
             <p:cNvGrpSpPr/>
             <p:nvPr/>
           </p:nvGrpSpPr>
@@ -6171,7 +6171,7 @@
           </p:grpSpPr>
           <p:sp>
             <p:nvSpPr>
-              <p:cNvPr id="1566" name="Rectangle 1565"/>
+              <p:cNvPr id="3347" name="Rectangle 3346"/>
               <p:cNvSpPr/>
               <p:nvPr/>
             </p:nvSpPr>
@@ -6218,7 +6218,7 @@
           </p:sp>
           <p:sp>
             <p:nvSpPr>
-              <p:cNvPr id="1567" name="Rectangle 1566"/>
+              <p:cNvPr id="3348" name="Rectangle 3347"/>
               <p:cNvSpPr/>
               <p:nvPr/>
             </p:nvSpPr>
@@ -6265,7 +6265,7 @@
           </p:sp>
           <p:sp>
             <p:nvSpPr>
-              <p:cNvPr id="1568" name="Octagon 1567"/>
+              <p:cNvPr id="3349" name="Octagon 3348"/>
               <p:cNvSpPr/>
               <p:nvPr/>
             </p:nvSpPr>
@@ -6325,7 +6325,7 @@
           </p:sp>
           <p:sp>
             <p:nvSpPr>
-              <p:cNvPr id="1569" name="Octagon 1568"/>
+              <p:cNvPr id="3350" name="Octagon 3349"/>
               <p:cNvSpPr/>
               <p:nvPr/>
             </p:nvSpPr>
@@ -6385,7 +6385,7 @@
           </p:sp>
           <p:sp>
             <p:nvSpPr>
-              <p:cNvPr id="1570" name="Octagon 1569"/>
+              <p:cNvPr id="3351" name="Octagon 3350"/>
               <p:cNvSpPr/>
               <p:nvPr/>
             </p:nvSpPr>
@@ -6445,7 +6445,7 @@
           </p:sp>
           <p:sp>
             <p:nvSpPr>
-              <p:cNvPr id="1571" name="Octagon 1570"/>
+              <p:cNvPr id="3352" name="Octagon 3351"/>
               <p:cNvSpPr/>
               <p:nvPr/>
             </p:nvSpPr>
@@ -6505,7 +6505,7 @@
           </p:sp>
           <p:sp>
             <p:nvSpPr>
-              <p:cNvPr id="1572" name="Octagon 1571"/>
+              <p:cNvPr id="3353" name="Octagon 3352"/>
               <p:cNvSpPr/>
               <p:nvPr/>
             </p:nvSpPr>
@@ -6565,7 +6565,7 @@
           </p:sp>
           <p:sp>
             <p:nvSpPr>
-              <p:cNvPr id="1573" name="Frame 1572"/>
+              <p:cNvPr id="3354" name="Frame 3353"/>
               <p:cNvSpPr/>
               <p:nvPr/>
             </p:nvSpPr>
@@ -6617,7 +6617,7 @@
         </p:grpSp>
         <p:sp>
           <p:nvSpPr>
-            <p:cNvPr id="1561" name="Octagon 1560"/>
+            <p:cNvPr id="3342" name="Octagon 3341"/>
             <p:cNvSpPr/>
             <p:nvPr/>
           </p:nvSpPr>
@@ -6674,7 +6674,7 @@
         </p:sp>
         <p:sp>
           <p:nvSpPr>
-            <p:cNvPr id="1562" name="Octagon 1561"/>
+            <p:cNvPr id="3343" name="Octagon 3342"/>
             <p:cNvSpPr/>
             <p:nvPr/>
           </p:nvSpPr>
@@ -6731,7 +6731,7 @@
         </p:sp>
         <p:sp>
           <p:nvSpPr>
-            <p:cNvPr id="1563" name="Octagon 1562"/>
+            <p:cNvPr id="3344" name="Octagon 3343"/>
             <p:cNvSpPr/>
             <p:nvPr/>
           </p:nvSpPr>
@@ -6788,7 +6788,7 @@
         </p:sp>
         <p:sp>
           <p:nvSpPr>
-            <p:cNvPr id="1564" name="Octagon 1563"/>
+            <p:cNvPr id="3345" name="Octagon 3344"/>
             <p:cNvSpPr/>
             <p:nvPr/>
           </p:nvSpPr>
@@ -6845,7 +6845,7 @@
         </p:sp>
         <p:sp>
           <p:nvSpPr>
-            <p:cNvPr id="1565" name="Octagon 1564"/>
+            <p:cNvPr id="3346" name="Octagon 3345"/>
             <p:cNvSpPr/>
             <p:nvPr/>
           </p:nvSpPr>
@@ -6903,13 +6903,13 @@
       </p:grpSp>
       <p:grpSp>
         <p:nvGrpSpPr>
-          <p:cNvPr id="1574" name="Group 1573"/>
+          <p:cNvPr id="3355" name="Group 3354"/>
           <p:cNvGrpSpPr/>
           <p:nvPr/>
         </p:nvGrpSpPr>
         <p:grpSpPr>
           <a:xfrm>
-            <a:off x="31543047" y="69272"/>
+            <a:off x="20752826" y="10684875"/>
             <a:ext cx="3698875" cy="5957455"/>
             <a:chOff x="21612309" y="323272"/>
             <a:chExt cx="3698875" cy="5957455"/>
@@ -6917,7 +6917,7 @@
         </p:grpSpPr>
         <p:grpSp>
           <p:nvGrpSpPr>
-            <p:cNvPr id="1575" name="Group 1574"/>
+            <p:cNvPr id="3356" name="Group 3355"/>
             <p:cNvGrpSpPr/>
             <p:nvPr/>
           </p:nvGrpSpPr>
@@ -6931,7 +6931,7 @@
           </p:grpSpPr>
           <p:sp>
             <p:nvSpPr>
-              <p:cNvPr id="1581" name="Rectangle 1580"/>
+              <p:cNvPr id="3362" name="Rectangle 3361"/>
               <p:cNvSpPr/>
               <p:nvPr/>
             </p:nvSpPr>
@@ -6978,7 +6978,7 @@
           </p:sp>
           <p:sp>
             <p:nvSpPr>
-              <p:cNvPr id="1582" name="Rectangle 1581"/>
+              <p:cNvPr id="3363" name="Rectangle 3362"/>
               <p:cNvSpPr/>
               <p:nvPr/>
             </p:nvSpPr>
@@ -7025,7 +7025,7 @@
           </p:sp>
           <p:sp>
             <p:nvSpPr>
-              <p:cNvPr id="1583" name="Octagon 1582"/>
+              <p:cNvPr id="3364" name="Octagon 3363"/>
               <p:cNvSpPr/>
               <p:nvPr/>
             </p:nvSpPr>
@@ -7085,7 +7085,7 @@
           </p:sp>
           <p:sp>
             <p:nvSpPr>
-              <p:cNvPr id="1584" name="Octagon 1583"/>
+              <p:cNvPr id="3365" name="Octagon 3364"/>
               <p:cNvSpPr/>
               <p:nvPr/>
             </p:nvSpPr>
@@ -7145,7 +7145,7 @@
           </p:sp>
           <p:sp>
             <p:nvSpPr>
-              <p:cNvPr id="1585" name="Octagon 1584"/>
+              <p:cNvPr id="3366" name="Octagon 3365"/>
               <p:cNvSpPr/>
               <p:nvPr/>
             </p:nvSpPr>
@@ -7205,7 +7205,7 @@
           </p:sp>
           <p:sp>
             <p:nvSpPr>
-              <p:cNvPr id="1586" name="Octagon 1585"/>
+              <p:cNvPr id="3367" name="Octagon 3366"/>
               <p:cNvSpPr/>
               <p:nvPr/>
             </p:nvSpPr>
@@ -7265,7 +7265,7 @@
           </p:sp>
           <p:sp>
             <p:nvSpPr>
-              <p:cNvPr id="1587" name="Octagon 1586"/>
+              <p:cNvPr id="3368" name="Octagon 3367"/>
               <p:cNvSpPr/>
               <p:nvPr/>
             </p:nvSpPr>
@@ -7325,7 +7325,7 @@
           </p:sp>
           <p:sp>
             <p:nvSpPr>
-              <p:cNvPr id="1588" name="Frame 1587"/>
+              <p:cNvPr id="3369" name="Frame 3368"/>
               <p:cNvSpPr/>
               <p:nvPr/>
             </p:nvSpPr>
@@ -7377,7 +7377,7 @@
         </p:grpSp>
         <p:sp>
           <p:nvSpPr>
-            <p:cNvPr id="1576" name="Octagon 1575"/>
+            <p:cNvPr id="3357" name="Octagon 3356"/>
             <p:cNvSpPr/>
             <p:nvPr/>
           </p:nvSpPr>
@@ -7434,7 +7434,7 @@
         </p:sp>
         <p:sp>
           <p:nvSpPr>
-            <p:cNvPr id="1577" name="Octagon 1576"/>
+            <p:cNvPr id="3358" name="Octagon 3357"/>
             <p:cNvSpPr/>
             <p:nvPr/>
           </p:nvSpPr>
@@ -7491,7 +7491,7 @@
         </p:sp>
         <p:sp>
           <p:nvSpPr>
-            <p:cNvPr id="1578" name="Octagon 1577"/>
+            <p:cNvPr id="3359" name="Octagon 3358"/>
             <p:cNvSpPr/>
             <p:nvPr/>
           </p:nvSpPr>
@@ -7548,7 +7548,7 @@
         </p:sp>
         <p:sp>
           <p:nvSpPr>
-            <p:cNvPr id="1579" name="Octagon 1578"/>
+            <p:cNvPr id="3360" name="Octagon 3359"/>
             <p:cNvSpPr/>
             <p:nvPr/>
           </p:nvSpPr>
@@ -7605,7 +7605,7 @@
         </p:sp>
         <p:sp>
           <p:nvSpPr>
-            <p:cNvPr id="1580" name="Octagon 1579"/>
+            <p:cNvPr id="3361" name="Octagon 3360"/>
             <p:cNvSpPr/>
             <p:nvPr/>
           </p:nvSpPr>
@@ -7663,13 +7663,13 @@
       </p:grpSp>
       <p:grpSp>
         <p:nvGrpSpPr>
-          <p:cNvPr id="1589" name="Group 1588"/>
+          <p:cNvPr id="3370" name="Group 3369"/>
           <p:cNvGrpSpPr/>
           <p:nvPr/>
         </p:nvGrpSpPr>
         <p:grpSpPr>
           <a:xfrm>
-            <a:off x="11002451" y="6393872"/>
+            <a:off x="212230" y="18076275"/>
             <a:ext cx="3698875" cy="5957455"/>
             <a:chOff x="1025470" y="323272"/>
             <a:chExt cx="3698875" cy="5957455"/>
@@ -7677,7 +7677,7 @@
         </p:grpSpPr>
         <p:sp>
           <p:nvSpPr>
-            <p:cNvPr id="1590" name="Rectangle 1589"/>
+            <p:cNvPr id="3371" name="Rectangle 3370"/>
             <p:cNvSpPr/>
             <p:nvPr/>
           </p:nvSpPr>
@@ -7724,7 +7724,7 @@
         </p:sp>
         <p:sp>
           <p:nvSpPr>
-            <p:cNvPr id="1591" name="Rectangle 1590"/>
+            <p:cNvPr id="3372" name="Rectangle 3371"/>
             <p:cNvSpPr/>
             <p:nvPr/>
           </p:nvSpPr>
@@ -7771,7 +7771,7 @@
         </p:sp>
         <p:sp>
           <p:nvSpPr>
-            <p:cNvPr id="1592" name="Octagon 1591"/>
+            <p:cNvPr id="3373" name="Octagon 3372"/>
             <p:cNvSpPr/>
             <p:nvPr/>
           </p:nvSpPr>
@@ -7831,7 +7831,7 @@
         </p:sp>
         <p:sp>
           <p:nvSpPr>
-            <p:cNvPr id="1593" name="Octagon 1592"/>
+            <p:cNvPr id="3374" name="Octagon 3373"/>
             <p:cNvSpPr/>
             <p:nvPr/>
           </p:nvSpPr>
@@ -7891,7 +7891,7 @@
         </p:sp>
         <p:sp>
           <p:nvSpPr>
-            <p:cNvPr id="1594" name="Octagon 1593"/>
+            <p:cNvPr id="3375" name="Octagon 3374"/>
             <p:cNvSpPr/>
             <p:nvPr/>
           </p:nvSpPr>
@@ -7951,7 +7951,7 @@
         </p:sp>
         <p:sp>
           <p:nvSpPr>
-            <p:cNvPr id="1595" name="Octagon 1594"/>
+            <p:cNvPr id="3376" name="Octagon 3375"/>
             <p:cNvSpPr/>
             <p:nvPr/>
           </p:nvSpPr>
@@ -8011,7 +8011,7 @@
         </p:sp>
         <p:sp>
           <p:nvSpPr>
-            <p:cNvPr id="1596" name="Octagon 1595"/>
+            <p:cNvPr id="3377" name="Octagon 3376"/>
             <p:cNvSpPr/>
             <p:nvPr/>
           </p:nvSpPr>
@@ -8071,7 +8071,7 @@
         </p:sp>
         <p:sp>
           <p:nvSpPr>
-            <p:cNvPr id="1597" name="Frame 1596"/>
+            <p:cNvPr id="3378" name="Frame 3377"/>
             <p:cNvSpPr/>
             <p:nvPr/>
           </p:nvSpPr>
@@ -8123,13 +8123,13 @@
       </p:grpSp>
       <p:sp>
         <p:nvSpPr>
-          <p:cNvPr id="1598" name="Octagon 1597"/>
+          <p:cNvPr id="3379" name="Octagon 3378"/>
           <p:cNvSpPr/>
           <p:nvPr/>
         </p:nvSpPr>
         <p:spPr>
           <a:xfrm>
-            <a:off x="13771106" y="6985001"/>
+            <a:off x="2980885" y="18667404"/>
             <a:ext cx="738909" cy="738909"/>
           </a:xfrm>
           <a:prstGeom prst="octagon">
@@ -8180,13 +8180,13 @@
       </p:sp>
       <p:sp>
         <p:nvSpPr>
-          <p:cNvPr id="1599" name="Octagon 1598"/>
+          <p:cNvPr id="3380" name="Octagon 3379"/>
           <p:cNvSpPr/>
           <p:nvPr/>
         </p:nvSpPr>
         <p:spPr>
           <a:xfrm>
-            <a:off x="12241658" y="10988964"/>
+            <a:off x="1451437" y="22671367"/>
             <a:ext cx="738909" cy="738909"/>
           </a:xfrm>
           <a:prstGeom prst="octagon">
@@ -8237,13 +8237,13 @@
       </p:sp>
       <p:sp>
         <p:nvSpPr>
-          <p:cNvPr id="1600" name="Octagon 1599"/>
+          <p:cNvPr id="3381" name="Octagon 3380"/>
           <p:cNvSpPr/>
           <p:nvPr/>
         </p:nvSpPr>
         <p:spPr>
           <a:xfrm>
-            <a:off x="12248728" y="10250055"/>
+            <a:off x="1458507" y="21932458"/>
             <a:ext cx="738909" cy="738909"/>
           </a:xfrm>
           <a:prstGeom prst="octagon">
@@ -8294,13 +8294,13 @@
       </p:sp>
       <p:sp>
         <p:nvSpPr>
-          <p:cNvPr id="1601" name="Octagon 1600"/>
+          <p:cNvPr id="3382" name="Octagon 3381"/>
           <p:cNvSpPr/>
           <p:nvPr/>
         </p:nvSpPr>
         <p:spPr>
           <a:xfrm>
-            <a:off x="12987637" y="10250055"/>
+            <a:off x="2197416" y="21932458"/>
             <a:ext cx="738909" cy="738909"/>
           </a:xfrm>
           <a:prstGeom prst="octagon">
@@ -8351,13 +8351,13 @@
       </p:sp>
       <p:sp>
         <p:nvSpPr>
-          <p:cNvPr id="1602" name="Octagon 1601"/>
+          <p:cNvPr id="3383" name="Octagon 3382"/>
           <p:cNvSpPr/>
           <p:nvPr/>
         </p:nvSpPr>
         <p:spPr>
           <a:xfrm>
-            <a:off x="13726546" y="10250055"/>
+            <a:off x="2936325" y="21932458"/>
             <a:ext cx="738909" cy="738909"/>
           </a:xfrm>
           <a:prstGeom prst="octagon">
@@ -8408,13 +8408,13 @@
       </p:sp>
       <p:grpSp>
         <p:nvGrpSpPr>
-          <p:cNvPr id="1603" name="Group 1602"/>
+          <p:cNvPr id="3384" name="Group 3383"/>
           <p:cNvGrpSpPr/>
           <p:nvPr/>
         </p:nvGrpSpPr>
         <p:grpSpPr>
           <a:xfrm>
-            <a:off x="15110570" y="6393872"/>
+            <a:off x="4320349" y="18076275"/>
             <a:ext cx="3698875" cy="5957455"/>
             <a:chOff x="1025470" y="323272"/>
             <a:chExt cx="3698875" cy="5957455"/>
@@ -8422,7 +8422,7 @@
         </p:grpSpPr>
         <p:sp>
           <p:nvSpPr>
-            <p:cNvPr id="1604" name="Rectangle 1603"/>
+            <p:cNvPr id="3385" name="Rectangle 3384"/>
             <p:cNvSpPr/>
             <p:nvPr/>
           </p:nvSpPr>
@@ -8469,7 +8469,7 @@
         </p:sp>
         <p:sp>
           <p:nvSpPr>
-            <p:cNvPr id="1605" name="Rectangle 1604"/>
+            <p:cNvPr id="3386" name="Rectangle 3385"/>
             <p:cNvSpPr/>
             <p:nvPr/>
           </p:nvSpPr>
@@ -8516,7 +8516,7 @@
         </p:sp>
         <p:sp>
           <p:nvSpPr>
-            <p:cNvPr id="1606" name="Octagon 1605"/>
+            <p:cNvPr id="3387" name="Octagon 3386"/>
             <p:cNvSpPr/>
             <p:nvPr/>
           </p:nvSpPr>
@@ -8576,7 +8576,7 @@
         </p:sp>
         <p:sp>
           <p:nvSpPr>
-            <p:cNvPr id="1607" name="Octagon 1606"/>
+            <p:cNvPr id="3388" name="Octagon 3387"/>
             <p:cNvSpPr/>
             <p:nvPr/>
           </p:nvSpPr>
@@ -8636,7 +8636,7 @@
         </p:sp>
         <p:sp>
           <p:nvSpPr>
-            <p:cNvPr id="1608" name="Octagon 1607"/>
+            <p:cNvPr id="3389" name="Octagon 3388"/>
             <p:cNvSpPr/>
             <p:nvPr/>
           </p:nvSpPr>
@@ -8696,7 +8696,7 @@
         </p:sp>
         <p:sp>
           <p:nvSpPr>
-            <p:cNvPr id="1609" name="Octagon 1608"/>
+            <p:cNvPr id="3390" name="Octagon 3389"/>
             <p:cNvSpPr/>
             <p:nvPr/>
           </p:nvSpPr>
@@ -8756,7 +8756,7 @@
         </p:sp>
         <p:sp>
           <p:nvSpPr>
-            <p:cNvPr id="1610" name="Octagon 1609"/>
+            <p:cNvPr id="3391" name="Octagon 3390"/>
             <p:cNvSpPr/>
             <p:nvPr/>
           </p:nvSpPr>
@@ -8816,7 +8816,7 @@
         </p:sp>
         <p:sp>
           <p:nvSpPr>
-            <p:cNvPr id="1611" name="Frame 1610"/>
+            <p:cNvPr id="3392" name="Frame 3391"/>
             <p:cNvSpPr/>
             <p:nvPr/>
           </p:nvSpPr>
@@ -8868,13 +8868,13 @@
       </p:grpSp>
       <p:sp>
         <p:nvSpPr>
-          <p:cNvPr id="1612" name="Octagon 1611"/>
+          <p:cNvPr id="3393" name="Octagon 3392"/>
           <p:cNvSpPr/>
           <p:nvPr/>
         </p:nvSpPr>
         <p:spPr>
           <a:xfrm>
-            <a:off x="17631058" y="7354455"/>
+            <a:off x="6840837" y="19036858"/>
             <a:ext cx="738909" cy="738909"/>
           </a:xfrm>
           <a:prstGeom prst="octagon">
@@ -8925,13 +8925,13 @@
       </p:sp>
       <p:sp>
         <p:nvSpPr>
-          <p:cNvPr id="1613" name="Octagon 1612"/>
+          <p:cNvPr id="3394" name="Octagon 3393"/>
           <p:cNvSpPr/>
           <p:nvPr/>
         </p:nvSpPr>
         <p:spPr>
           <a:xfrm>
-            <a:off x="16101610" y="11358418"/>
+            <a:off x="5311389" y="23040821"/>
             <a:ext cx="738909" cy="738909"/>
           </a:xfrm>
           <a:prstGeom prst="octagon">
@@ -8982,13 +8982,13 @@
       </p:sp>
       <p:sp>
         <p:nvSpPr>
-          <p:cNvPr id="1614" name="Octagon 1613"/>
+          <p:cNvPr id="3395" name="Octagon 3394"/>
           <p:cNvSpPr/>
           <p:nvPr/>
         </p:nvSpPr>
         <p:spPr>
           <a:xfrm>
-            <a:off x="16108680" y="10619509"/>
+            <a:off x="5318459" y="22301912"/>
             <a:ext cx="738909" cy="738909"/>
           </a:xfrm>
           <a:prstGeom prst="octagon">
@@ -9039,13 +9039,13 @@
       </p:sp>
       <p:sp>
         <p:nvSpPr>
-          <p:cNvPr id="1615" name="Octagon 1614"/>
+          <p:cNvPr id="3396" name="Octagon 3395"/>
           <p:cNvSpPr/>
           <p:nvPr/>
         </p:nvSpPr>
         <p:spPr>
           <a:xfrm>
-            <a:off x="16847589" y="10619509"/>
+            <a:off x="6057368" y="22301912"/>
             <a:ext cx="738909" cy="738909"/>
           </a:xfrm>
           <a:prstGeom prst="octagon">
@@ -9096,13 +9096,13 @@
       </p:sp>
       <p:sp>
         <p:nvSpPr>
-          <p:cNvPr id="1616" name="Octagon 1615"/>
+          <p:cNvPr id="3397" name="Octagon 3396"/>
           <p:cNvSpPr/>
           <p:nvPr/>
         </p:nvSpPr>
         <p:spPr>
           <a:xfrm>
-            <a:off x="17586498" y="10619509"/>
+            <a:off x="6796277" y="22301912"/>
             <a:ext cx="738909" cy="738909"/>
           </a:xfrm>
           <a:prstGeom prst="octagon">
@@ -9153,13 +9153,13 @@
       </p:sp>
       <p:grpSp>
         <p:nvGrpSpPr>
-          <p:cNvPr id="1617" name="Group 1616"/>
+          <p:cNvPr id="3398" name="Group 3397"/>
           <p:cNvGrpSpPr/>
           <p:nvPr/>
         </p:nvGrpSpPr>
         <p:grpSpPr>
           <a:xfrm>
-            <a:off x="19218689" y="6407727"/>
+            <a:off x="8428468" y="18090130"/>
             <a:ext cx="3698875" cy="5957455"/>
             <a:chOff x="1025470" y="323272"/>
             <a:chExt cx="3698875" cy="5957455"/>
@@ -9167,7 +9167,7 @@
         </p:grpSpPr>
         <p:sp>
           <p:nvSpPr>
-            <p:cNvPr id="1618" name="Rectangle 1617"/>
+            <p:cNvPr id="3399" name="Rectangle 3398"/>
             <p:cNvSpPr/>
             <p:nvPr/>
           </p:nvSpPr>
@@ -9214,7 +9214,7 @@
         </p:sp>
         <p:sp>
           <p:nvSpPr>
-            <p:cNvPr id="1619" name="Rectangle 1618"/>
+            <p:cNvPr id="3400" name="Rectangle 3399"/>
             <p:cNvSpPr/>
             <p:nvPr/>
           </p:nvSpPr>
@@ -9261,7 +9261,7 @@
         </p:sp>
         <p:sp>
           <p:nvSpPr>
-            <p:cNvPr id="1620" name="Octagon 1619"/>
+            <p:cNvPr id="3401" name="Octagon 3400"/>
             <p:cNvSpPr/>
             <p:nvPr/>
           </p:nvSpPr>
@@ -9321,7 +9321,7 @@
         </p:sp>
         <p:sp>
           <p:nvSpPr>
-            <p:cNvPr id="1621" name="Octagon 1620"/>
+            <p:cNvPr id="3402" name="Octagon 3401"/>
             <p:cNvSpPr/>
             <p:nvPr/>
           </p:nvSpPr>
@@ -9381,7 +9381,7 @@
         </p:sp>
         <p:sp>
           <p:nvSpPr>
-            <p:cNvPr id="1622" name="Octagon 1621"/>
+            <p:cNvPr id="3403" name="Octagon 3402"/>
             <p:cNvSpPr/>
             <p:nvPr/>
           </p:nvSpPr>
@@ -9441,7 +9441,7 @@
         </p:sp>
         <p:sp>
           <p:nvSpPr>
-            <p:cNvPr id="1623" name="Octagon 1622"/>
+            <p:cNvPr id="3404" name="Octagon 3403"/>
             <p:cNvSpPr/>
             <p:nvPr/>
           </p:nvSpPr>
@@ -9501,7 +9501,7 @@
         </p:sp>
         <p:sp>
           <p:nvSpPr>
-            <p:cNvPr id="1624" name="Octagon 1623"/>
+            <p:cNvPr id="3405" name="Octagon 3404"/>
             <p:cNvSpPr/>
             <p:nvPr/>
           </p:nvSpPr>
@@ -9561,7 +9561,7 @@
         </p:sp>
         <p:sp>
           <p:nvSpPr>
-            <p:cNvPr id="1625" name="Frame 1624"/>
+            <p:cNvPr id="3406" name="Frame 3405"/>
             <p:cNvSpPr/>
             <p:nvPr/>
           </p:nvSpPr>
@@ -9613,13 +9613,13 @@
       </p:grpSp>
       <p:sp>
         <p:nvSpPr>
-          <p:cNvPr id="1626" name="Octagon 1625"/>
+          <p:cNvPr id="3407" name="Octagon 3406"/>
           <p:cNvSpPr/>
           <p:nvPr/>
         </p:nvSpPr>
         <p:spPr>
           <a:xfrm>
-            <a:off x="21739177" y="7368310"/>
+            <a:off x="10948956" y="19050713"/>
             <a:ext cx="738909" cy="738909"/>
           </a:xfrm>
           <a:prstGeom prst="octagon">
@@ -9670,13 +9670,13 @@
       </p:sp>
       <p:sp>
         <p:nvSpPr>
-          <p:cNvPr id="1627" name="Octagon 1626"/>
+          <p:cNvPr id="3408" name="Octagon 3407"/>
           <p:cNvSpPr/>
           <p:nvPr/>
         </p:nvSpPr>
         <p:spPr>
           <a:xfrm>
-            <a:off x="19473129" y="11372273"/>
+            <a:off x="8682908" y="23054676"/>
             <a:ext cx="738909" cy="738909"/>
           </a:xfrm>
           <a:prstGeom prst="octagon">
@@ -9727,13 +9727,13 @@
       </p:sp>
       <p:sp>
         <p:nvSpPr>
-          <p:cNvPr id="1628" name="Octagon 1627"/>
+          <p:cNvPr id="3409" name="Octagon 3408"/>
           <p:cNvSpPr/>
           <p:nvPr/>
         </p:nvSpPr>
         <p:spPr>
           <a:xfrm>
-            <a:off x="20216799" y="10633364"/>
+            <a:off x="9426578" y="22315767"/>
             <a:ext cx="738909" cy="738909"/>
           </a:xfrm>
           <a:prstGeom prst="octagon">
@@ -9784,13 +9784,13 @@
       </p:sp>
       <p:sp>
         <p:nvSpPr>
-          <p:cNvPr id="1629" name="Octagon 1628"/>
+          <p:cNvPr id="3410" name="Octagon 3409"/>
           <p:cNvSpPr/>
           <p:nvPr/>
         </p:nvSpPr>
         <p:spPr>
           <a:xfrm>
-            <a:off x="20955708" y="10633364"/>
+            <a:off x="10165487" y="22315767"/>
             <a:ext cx="738909" cy="738909"/>
           </a:xfrm>
           <a:prstGeom prst="octagon">
@@ -9841,13 +9841,13 @@
       </p:sp>
       <p:sp>
         <p:nvSpPr>
-          <p:cNvPr id="1630" name="Octagon 1629"/>
+          <p:cNvPr id="3411" name="Octagon 3410"/>
           <p:cNvSpPr/>
           <p:nvPr/>
         </p:nvSpPr>
         <p:spPr>
           <a:xfrm>
-            <a:off x="21694617" y="10633364"/>
+            <a:off x="10904396" y="22315767"/>
             <a:ext cx="738909" cy="738909"/>
           </a:xfrm>
           <a:prstGeom prst="octagon">
@@ -9898,13 +9898,13 @@
       </p:sp>
       <p:grpSp>
         <p:nvGrpSpPr>
-          <p:cNvPr id="1631" name="Group 1630"/>
+          <p:cNvPr id="3412" name="Group 3411"/>
           <p:cNvGrpSpPr/>
           <p:nvPr/>
         </p:nvGrpSpPr>
         <p:grpSpPr>
           <a:xfrm>
-            <a:off x="23326808" y="6423892"/>
+            <a:off x="12536587" y="18106295"/>
             <a:ext cx="3698875" cy="5957455"/>
             <a:chOff x="1025470" y="323272"/>
             <a:chExt cx="3698875" cy="5957455"/>
@@ -9912,7 +9912,7 @@
         </p:grpSpPr>
         <p:sp>
           <p:nvSpPr>
-            <p:cNvPr id="1632" name="Rectangle 1631"/>
+            <p:cNvPr id="3413" name="Rectangle 3412"/>
             <p:cNvSpPr/>
             <p:nvPr/>
           </p:nvSpPr>
@@ -9959,7 +9959,7 @@
         </p:sp>
         <p:sp>
           <p:nvSpPr>
-            <p:cNvPr id="1633" name="Rectangle 1632"/>
+            <p:cNvPr id="3414" name="Rectangle 3413"/>
             <p:cNvSpPr/>
             <p:nvPr/>
           </p:nvSpPr>
@@ -10006,7 +10006,7 @@
         </p:sp>
         <p:sp>
           <p:nvSpPr>
-            <p:cNvPr id="1634" name="Octagon 1633"/>
+            <p:cNvPr id="3415" name="Octagon 3414"/>
             <p:cNvSpPr/>
             <p:nvPr/>
           </p:nvSpPr>
@@ -10066,7 +10066,7 @@
         </p:sp>
         <p:sp>
           <p:nvSpPr>
-            <p:cNvPr id="1635" name="Octagon 1634"/>
+            <p:cNvPr id="3416" name="Octagon 3415"/>
             <p:cNvSpPr/>
             <p:nvPr/>
           </p:nvSpPr>
@@ -10126,7 +10126,7 @@
         </p:sp>
         <p:sp>
           <p:nvSpPr>
-            <p:cNvPr id="1636" name="Octagon 1635"/>
+            <p:cNvPr id="3417" name="Octagon 3416"/>
             <p:cNvSpPr/>
             <p:nvPr/>
           </p:nvSpPr>
@@ -10186,7 +10186,7 @@
         </p:sp>
         <p:sp>
           <p:nvSpPr>
-            <p:cNvPr id="1637" name="Octagon 1636"/>
+            <p:cNvPr id="3418" name="Octagon 3417"/>
             <p:cNvSpPr/>
             <p:nvPr/>
           </p:nvSpPr>
@@ -10246,7 +10246,7 @@
         </p:sp>
         <p:sp>
           <p:nvSpPr>
-            <p:cNvPr id="1638" name="Octagon 1637"/>
+            <p:cNvPr id="3419" name="Octagon 3418"/>
             <p:cNvSpPr/>
             <p:nvPr/>
           </p:nvSpPr>
@@ -10306,7 +10306,7 @@
         </p:sp>
         <p:sp>
           <p:nvSpPr>
-            <p:cNvPr id="1639" name="Frame 1638"/>
+            <p:cNvPr id="3420" name="Frame 3419"/>
             <p:cNvSpPr/>
             <p:nvPr/>
           </p:nvSpPr>
@@ -10358,13 +10358,13 @@
       </p:grpSp>
       <p:sp>
         <p:nvSpPr>
-          <p:cNvPr id="1640" name="Octagon 1639"/>
+          <p:cNvPr id="3421" name="Octagon 3420"/>
           <p:cNvSpPr/>
           <p:nvPr/>
         </p:nvSpPr>
         <p:spPr>
           <a:xfrm>
-            <a:off x="25905296" y="7015021"/>
+            <a:off x="15115075" y="18697424"/>
             <a:ext cx="738909" cy="738909"/>
           </a:xfrm>
           <a:prstGeom prst="octagon">
@@ -10415,13 +10415,13 @@
       </p:sp>
       <p:sp>
         <p:nvSpPr>
-          <p:cNvPr id="1641" name="Octagon 1640"/>
+          <p:cNvPr id="3422" name="Octagon 3421"/>
           <p:cNvSpPr/>
           <p:nvPr/>
         </p:nvSpPr>
         <p:spPr>
           <a:xfrm>
-            <a:off x="23546980" y="7723910"/>
+            <a:off x="12756759" y="19406313"/>
             <a:ext cx="738909" cy="738909"/>
           </a:xfrm>
           <a:prstGeom prst="octagon">
@@ -10472,13 +10472,13 @@
       </p:sp>
       <p:sp>
         <p:nvSpPr>
-          <p:cNvPr id="1642" name="Octagon 1641"/>
+          <p:cNvPr id="3423" name="Octagon 3422"/>
           <p:cNvSpPr/>
           <p:nvPr/>
         </p:nvSpPr>
         <p:spPr>
           <a:xfrm>
-            <a:off x="24349326" y="10298044"/>
+            <a:off x="13559105" y="21980447"/>
             <a:ext cx="738909" cy="738909"/>
           </a:xfrm>
           <a:prstGeom prst="octagon">
@@ -10529,13 +10529,13 @@
       </p:sp>
       <p:sp>
         <p:nvSpPr>
-          <p:cNvPr id="1643" name="Octagon 1642"/>
+          <p:cNvPr id="3424" name="Octagon 3423"/>
           <p:cNvSpPr/>
           <p:nvPr/>
         </p:nvSpPr>
         <p:spPr>
           <a:xfrm>
-            <a:off x="25088235" y="10298044"/>
+            <a:off x="14298014" y="21980447"/>
             <a:ext cx="738909" cy="738909"/>
           </a:xfrm>
           <a:prstGeom prst="octagon">
@@ -10586,13 +10586,13 @@
       </p:sp>
       <p:sp>
         <p:nvSpPr>
-          <p:cNvPr id="1644" name="Octagon 1643"/>
+          <p:cNvPr id="3425" name="Octagon 3424"/>
           <p:cNvSpPr/>
           <p:nvPr/>
         </p:nvSpPr>
         <p:spPr>
           <a:xfrm>
-            <a:off x="25827144" y="10298044"/>
+            <a:off x="15036923" y="21980447"/>
             <a:ext cx="738909" cy="738909"/>
           </a:xfrm>
           <a:prstGeom prst="octagon">
@@ -10643,13 +10643,13 @@
       </p:sp>
       <p:grpSp>
         <p:nvGrpSpPr>
-          <p:cNvPr id="1645" name="Group 1644"/>
+          <p:cNvPr id="3426" name="Group 3425"/>
           <p:cNvGrpSpPr/>
           <p:nvPr/>
         </p:nvGrpSpPr>
         <p:grpSpPr>
           <a:xfrm>
-            <a:off x="27434927" y="6423892"/>
+            <a:off x="16644706" y="18106295"/>
             <a:ext cx="3698875" cy="5957455"/>
             <a:chOff x="1025470" y="323272"/>
             <a:chExt cx="3698875" cy="5957455"/>
@@ -10657,7 +10657,7 @@
         </p:grpSpPr>
         <p:sp>
           <p:nvSpPr>
-            <p:cNvPr id="1646" name="Rectangle 1645"/>
+            <p:cNvPr id="3427" name="Rectangle 3426"/>
             <p:cNvSpPr/>
             <p:nvPr/>
           </p:nvSpPr>
@@ -10704,7 +10704,7 @@
         </p:sp>
         <p:sp>
           <p:nvSpPr>
-            <p:cNvPr id="1647" name="Rectangle 1646"/>
+            <p:cNvPr id="3428" name="Rectangle 3427"/>
             <p:cNvSpPr/>
             <p:nvPr/>
           </p:nvSpPr>
@@ -10751,7 +10751,7 @@
         </p:sp>
         <p:sp>
           <p:nvSpPr>
-            <p:cNvPr id="1648" name="Octagon 1647"/>
+            <p:cNvPr id="3429" name="Octagon 3428"/>
             <p:cNvSpPr/>
             <p:nvPr/>
           </p:nvSpPr>
@@ -10811,7 +10811,7 @@
         </p:sp>
         <p:sp>
           <p:nvSpPr>
-            <p:cNvPr id="1649" name="Octagon 1648"/>
+            <p:cNvPr id="3430" name="Octagon 3429"/>
             <p:cNvSpPr/>
             <p:nvPr/>
           </p:nvSpPr>
@@ -10871,7 +10871,7 @@
         </p:sp>
         <p:sp>
           <p:nvSpPr>
-            <p:cNvPr id="1650" name="Octagon 1649"/>
+            <p:cNvPr id="3431" name="Octagon 3430"/>
             <p:cNvSpPr/>
             <p:nvPr/>
           </p:nvSpPr>
@@ -10931,7 +10931,7 @@
         </p:sp>
         <p:sp>
           <p:nvSpPr>
-            <p:cNvPr id="1651" name="Octagon 1650"/>
+            <p:cNvPr id="3432" name="Octagon 3431"/>
             <p:cNvSpPr/>
             <p:nvPr/>
           </p:nvSpPr>
@@ -10991,7 +10991,7 @@
         </p:sp>
         <p:sp>
           <p:nvSpPr>
-            <p:cNvPr id="1652" name="Octagon 1651"/>
+            <p:cNvPr id="3433" name="Octagon 3432"/>
             <p:cNvSpPr/>
             <p:nvPr/>
           </p:nvSpPr>
@@ -11051,7 +11051,7 @@
         </p:sp>
         <p:sp>
           <p:nvSpPr>
-            <p:cNvPr id="1653" name="Frame 1652"/>
+            <p:cNvPr id="3434" name="Frame 3433"/>
             <p:cNvSpPr/>
             <p:nvPr/>
           </p:nvSpPr>
@@ -11103,13 +11103,13 @@
       </p:grpSp>
       <p:sp>
         <p:nvSpPr>
-          <p:cNvPr id="1654" name="Octagon 1653"/>
+          <p:cNvPr id="3435" name="Octagon 3434"/>
           <p:cNvSpPr/>
           <p:nvPr/>
         </p:nvSpPr>
         <p:spPr>
           <a:xfrm>
-            <a:off x="27802178" y="6985001"/>
+            <a:off x="17011957" y="18667404"/>
             <a:ext cx="738909" cy="738909"/>
           </a:xfrm>
           <a:prstGeom prst="octagon">
@@ -11160,13 +11160,13 @@
       </p:sp>
       <p:sp>
         <p:nvSpPr>
-          <p:cNvPr id="1655" name="Octagon 1654"/>
+          <p:cNvPr id="3436" name="Octagon 3435"/>
           <p:cNvSpPr/>
           <p:nvPr/>
         </p:nvSpPr>
         <p:spPr>
           <a:xfrm>
-            <a:off x="27655099" y="7723910"/>
+            <a:off x="16864878" y="19406313"/>
             <a:ext cx="738909" cy="738909"/>
           </a:xfrm>
           <a:prstGeom prst="octagon">
@@ -11217,13 +11217,13 @@
       </p:sp>
       <p:sp>
         <p:nvSpPr>
-          <p:cNvPr id="1656" name="Octagon 1655"/>
+          <p:cNvPr id="3437" name="Octagon 3436"/>
           <p:cNvSpPr/>
           <p:nvPr/>
         </p:nvSpPr>
         <p:spPr>
           <a:xfrm>
-            <a:off x="27655099" y="10298044"/>
+            <a:off x="16864878" y="21980447"/>
             <a:ext cx="738909" cy="738909"/>
           </a:xfrm>
           <a:prstGeom prst="octagon">
@@ -11274,13 +11274,13 @@
       </p:sp>
       <p:sp>
         <p:nvSpPr>
-          <p:cNvPr id="1657" name="Octagon 1656"/>
+          <p:cNvPr id="3438" name="Octagon 3437"/>
           <p:cNvSpPr/>
           <p:nvPr/>
         </p:nvSpPr>
         <p:spPr>
           <a:xfrm>
-            <a:off x="28394008" y="10298044"/>
+            <a:off x="17603787" y="21980447"/>
             <a:ext cx="738909" cy="738909"/>
           </a:xfrm>
           <a:prstGeom prst="octagon">
@@ -11331,13 +11331,13 @@
       </p:sp>
       <p:sp>
         <p:nvSpPr>
-          <p:cNvPr id="1658" name="Octagon 1657"/>
+          <p:cNvPr id="3439" name="Octagon 3438"/>
           <p:cNvSpPr/>
           <p:nvPr/>
         </p:nvSpPr>
         <p:spPr>
           <a:xfrm>
-            <a:off x="29132917" y="10298044"/>
+            <a:off x="18342696" y="21980447"/>
             <a:ext cx="738909" cy="738909"/>
           </a:xfrm>
           <a:prstGeom prst="octagon">
@@ -11388,13 +11388,13 @@
       </p:sp>
       <p:grpSp>
         <p:nvGrpSpPr>
-          <p:cNvPr id="1659" name="Group 1658"/>
+          <p:cNvPr id="3440" name="Group 3439"/>
           <p:cNvGrpSpPr/>
           <p:nvPr/>
         </p:nvGrpSpPr>
         <p:grpSpPr>
           <a:xfrm>
-            <a:off x="31562511" y="6423892"/>
+            <a:off x="20772290" y="18106295"/>
             <a:ext cx="3698875" cy="5957455"/>
             <a:chOff x="1025470" y="323272"/>
             <a:chExt cx="3698875" cy="5957455"/>
@@ -11402,7 +11402,7 @@
         </p:grpSpPr>
         <p:sp>
           <p:nvSpPr>
-            <p:cNvPr id="1660" name="Rectangle 1659"/>
+            <p:cNvPr id="3441" name="Rectangle 3440"/>
             <p:cNvSpPr/>
             <p:nvPr/>
           </p:nvSpPr>
@@ -11449,7 +11449,7 @@
         </p:sp>
         <p:sp>
           <p:nvSpPr>
-            <p:cNvPr id="1661" name="Rectangle 1660"/>
+            <p:cNvPr id="3442" name="Rectangle 3441"/>
             <p:cNvSpPr/>
             <p:nvPr/>
           </p:nvSpPr>
@@ -11496,7 +11496,7 @@
         </p:sp>
         <p:sp>
           <p:nvSpPr>
-            <p:cNvPr id="1662" name="Octagon 1661"/>
+            <p:cNvPr id="3443" name="Octagon 3442"/>
             <p:cNvSpPr/>
             <p:nvPr/>
           </p:nvSpPr>
@@ -11556,7 +11556,7 @@
         </p:sp>
         <p:sp>
           <p:nvSpPr>
-            <p:cNvPr id="1663" name="Octagon 1662"/>
+            <p:cNvPr id="3444" name="Octagon 3443"/>
             <p:cNvSpPr/>
             <p:nvPr/>
           </p:nvSpPr>
@@ -11616,7 +11616,7 @@
         </p:sp>
         <p:sp>
           <p:nvSpPr>
-            <p:cNvPr id="1664" name="Octagon 1663"/>
+            <p:cNvPr id="3445" name="Octagon 3444"/>
             <p:cNvSpPr/>
             <p:nvPr/>
           </p:nvSpPr>
@@ -11676,7 +11676,7 @@
         </p:sp>
         <p:sp>
           <p:nvSpPr>
-            <p:cNvPr id="1665" name="Octagon 1664"/>
+            <p:cNvPr id="3446" name="Octagon 3445"/>
             <p:cNvSpPr/>
             <p:nvPr/>
           </p:nvSpPr>
@@ -11736,7 +11736,7 @@
         </p:sp>
         <p:sp>
           <p:nvSpPr>
-            <p:cNvPr id="1666" name="Octagon 1665"/>
+            <p:cNvPr id="3447" name="Octagon 3446"/>
             <p:cNvSpPr/>
             <p:nvPr/>
           </p:nvSpPr>
@@ -11796,7 +11796,7 @@
         </p:sp>
         <p:sp>
           <p:nvSpPr>
-            <p:cNvPr id="1667" name="Frame 1666"/>
+            <p:cNvPr id="3448" name="Frame 3447"/>
             <p:cNvSpPr/>
             <p:nvPr/>
           </p:nvSpPr>
@@ -11848,13 +11848,13 @@
       </p:grpSp>
       <p:sp>
         <p:nvSpPr>
-          <p:cNvPr id="1668" name="Octagon 1667"/>
+          <p:cNvPr id="3449" name="Octagon 3448"/>
           <p:cNvSpPr/>
           <p:nvPr/>
         </p:nvSpPr>
         <p:spPr>
           <a:xfrm>
-            <a:off x="34311702" y="7015021"/>
+            <a:off x="23521481" y="18697424"/>
             <a:ext cx="738909" cy="738909"/>
           </a:xfrm>
           <a:prstGeom prst="octagon">
@@ -11905,13 +11905,13 @@
       </p:sp>
       <p:sp>
         <p:nvSpPr>
-          <p:cNvPr id="1669" name="Octagon 1668"/>
+          <p:cNvPr id="3450" name="Octagon 3449"/>
           <p:cNvSpPr/>
           <p:nvPr/>
         </p:nvSpPr>
         <p:spPr>
           <a:xfrm>
-            <a:off x="34164623" y="7753930"/>
+            <a:off x="23374402" y="19436333"/>
             <a:ext cx="738909" cy="738909"/>
           </a:xfrm>
           <a:prstGeom prst="octagon">
@@ -11962,13 +11962,13 @@
       </p:sp>
       <p:sp>
         <p:nvSpPr>
-          <p:cNvPr id="1670" name="Octagon 1669"/>
+          <p:cNvPr id="3451" name="Octagon 3450"/>
           <p:cNvSpPr/>
           <p:nvPr/>
         </p:nvSpPr>
         <p:spPr>
           <a:xfrm>
-            <a:off x="32808788" y="10298044"/>
+            <a:off x="22018567" y="21980447"/>
             <a:ext cx="738909" cy="738909"/>
           </a:xfrm>
           <a:prstGeom prst="octagon">
@@ -12019,13 +12019,13 @@
       </p:sp>
       <p:sp>
         <p:nvSpPr>
-          <p:cNvPr id="1671" name="Octagon 1670"/>
+          <p:cNvPr id="3452" name="Octagon 3451"/>
           <p:cNvSpPr/>
           <p:nvPr/>
         </p:nvSpPr>
         <p:spPr>
           <a:xfrm>
-            <a:off x="33547697" y="10298044"/>
+            <a:off x="22757476" y="21980447"/>
             <a:ext cx="738909" cy="738909"/>
           </a:xfrm>
           <a:prstGeom prst="octagon">
@@ -12076,13 +12076,13 @@
       </p:sp>
       <p:sp>
         <p:nvSpPr>
-          <p:cNvPr id="1672" name="Octagon 1671"/>
+          <p:cNvPr id="3453" name="Octagon 3452"/>
           <p:cNvSpPr/>
           <p:nvPr/>
         </p:nvSpPr>
         <p:spPr>
           <a:xfrm>
-            <a:off x="34286606" y="10298044"/>
+            <a:off x="23496385" y="21980447"/>
             <a:ext cx="738909" cy="738909"/>
           </a:xfrm>
           <a:prstGeom prst="octagon">
@@ -12133,13 +12133,13 @@
       </p:sp>
       <p:grpSp>
         <p:nvGrpSpPr>
-          <p:cNvPr id="1673" name="Group 1672"/>
+          <p:cNvPr id="3454" name="Group 3453"/>
           <p:cNvGrpSpPr/>
           <p:nvPr/>
         </p:nvGrpSpPr>
         <p:grpSpPr>
           <a:xfrm>
-            <a:off x="22972020" y="12988471"/>
+            <a:off x="12181799" y="24518474"/>
             <a:ext cx="274320" cy="1092926"/>
             <a:chOff x="13396070" y="13514614"/>
             <a:chExt cx="274320" cy="1092926"/>
@@ -12147,7 +12147,7 @@
         </p:grpSpPr>
         <p:sp>
           <p:nvSpPr>
-            <p:cNvPr id="1674" name="Oval 1673"/>
+            <p:cNvPr id="3455" name="Oval 3454"/>
             <p:cNvSpPr/>
             <p:nvPr/>
           </p:nvSpPr>
@@ -12192,7 +12192,7 @@
         </p:sp>
         <p:sp>
           <p:nvSpPr>
-            <p:cNvPr id="1675" name="Oval 1674"/>
+            <p:cNvPr id="3456" name="Oval 3455"/>
             <p:cNvSpPr/>
             <p:nvPr/>
           </p:nvSpPr>
@@ -12237,7 +12237,7 @@
         </p:sp>
         <p:sp>
           <p:nvSpPr>
-            <p:cNvPr id="1676" name="Oval 1675"/>
+            <p:cNvPr id="3457" name="Oval 3456"/>
             <p:cNvSpPr/>
             <p:nvPr/>
           </p:nvSpPr>
@@ -12283,13 +12283,13 @@
       </p:grpSp>
       <p:grpSp>
         <p:nvGrpSpPr>
-          <p:cNvPr id="1677" name="Group 1676"/>
+          <p:cNvPr id="3458" name="Group 3457"/>
           <p:cNvGrpSpPr/>
           <p:nvPr/>
         </p:nvGrpSpPr>
         <p:grpSpPr>
           <a:xfrm>
-            <a:off x="11002451" y="14348692"/>
+            <a:off x="212230" y="26031095"/>
             <a:ext cx="3698875" cy="5957455"/>
             <a:chOff x="1025470" y="323272"/>
             <a:chExt cx="3698875" cy="5957455"/>
@@ -12297,7 +12297,7 @@
         </p:grpSpPr>
         <p:sp>
           <p:nvSpPr>
-            <p:cNvPr id="1678" name="Rectangle 1677"/>
+            <p:cNvPr id="3459" name="Rectangle 3458"/>
             <p:cNvSpPr/>
             <p:nvPr/>
           </p:nvSpPr>
@@ -12344,7 +12344,7 @@
         </p:sp>
         <p:sp>
           <p:nvSpPr>
-            <p:cNvPr id="1679" name="Rectangle 1678"/>
+            <p:cNvPr id="3460" name="Rectangle 3459"/>
             <p:cNvSpPr/>
             <p:nvPr/>
           </p:nvSpPr>
@@ -12391,7 +12391,7 @@
         </p:sp>
         <p:sp>
           <p:nvSpPr>
-            <p:cNvPr id="1680" name="Octagon 1679"/>
+            <p:cNvPr id="3461" name="Octagon 3460"/>
             <p:cNvSpPr/>
             <p:nvPr/>
           </p:nvSpPr>
@@ -12451,7 +12451,7 @@
         </p:sp>
         <p:sp>
           <p:nvSpPr>
-            <p:cNvPr id="1681" name="Octagon 1680"/>
+            <p:cNvPr id="3462" name="Octagon 3461"/>
             <p:cNvSpPr/>
             <p:nvPr/>
           </p:nvSpPr>
@@ -12511,7 +12511,7 @@
         </p:sp>
         <p:sp>
           <p:nvSpPr>
-            <p:cNvPr id="1682" name="Octagon 1681"/>
+            <p:cNvPr id="3463" name="Octagon 3462"/>
             <p:cNvSpPr/>
             <p:nvPr/>
           </p:nvSpPr>
@@ -12571,7 +12571,7 @@
         </p:sp>
         <p:sp>
           <p:nvSpPr>
-            <p:cNvPr id="1683" name="Octagon 1682"/>
+            <p:cNvPr id="3464" name="Octagon 3463"/>
             <p:cNvSpPr/>
             <p:nvPr/>
           </p:nvSpPr>
@@ -12631,7 +12631,7 @@
         </p:sp>
         <p:sp>
           <p:nvSpPr>
-            <p:cNvPr id="1684" name="Octagon 1683"/>
+            <p:cNvPr id="3465" name="Octagon 3464"/>
             <p:cNvSpPr/>
             <p:nvPr/>
           </p:nvSpPr>
@@ -12691,7 +12691,7 @@
         </p:sp>
         <p:sp>
           <p:nvSpPr>
-            <p:cNvPr id="1685" name="Frame 1684"/>
+            <p:cNvPr id="3466" name="Frame 3465"/>
             <p:cNvSpPr/>
             <p:nvPr/>
           </p:nvSpPr>
@@ -12743,13 +12743,13 @@
       </p:grpSp>
       <p:sp>
         <p:nvSpPr>
-          <p:cNvPr id="1686" name="Octagon 1685"/>
+          <p:cNvPr id="3467" name="Octagon 3466"/>
           <p:cNvSpPr/>
           <p:nvPr/>
         </p:nvSpPr>
         <p:spPr>
           <a:xfrm>
-            <a:off x="13751642" y="14939821"/>
+            <a:off x="2961421" y="26622224"/>
             <a:ext cx="738909" cy="738909"/>
           </a:xfrm>
           <a:prstGeom prst="octagon">
@@ -12800,13 +12800,13 @@
       </p:sp>
       <p:sp>
         <p:nvSpPr>
-          <p:cNvPr id="1687" name="Octagon 1686"/>
+          <p:cNvPr id="3468" name="Octagon 3467"/>
           <p:cNvSpPr/>
           <p:nvPr/>
         </p:nvSpPr>
         <p:spPr>
           <a:xfrm>
-            <a:off x="13604563" y="15678730"/>
+            <a:off x="2814342" y="27361133"/>
             <a:ext cx="738909" cy="738909"/>
           </a:xfrm>
           <a:prstGeom prst="octagon">
@@ -12857,13 +12857,13 @@
       </p:sp>
       <p:sp>
         <p:nvSpPr>
-          <p:cNvPr id="1688" name="Octagon 1687"/>
+          <p:cNvPr id="3469" name="Octagon 3468"/>
           <p:cNvSpPr/>
           <p:nvPr/>
         </p:nvSpPr>
         <p:spPr>
           <a:xfrm>
-            <a:off x="12972431" y="15152818"/>
+            <a:off x="2182210" y="26835221"/>
             <a:ext cx="738909" cy="738909"/>
           </a:xfrm>
           <a:prstGeom prst="octagon">
@@ -12914,13 +12914,13 @@
       </p:sp>
       <p:sp>
         <p:nvSpPr>
-          <p:cNvPr id="1689" name="Octagon 1688"/>
+          <p:cNvPr id="3470" name="Octagon 3469"/>
           <p:cNvSpPr/>
           <p:nvPr/>
         </p:nvSpPr>
         <p:spPr>
           <a:xfrm>
-            <a:off x="12745001" y="17455287"/>
+            <a:off x="1954780" y="29137690"/>
             <a:ext cx="738909" cy="738909"/>
           </a:xfrm>
           <a:prstGeom prst="octagon">
@@ -12971,13 +12971,13 @@
       </p:sp>
       <p:sp>
         <p:nvSpPr>
-          <p:cNvPr id="1690" name="Octagon 1689"/>
+          <p:cNvPr id="3471" name="Octagon 3470"/>
           <p:cNvSpPr/>
           <p:nvPr/>
         </p:nvSpPr>
         <p:spPr>
           <a:xfrm>
-            <a:off x="13726546" y="18222844"/>
+            <a:off x="2936325" y="29905247"/>
             <a:ext cx="738909" cy="738909"/>
           </a:xfrm>
           <a:prstGeom prst="octagon">
@@ -13028,13 +13028,13 @@
       </p:sp>
       <p:grpSp>
         <p:nvGrpSpPr>
-          <p:cNvPr id="1691" name="Group 1690"/>
+          <p:cNvPr id="3472" name="Group 3471"/>
           <p:cNvGrpSpPr/>
           <p:nvPr/>
         </p:nvGrpSpPr>
         <p:grpSpPr>
           <a:xfrm>
-            <a:off x="15110570" y="14348692"/>
+            <a:off x="4320349" y="26031095"/>
             <a:ext cx="3698875" cy="5957455"/>
             <a:chOff x="1025470" y="323272"/>
             <a:chExt cx="3698875" cy="5957455"/>
@@ -13042,7 +13042,7 @@
         </p:grpSpPr>
         <p:sp>
           <p:nvSpPr>
-            <p:cNvPr id="1692" name="Rectangle 1691"/>
+            <p:cNvPr id="3473" name="Rectangle 3472"/>
             <p:cNvSpPr/>
             <p:nvPr/>
           </p:nvSpPr>
@@ -13089,7 +13089,7 @@
         </p:sp>
         <p:sp>
           <p:nvSpPr>
-            <p:cNvPr id="1693" name="Rectangle 1692"/>
+            <p:cNvPr id="3474" name="Rectangle 3473"/>
             <p:cNvSpPr/>
             <p:nvPr/>
           </p:nvSpPr>
@@ -13136,7 +13136,7 @@
         </p:sp>
         <p:sp>
           <p:nvSpPr>
-            <p:cNvPr id="1694" name="Octagon 1693"/>
+            <p:cNvPr id="3475" name="Octagon 3474"/>
             <p:cNvSpPr/>
             <p:nvPr/>
           </p:nvSpPr>
@@ -13196,7 +13196,7 @@
         </p:sp>
         <p:sp>
           <p:nvSpPr>
-            <p:cNvPr id="1695" name="Octagon 1694"/>
+            <p:cNvPr id="3476" name="Octagon 3475"/>
             <p:cNvSpPr/>
             <p:nvPr/>
           </p:nvSpPr>
@@ -13256,7 +13256,7 @@
         </p:sp>
         <p:sp>
           <p:nvSpPr>
-            <p:cNvPr id="1696" name="Octagon 1695"/>
+            <p:cNvPr id="3477" name="Octagon 3476"/>
             <p:cNvSpPr/>
             <p:nvPr/>
           </p:nvSpPr>
@@ -13316,7 +13316,7 @@
         </p:sp>
         <p:sp>
           <p:nvSpPr>
-            <p:cNvPr id="1697" name="Octagon 1696"/>
+            <p:cNvPr id="3478" name="Octagon 3477"/>
             <p:cNvSpPr/>
             <p:nvPr/>
           </p:nvSpPr>
@@ -13376,7 +13376,7 @@
         </p:sp>
         <p:sp>
           <p:nvSpPr>
-            <p:cNvPr id="1698" name="Octagon 1697"/>
+            <p:cNvPr id="3479" name="Octagon 3478"/>
             <p:cNvSpPr/>
             <p:nvPr/>
           </p:nvSpPr>
@@ -13436,7 +13436,7 @@
         </p:sp>
         <p:sp>
           <p:nvSpPr>
-            <p:cNvPr id="1699" name="Frame 1698"/>
+            <p:cNvPr id="3480" name="Frame 3479"/>
             <p:cNvSpPr/>
             <p:nvPr/>
           </p:nvSpPr>
@@ -13488,13 +13488,13 @@
       </p:grpSp>
       <p:sp>
         <p:nvSpPr>
-          <p:cNvPr id="1700" name="Octagon 1699"/>
+          <p:cNvPr id="3481" name="Octagon 3480"/>
           <p:cNvSpPr/>
           <p:nvPr/>
         </p:nvSpPr>
         <p:spPr>
           <a:xfrm>
-            <a:off x="17565573" y="16050153"/>
+            <a:off x="6775352" y="27732556"/>
             <a:ext cx="738909" cy="738909"/>
           </a:xfrm>
           <a:prstGeom prst="octagon">
@@ -13545,13 +13545,13 @@
       </p:sp>
       <p:sp>
         <p:nvSpPr>
-          <p:cNvPr id="1701" name="Octagon 1700"/>
+          <p:cNvPr id="3482" name="Octagon 3481"/>
           <p:cNvSpPr/>
           <p:nvPr/>
         </p:nvSpPr>
         <p:spPr>
           <a:xfrm>
-            <a:off x="17418494" y="16789062"/>
+            <a:off x="6628273" y="28471465"/>
             <a:ext cx="738909" cy="738909"/>
           </a:xfrm>
           <a:prstGeom prst="octagon">
@@ -13602,13 +13602,13 @@
       </p:sp>
       <p:sp>
         <p:nvSpPr>
-          <p:cNvPr id="1702" name="Octagon 1701"/>
+          <p:cNvPr id="3483" name="Octagon 3482"/>
           <p:cNvSpPr/>
           <p:nvPr/>
         </p:nvSpPr>
         <p:spPr>
           <a:xfrm>
-            <a:off x="16786362" y="16263150"/>
+            <a:off x="5996141" y="27945553"/>
             <a:ext cx="738909" cy="738909"/>
           </a:xfrm>
           <a:prstGeom prst="octagon">
@@ -13659,13 +13659,13 @@
       </p:sp>
       <p:sp>
         <p:nvSpPr>
-          <p:cNvPr id="1703" name="Octagon 1702"/>
+          <p:cNvPr id="3484" name="Octagon 3483"/>
           <p:cNvSpPr/>
           <p:nvPr/>
         </p:nvSpPr>
         <p:spPr>
           <a:xfrm>
-            <a:off x="16558932" y="18565619"/>
+            <a:off x="5768711" y="30248022"/>
             <a:ext cx="738909" cy="738909"/>
           </a:xfrm>
           <a:prstGeom prst="octagon">
@@ -13716,13 +13716,13 @@
       </p:sp>
       <p:sp>
         <p:nvSpPr>
-          <p:cNvPr id="1704" name="Octagon 1703"/>
+          <p:cNvPr id="3485" name="Octagon 3484"/>
           <p:cNvSpPr/>
           <p:nvPr/>
         </p:nvSpPr>
         <p:spPr>
           <a:xfrm>
-            <a:off x="17540477" y="19333176"/>
+            <a:off x="6750256" y="31015579"/>
             <a:ext cx="738909" cy="738909"/>
           </a:xfrm>
           <a:prstGeom prst="octagon">
@@ -13773,13 +13773,13 @@
       </p:sp>
       <p:grpSp>
         <p:nvGrpSpPr>
-          <p:cNvPr id="1705" name="Group 1704"/>
+          <p:cNvPr id="3486" name="Group 3485"/>
           <p:cNvGrpSpPr/>
           <p:nvPr/>
         </p:nvGrpSpPr>
         <p:grpSpPr>
           <a:xfrm>
-            <a:off x="19218689" y="14348692"/>
+            <a:off x="8428468" y="26031095"/>
             <a:ext cx="3698875" cy="5957455"/>
             <a:chOff x="1025470" y="323272"/>
             <a:chExt cx="3698875" cy="5957455"/>
@@ -13787,7 +13787,7 @@
         </p:grpSpPr>
         <p:sp>
           <p:nvSpPr>
-            <p:cNvPr id="1706" name="Rectangle 1705"/>
+            <p:cNvPr id="3487" name="Rectangle 3486"/>
             <p:cNvSpPr/>
             <p:nvPr/>
           </p:nvSpPr>
@@ -13834,7 +13834,7 @@
         </p:sp>
         <p:sp>
           <p:nvSpPr>
-            <p:cNvPr id="1707" name="Rectangle 1706"/>
+            <p:cNvPr id="3488" name="Rectangle 3487"/>
             <p:cNvSpPr/>
             <p:nvPr/>
           </p:nvSpPr>
@@ -13881,7 +13881,7 @@
         </p:sp>
         <p:sp>
           <p:nvSpPr>
-            <p:cNvPr id="1708" name="Octagon 1707"/>
+            <p:cNvPr id="3489" name="Octagon 3488"/>
             <p:cNvSpPr/>
             <p:nvPr/>
           </p:nvSpPr>
@@ -13941,7 +13941,7 @@
         </p:sp>
         <p:sp>
           <p:nvSpPr>
-            <p:cNvPr id="1709" name="Octagon 1708"/>
+            <p:cNvPr id="3490" name="Octagon 3489"/>
             <p:cNvSpPr/>
             <p:nvPr/>
           </p:nvSpPr>
@@ -14001,7 +14001,7 @@
         </p:sp>
         <p:sp>
           <p:nvSpPr>
-            <p:cNvPr id="1710" name="Octagon 1709"/>
+            <p:cNvPr id="3491" name="Octagon 3490"/>
             <p:cNvSpPr/>
             <p:nvPr/>
           </p:nvSpPr>
@@ -14061,7 +14061,7 @@
         </p:sp>
         <p:sp>
           <p:nvSpPr>
-            <p:cNvPr id="1711" name="Octagon 1710"/>
+            <p:cNvPr id="3492" name="Octagon 3491"/>
             <p:cNvSpPr/>
             <p:nvPr/>
           </p:nvSpPr>
@@ -14121,7 +14121,7 @@
         </p:sp>
         <p:sp>
           <p:nvSpPr>
-            <p:cNvPr id="1712" name="Octagon 1711"/>
+            <p:cNvPr id="3493" name="Octagon 3492"/>
             <p:cNvSpPr/>
             <p:nvPr/>
           </p:nvSpPr>
@@ -14181,7 +14181,7 @@
         </p:sp>
         <p:sp>
           <p:nvSpPr>
-            <p:cNvPr id="1713" name="Frame 1712"/>
+            <p:cNvPr id="3494" name="Frame 3493"/>
             <p:cNvSpPr/>
             <p:nvPr/>
           </p:nvSpPr>
@@ -14233,13 +14233,13 @@
       </p:grpSp>
       <p:sp>
         <p:nvSpPr>
-          <p:cNvPr id="1714" name="Octagon 1713"/>
+          <p:cNvPr id="3495" name="Octagon 3494"/>
           <p:cNvSpPr/>
           <p:nvPr/>
         </p:nvSpPr>
         <p:spPr>
           <a:xfrm>
-            <a:off x="21673692" y="16050153"/>
+            <a:off x="10883471" y="27732556"/>
             <a:ext cx="738909" cy="738909"/>
           </a:xfrm>
           <a:prstGeom prst="octagon">
@@ -14290,13 +14290,13 @@
       </p:sp>
       <p:sp>
         <p:nvSpPr>
-          <p:cNvPr id="1715" name="Octagon 1714"/>
+          <p:cNvPr id="3496" name="Octagon 3495"/>
           <p:cNvSpPr/>
           <p:nvPr/>
         </p:nvSpPr>
         <p:spPr>
           <a:xfrm>
-            <a:off x="21526613" y="16789062"/>
+            <a:off x="10736392" y="28471465"/>
             <a:ext cx="738909" cy="738909"/>
           </a:xfrm>
           <a:prstGeom prst="octagon">
@@ -14347,13 +14347,13 @@
       </p:sp>
       <p:sp>
         <p:nvSpPr>
-          <p:cNvPr id="1716" name="Octagon 1715"/>
+          <p:cNvPr id="3497" name="Octagon 3496"/>
           <p:cNvSpPr/>
           <p:nvPr/>
         </p:nvSpPr>
         <p:spPr>
           <a:xfrm>
-            <a:off x="20894481" y="16263150"/>
+            <a:off x="10104260" y="27945553"/>
             <a:ext cx="738909" cy="738909"/>
           </a:xfrm>
           <a:prstGeom prst="octagon">
@@ -14404,13 +14404,13 @@
       </p:sp>
       <p:sp>
         <p:nvSpPr>
-          <p:cNvPr id="1717" name="Octagon 1716"/>
+          <p:cNvPr id="3498" name="Octagon 3497"/>
           <p:cNvSpPr/>
           <p:nvPr/>
         </p:nvSpPr>
         <p:spPr>
           <a:xfrm>
-            <a:off x="20667051" y="18565619"/>
+            <a:off x="9876830" y="30248022"/>
             <a:ext cx="738909" cy="738909"/>
           </a:xfrm>
           <a:prstGeom prst="octagon">
@@ -14461,13 +14461,13 @@
       </p:sp>
       <p:sp>
         <p:nvSpPr>
-          <p:cNvPr id="1718" name="Octagon 1717"/>
+          <p:cNvPr id="3499" name="Octagon 3498"/>
           <p:cNvSpPr/>
           <p:nvPr/>
         </p:nvSpPr>
         <p:spPr>
           <a:xfrm>
-            <a:off x="19444550" y="19344038"/>
+            <a:off x="8654329" y="31026441"/>
             <a:ext cx="738909" cy="738909"/>
           </a:xfrm>
           <a:prstGeom prst="octagon">
@@ -14518,13 +14518,13 @@
       </p:sp>
       <p:grpSp>
         <p:nvGrpSpPr>
-          <p:cNvPr id="1719" name="Group 1718"/>
+          <p:cNvPr id="3500" name="Group 3499"/>
           <p:cNvGrpSpPr/>
           <p:nvPr/>
         </p:nvGrpSpPr>
         <p:grpSpPr>
           <a:xfrm>
-            <a:off x="23326808" y="14348692"/>
+            <a:off x="12536587" y="26031095"/>
             <a:ext cx="3698875" cy="5957455"/>
             <a:chOff x="1025470" y="323272"/>
             <a:chExt cx="3698875" cy="5957455"/>
@@ -14532,7 +14532,7 @@
         </p:grpSpPr>
         <p:sp>
           <p:nvSpPr>
-            <p:cNvPr id="1720" name="Rectangle 1719"/>
+            <p:cNvPr id="3501" name="Rectangle 3500"/>
             <p:cNvSpPr/>
             <p:nvPr/>
           </p:nvSpPr>
@@ -14579,7 +14579,7 @@
         </p:sp>
         <p:sp>
           <p:nvSpPr>
-            <p:cNvPr id="1721" name="Rectangle 1720"/>
+            <p:cNvPr id="3502" name="Rectangle 3501"/>
             <p:cNvSpPr/>
             <p:nvPr/>
           </p:nvSpPr>
@@ -14626,7 +14626,7 @@
         </p:sp>
         <p:sp>
           <p:nvSpPr>
-            <p:cNvPr id="1722" name="Octagon 1721"/>
+            <p:cNvPr id="3503" name="Octagon 3502"/>
             <p:cNvSpPr/>
             <p:nvPr/>
           </p:nvSpPr>
@@ -14686,7 +14686,7 @@
         </p:sp>
         <p:sp>
           <p:nvSpPr>
-            <p:cNvPr id="1723" name="Octagon 1722"/>
+            <p:cNvPr id="3504" name="Octagon 3503"/>
             <p:cNvSpPr/>
             <p:nvPr/>
           </p:nvSpPr>
@@ -14746,7 +14746,7 @@
         </p:sp>
         <p:sp>
           <p:nvSpPr>
-            <p:cNvPr id="1724" name="Octagon 1723"/>
+            <p:cNvPr id="3505" name="Octagon 3504"/>
             <p:cNvSpPr/>
             <p:nvPr/>
           </p:nvSpPr>
@@ -14806,7 +14806,7 @@
         </p:sp>
         <p:sp>
           <p:nvSpPr>
-            <p:cNvPr id="1725" name="Octagon 1724"/>
+            <p:cNvPr id="3506" name="Octagon 3505"/>
             <p:cNvSpPr/>
             <p:nvPr/>
           </p:nvSpPr>
@@ -14866,7 +14866,7 @@
         </p:sp>
         <p:sp>
           <p:nvSpPr>
-            <p:cNvPr id="1726" name="Octagon 1725"/>
+            <p:cNvPr id="3507" name="Octagon 3506"/>
             <p:cNvSpPr/>
             <p:nvPr/>
           </p:nvSpPr>
@@ -14926,7 +14926,7 @@
         </p:sp>
         <p:sp>
           <p:nvSpPr>
-            <p:cNvPr id="1727" name="Frame 1726"/>
+            <p:cNvPr id="3508" name="Frame 3507"/>
             <p:cNvSpPr/>
             <p:nvPr/>
           </p:nvSpPr>
@@ -14978,13 +14978,13 @@
       </p:grpSp>
       <p:sp>
         <p:nvSpPr>
-          <p:cNvPr id="1728" name="Octagon 1727"/>
+          <p:cNvPr id="3509" name="Octagon 3508"/>
           <p:cNvSpPr/>
           <p:nvPr/>
         </p:nvSpPr>
         <p:spPr>
           <a:xfrm>
-            <a:off x="25783593" y="14939821"/>
+            <a:off x="14993372" y="26622224"/>
             <a:ext cx="738909" cy="738909"/>
           </a:xfrm>
           <a:prstGeom prst="octagon">
@@ -15035,13 +15035,13 @@
       </p:sp>
       <p:sp>
         <p:nvSpPr>
-          <p:cNvPr id="1729" name="Octagon 1728"/>
+          <p:cNvPr id="3510" name="Octagon 3509"/>
           <p:cNvSpPr/>
           <p:nvPr/>
         </p:nvSpPr>
         <p:spPr>
           <a:xfrm>
-            <a:off x="25636514" y="15678730"/>
+            <a:off x="14846293" y="27361133"/>
             <a:ext cx="738909" cy="738909"/>
           </a:xfrm>
           <a:prstGeom prst="octagon">
@@ -15092,13 +15092,13 @@
       </p:sp>
       <p:sp>
         <p:nvSpPr>
-          <p:cNvPr id="1730" name="Octagon 1729"/>
+          <p:cNvPr id="3511" name="Octagon 3510"/>
           <p:cNvSpPr/>
           <p:nvPr/>
         </p:nvSpPr>
         <p:spPr>
           <a:xfrm>
-            <a:off x="25004382" y="15152818"/>
+            <a:off x="14214161" y="26835221"/>
             <a:ext cx="738909" cy="738909"/>
           </a:xfrm>
           <a:prstGeom prst="octagon">
@@ -15149,13 +15149,13 @@
       </p:sp>
       <p:sp>
         <p:nvSpPr>
-          <p:cNvPr id="1731" name="Octagon 1730"/>
+          <p:cNvPr id="3512" name="Octagon 3511"/>
           <p:cNvSpPr/>
           <p:nvPr/>
         </p:nvSpPr>
         <p:spPr>
           <a:xfrm>
-            <a:off x="24776952" y="17455287"/>
+            <a:off x="13986731" y="29137690"/>
             <a:ext cx="738909" cy="738909"/>
           </a:xfrm>
           <a:prstGeom prst="octagon">
@@ -15206,13 +15206,13 @@
       </p:sp>
       <p:sp>
         <p:nvSpPr>
-          <p:cNvPr id="1732" name="Octagon 1731"/>
+          <p:cNvPr id="3513" name="Octagon 3512"/>
           <p:cNvSpPr/>
           <p:nvPr/>
         </p:nvSpPr>
         <p:spPr>
           <a:xfrm>
-            <a:off x="23546980" y="16716378"/>
+            <a:off x="12756759" y="28398781"/>
             <a:ext cx="738909" cy="738909"/>
           </a:xfrm>
           <a:prstGeom prst="octagon">
@@ -15263,13 +15263,13 @@
       </p:sp>
       <p:grpSp>
         <p:nvGrpSpPr>
-          <p:cNvPr id="1733" name="Group 1732"/>
+          <p:cNvPr id="3514" name="Group 3513"/>
           <p:cNvGrpSpPr/>
           <p:nvPr/>
         </p:nvGrpSpPr>
         <p:grpSpPr>
           <a:xfrm>
-            <a:off x="27434927" y="14348692"/>
+            <a:off x="16644706" y="26031095"/>
             <a:ext cx="3698875" cy="5957455"/>
             <a:chOff x="1025470" y="323272"/>
             <a:chExt cx="3698875" cy="5957455"/>
@@ -15277,7 +15277,7 @@
         </p:grpSpPr>
         <p:sp>
           <p:nvSpPr>
-            <p:cNvPr id="1734" name="Rectangle 1733"/>
+            <p:cNvPr id="3515" name="Rectangle 3514"/>
             <p:cNvSpPr/>
             <p:nvPr/>
           </p:nvSpPr>
@@ -15324,7 +15324,7 @@
         </p:sp>
         <p:sp>
           <p:nvSpPr>
-            <p:cNvPr id="1735" name="Rectangle 1734"/>
+            <p:cNvPr id="3516" name="Rectangle 3515"/>
             <p:cNvSpPr/>
             <p:nvPr/>
           </p:nvSpPr>
@@ -15371,7 +15371,7 @@
         </p:sp>
         <p:sp>
           <p:nvSpPr>
-            <p:cNvPr id="1736" name="Octagon 1735"/>
+            <p:cNvPr id="3517" name="Octagon 3516"/>
             <p:cNvSpPr/>
             <p:nvPr/>
           </p:nvSpPr>
@@ -15431,7 +15431,7 @@
         </p:sp>
         <p:sp>
           <p:nvSpPr>
-            <p:cNvPr id="1737" name="Octagon 1736"/>
+            <p:cNvPr id="3518" name="Octagon 3517"/>
             <p:cNvSpPr/>
             <p:nvPr/>
           </p:nvSpPr>
@@ -15491,7 +15491,7 @@
         </p:sp>
         <p:sp>
           <p:nvSpPr>
-            <p:cNvPr id="1738" name="Octagon 1737"/>
+            <p:cNvPr id="3519" name="Octagon 3518"/>
             <p:cNvSpPr/>
             <p:nvPr/>
           </p:nvSpPr>
@@ -15551,7 +15551,7 @@
         </p:sp>
         <p:sp>
           <p:nvSpPr>
-            <p:cNvPr id="1739" name="Octagon 1738"/>
+            <p:cNvPr id="3520" name="Octagon 3519"/>
             <p:cNvSpPr/>
             <p:nvPr/>
           </p:nvSpPr>
@@ -15611,7 +15611,7 @@
         </p:sp>
         <p:sp>
           <p:nvSpPr>
-            <p:cNvPr id="1740" name="Octagon 1739"/>
+            <p:cNvPr id="3521" name="Octagon 3520"/>
             <p:cNvSpPr/>
             <p:nvPr/>
           </p:nvSpPr>
@@ -15671,7 +15671,7 @@
         </p:sp>
         <p:sp>
           <p:nvSpPr>
-            <p:cNvPr id="1741" name="Frame 1740"/>
+            <p:cNvPr id="3522" name="Frame 3521"/>
             <p:cNvSpPr/>
             <p:nvPr/>
           </p:nvSpPr>
@@ -15723,13 +15723,13 @@
       </p:grpSp>
       <p:sp>
         <p:nvSpPr>
-          <p:cNvPr id="1742" name="Octagon 1741"/>
+          <p:cNvPr id="3523" name="Octagon 3522"/>
           <p:cNvSpPr/>
           <p:nvPr/>
         </p:nvSpPr>
         <p:spPr>
           <a:xfrm>
-            <a:off x="29164348" y="14939821"/>
+            <a:off x="18374127" y="26622224"/>
             <a:ext cx="738909" cy="738909"/>
           </a:xfrm>
           <a:prstGeom prst="octagon">
@@ -15780,13 +15780,13 @@
       </p:sp>
       <p:sp>
         <p:nvSpPr>
-          <p:cNvPr id="1743" name="Octagon 1742"/>
+          <p:cNvPr id="3524" name="Octagon 3523"/>
           <p:cNvSpPr/>
           <p:nvPr/>
         </p:nvSpPr>
         <p:spPr>
           <a:xfrm>
-            <a:off x="28994179" y="15678730"/>
+            <a:off x="18203958" y="27361133"/>
             <a:ext cx="738909" cy="738909"/>
           </a:xfrm>
           <a:prstGeom prst="octagon">
@@ -15837,13 +15837,13 @@
       </p:sp>
       <p:sp>
         <p:nvSpPr>
-          <p:cNvPr id="1744" name="Octagon 1743"/>
+          <p:cNvPr id="3525" name="Octagon 3524"/>
           <p:cNvSpPr/>
           <p:nvPr/>
         </p:nvSpPr>
         <p:spPr>
           <a:xfrm>
-            <a:off x="28362047" y="15152818"/>
+            <a:off x="17571826" y="26835221"/>
             <a:ext cx="738909" cy="738909"/>
           </a:xfrm>
           <a:prstGeom prst="octagon">
@@ -15894,13 +15894,13 @@
       </p:sp>
       <p:sp>
         <p:nvSpPr>
-          <p:cNvPr id="1745" name="Octagon 1744"/>
+          <p:cNvPr id="3526" name="Octagon 3525"/>
           <p:cNvSpPr/>
           <p:nvPr/>
         </p:nvSpPr>
         <p:spPr>
           <a:xfrm>
-            <a:off x="28157707" y="17455287"/>
+            <a:off x="17367486" y="29137690"/>
             <a:ext cx="738909" cy="738909"/>
           </a:xfrm>
           <a:prstGeom prst="octagon">
@@ -15951,13 +15951,13 @@
       </p:sp>
       <p:sp>
         <p:nvSpPr>
-          <p:cNvPr id="1746" name="Octagon 1745"/>
+          <p:cNvPr id="3527" name="Octagon 3526"/>
           <p:cNvSpPr/>
           <p:nvPr/>
         </p:nvSpPr>
         <p:spPr>
           <a:xfrm>
-            <a:off x="27655099" y="16716378"/>
+            <a:off x="16864878" y="28398781"/>
             <a:ext cx="738909" cy="738909"/>
           </a:xfrm>
           <a:prstGeom prst="octagon">
@@ -16008,13 +16008,13 @@
       </p:sp>
       <p:grpSp>
         <p:nvGrpSpPr>
-          <p:cNvPr id="1747" name="Group 1746"/>
+          <p:cNvPr id="3528" name="Group 3527"/>
           <p:cNvGrpSpPr/>
           <p:nvPr/>
         </p:nvGrpSpPr>
         <p:grpSpPr>
           <a:xfrm>
-            <a:off x="31543047" y="14348692"/>
+            <a:off x="20752826" y="26031095"/>
             <a:ext cx="3698875" cy="5957455"/>
             <a:chOff x="1025470" y="323272"/>
             <a:chExt cx="3698875" cy="5957455"/>
@@ -16022,7 +16022,7 @@
         </p:grpSpPr>
         <p:sp>
           <p:nvSpPr>
-            <p:cNvPr id="1748" name="Rectangle 1747"/>
+            <p:cNvPr id="3529" name="Rectangle 3528"/>
             <p:cNvSpPr/>
             <p:nvPr/>
           </p:nvSpPr>
@@ -16069,7 +16069,7 @@
         </p:sp>
         <p:sp>
           <p:nvSpPr>
-            <p:cNvPr id="1749" name="Rectangle 1748"/>
+            <p:cNvPr id="3530" name="Rectangle 3529"/>
             <p:cNvSpPr/>
             <p:nvPr/>
           </p:nvSpPr>
@@ -16116,7 +16116,7 @@
         </p:sp>
         <p:sp>
           <p:nvSpPr>
-            <p:cNvPr id="1750" name="Octagon 1749"/>
+            <p:cNvPr id="3531" name="Octagon 3530"/>
             <p:cNvSpPr/>
             <p:nvPr/>
           </p:nvSpPr>
@@ -16176,7 +16176,7 @@
         </p:sp>
         <p:sp>
           <p:nvSpPr>
-            <p:cNvPr id="1751" name="Octagon 1750"/>
+            <p:cNvPr id="3532" name="Octagon 3531"/>
             <p:cNvSpPr/>
             <p:nvPr/>
           </p:nvSpPr>
@@ -16236,7 +16236,7 @@
         </p:sp>
         <p:sp>
           <p:nvSpPr>
-            <p:cNvPr id="1752" name="Octagon 1751"/>
+            <p:cNvPr id="3533" name="Octagon 3532"/>
             <p:cNvSpPr/>
             <p:nvPr/>
           </p:nvSpPr>
@@ -16296,7 +16296,7 @@
         </p:sp>
         <p:sp>
           <p:nvSpPr>
-            <p:cNvPr id="1753" name="Octagon 1752"/>
+            <p:cNvPr id="3534" name="Octagon 3533"/>
             <p:cNvSpPr/>
             <p:nvPr/>
           </p:nvSpPr>
@@ -16356,7 +16356,7 @@
         </p:sp>
         <p:sp>
           <p:nvSpPr>
-            <p:cNvPr id="1754" name="Octagon 1753"/>
+            <p:cNvPr id="3535" name="Octagon 3534"/>
             <p:cNvSpPr/>
             <p:nvPr/>
           </p:nvSpPr>
@@ -16416,7 +16416,7 @@
         </p:sp>
         <p:sp>
           <p:nvSpPr>
-            <p:cNvPr id="1755" name="Frame 1754"/>
+            <p:cNvPr id="3536" name="Frame 3535"/>
             <p:cNvSpPr/>
             <p:nvPr/>
           </p:nvSpPr>
@@ -16468,13 +16468,13 @@
       </p:grpSp>
       <p:sp>
         <p:nvSpPr>
-          <p:cNvPr id="1756" name="Octagon 1755"/>
+          <p:cNvPr id="3537" name="Octagon 3536"/>
           <p:cNvSpPr/>
           <p:nvPr/>
         </p:nvSpPr>
         <p:spPr>
           <a:xfrm>
-            <a:off x="34286606" y="14939821"/>
+            <a:off x="23496385" y="26622224"/>
             <a:ext cx="738909" cy="738909"/>
           </a:xfrm>
           <a:prstGeom prst="octagon">
@@ -16525,13 +16525,13 @@
       </p:sp>
       <p:sp>
         <p:nvSpPr>
-          <p:cNvPr id="1757" name="Octagon 1756"/>
+          <p:cNvPr id="3538" name="Octagon 3537"/>
           <p:cNvSpPr/>
           <p:nvPr/>
         </p:nvSpPr>
         <p:spPr>
           <a:xfrm>
-            <a:off x="34116437" y="15678730"/>
+            <a:off x="23326216" y="27361133"/>
             <a:ext cx="738909" cy="738909"/>
           </a:xfrm>
           <a:prstGeom prst="octagon">
@@ -16582,13 +16582,13 @@
       </p:sp>
       <p:sp>
         <p:nvSpPr>
-          <p:cNvPr id="1758" name="Octagon 1757"/>
+          <p:cNvPr id="3539" name="Octagon 3538"/>
           <p:cNvSpPr/>
           <p:nvPr/>
         </p:nvSpPr>
         <p:spPr>
           <a:xfrm>
-            <a:off x="33504625" y="15152818"/>
+            <a:off x="22714404" y="26835221"/>
             <a:ext cx="738909" cy="738909"/>
           </a:xfrm>
           <a:prstGeom prst="octagon">
@@ -16639,13 +16639,13 @@
       </p:sp>
       <p:sp>
         <p:nvSpPr>
-          <p:cNvPr id="1759" name="Octagon 1758"/>
+          <p:cNvPr id="3540" name="Octagon 3539"/>
           <p:cNvSpPr/>
           <p:nvPr/>
         </p:nvSpPr>
         <p:spPr>
           <a:xfrm>
-            <a:off x="33279965" y="17455287"/>
+            <a:off x="22489744" y="29137690"/>
             <a:ext cx="738909" cy="738909"/>
           </a:xfrm>
           <a:prstGeom prst="octagon">
@@ -16696,13 +16696,13 @@
       </p:sp>
       <p:sp>
         <p:nvSpPr>
-          <p:cNvPr id="1760" name="Octagon 1759"/>
+          <p:cNvPr id="3541" name="Octagon 3540"/>
           <p:cNvSpPr/>
           <p:nvPr/>
         </p:nvSpPr>
         <p:spPr>
           <a:xfrm>
-            <a:off x="32777357" y="16716378"/>
+            <a:off x="21987136" y="28398781"/>
             <a:ext cx="738909" cy="738909"/>
           </a:xfrm>
           <a:prstGeom prst="octagon">
@@ -16753,13 +16753,13 @@
       </p:sp>
       <p:sp>
         <p:nvSpPr>
-          <p:cNvPr id="1761" name="TextBox 1760"/>
+          <p:cNvPr id="3542" name="TextBox 3541"/>
           <p:cNvSpPr txBox="1"/>
           <p:nvPr/>
         </p:nvSpPr>
         <p:spPr>
           <a:xfrm>
-            <a:off x="9035567" y="16324950"/>
+            <a:off x="152209" y="24710771"/>
             <a:ext cx="1848783" cy="1354217"/>
           </a:xfrm>
           <a:prstGeom prst="rect">
@@ -16796,13 +16796,13 @@
       </p:sp>
       <p:sp>
         <p:nvSpPr>
-          <p:cNvPr id="1762" name="TextBox 1761"/>
+          <p:cNvPr id="3543" name="TextBox 3542"/>
           <p:cNvSpPr txBox="1"/>
           <p:nvPr/>
         </p:nvSpPr>
         <p:spPr>
           <a:xfrm>
-            <a:off x="9187967" y="8176270"/>
+            <a:off x="152209" y="16819042"/>
             <a:ext cx="1848783" cy="1354217"/>
           </a:xfrm>
           <a:prstGeom prst="rect">
@@ -16839,13 +16839,13 @@
       </p:sp>
       <p:sp>
         <p:nvSpPr>
-          <p:cNvPr id="1763" name="TextBox 1762"/>
+          <p:cNvPr id="3544" name="TextBox 3543"/>
           <p:cNvSpPr txBox="1"/>
           <p:nvPr/>
         </p:nvSpPr>
         <p:spPr>
           <a:xfrm>
-            <a:off x="9187967" y="2230933"/>
+            <a:off x="152209" y="9224025"/>
             <a:ext cx="1848783" cy="1354217"/>
           </a:xfrm>
           <a:prstGeom prst="rect">
@@ -16882,13 +16882,13 @@
       </p:sp>
       <p:cxnSp>
         <p:nvCxnSpPr>
-          <p:cNvPr id="1764" name="Straight Arrow Connector 1763"/>
+          <p:cNvPr id="3545" name="Straight Arrow Connector 3544"/>
           <p:cNvCxnSpPr/>
           <p:nvPr/>
         </p:nvCxnSpPr>
         <p:spPr>
           <a:xfrm flipH="1">
-            <a:off x="12241658" y="5033818"/>
+            <a:off x="1451437" y="15649421"/>
             <a:ext cx="503343" cy="396099"/>
           </a:xfrm>
           <a:prstGeom prst="straightConnector1">
@@ -16919,13 +16919,13 @@
       </p:cxnSp>
       <p:grpSp>
         <p:nvGrpSpPr>
-          <p:cNvPr id="1765" name="Group 1764"/>
+          <p:cNvPr id="3546" name="Group 3545"/>
           <p:cNvGrpSpPr/>
           <p:nvPr/>
         </p:nvGrpSpPr>
         <p:grpSpPr>
           <a:xfrm>
-            <a:off x="15342339" y="5410970"/>
+            <a:off x="4552118" y="16026573"/>
             <a:ext cx="1498180" cy="340973"/>
             <a:chOff x="7126101" y="5664970"/>
             <a:chExt cx="1498180" cy="340973"/>
@@ -16933,7 +16933,7 @@
         </p:grpSpPr>
         <p:grpSp>
           <p:nvGrpSpPr>
-            <p:cNvPr id="1766" name="Group 1765"/>
+            <p:cNvPr id="3547" name="Group 3546"/>
             <p:cNvGrpSpPr/>
             <p:nvPr/>
           </p:nvGrpSpPr>
@@ -16947,7 +16947,7 @@
           </p:grpSpPr>
           <p:cxnSp>
             <p:nvCxnSpPr>
-              <p:cNvPr id="1779" name="Straight Arrow Connector 1778"/>
+              <p:cNvPr id="3560" name="Straight Arrow Connector 3559"/>
               <p:cNvCxnSpPr/>
               <p:nvPr/>
             </p:nvCxnSpPr>
@@ -16984,7 +16984,7 @@
           </p:cxnSp>
           <p:cxnSp>
             <p:nvCxnSpPr>
-              <p:cNvPr id="1780" name="Straight Arrow Connector 1779"/>
+              <p:cNvPr id="3561" name="Straight Arrow Connector 3560"/>
               <p:cNvCxnSpPr/>
               <p:nvPr/>
             </p:nvCxnSpPr>
@@ -17021,7 +17021,7 @@
           </p:cxnSp>
           <p:cxnSp>
             <p:nvCxnSpPr>
-              <p:cNvPr id="1781" name="Straight Arrow Connector 1780"/>
+              <p:cNvPr id="3562" name="Straight Arrow Connector 3561"/>
               <p:cNvCxnSpPr/>
               <p:nvPr/>
             </p:nvCxnSpPr>
@@ -17059,7 +17059,7 @@
         </p:grpSp>
         <p:grpSp>
           <p:nvGrpSpPr>
-            <p:cNvPr id="1767" name="Group 1766"/>
+            <p:cNvPr id="3548" name="Group 3547"/>
             <p:cNvGrpSpPr/>
             <p:nvPr/>
           </p:nvGrpSpPr>
@@ -17073,7 +17073,7 @@
           </p:grpSpPr>
           <p:cxnSp>
             <p:nvCxnSpPr>
-              <p:cNvPr id="1776" name="Straight Arrow Connector 1775"/>
+              <p:cNvPr id="3557" name="Straight Arrow Connector 3556"/>
               <p:cNvCxnSpPr/>
               <p:nvPr/>
             </p:nvCxnSpPr>
@@ -17110,7 +17110,7 @@
           </p:cxnSp>
           <p:cxnSp>
             <p:nvCxnSpPr>
-              <p:cNvPr id="1777" name="Straight Arrow Connector 1776"/>
+              <p:cNvPr id="3558" name="Straight Arrow Connector 3557"/>
               <p:cNvCxnSpPr/>
               <p:nvPr/>
             </p:nvCxnSpPr>
@@ -17147,7 +17147,7 @@
           </p:cxnSp>
           <p:cxnSp>
             <p:nvCxnSpPr>
-              <p:cNvPr id="1778" name="Straight Arrow Connector 1777"/>
+              <p:cNvPr id="3559" name="Straight Arrow Connector 3558"/>
               <p:cNvCxnSpPr/>
               <p:nvPr/>
             </p:nvCxnSpPr>
@@ -17185,7 +17185,7 @@
         </p:grpSp>
         <p:grpSp>
           <p:nvGrpSpPr>
-            <p:cNvPr id="1768" name="Group 1767"/>
+            <p:cNvPr id="3549" name="Group 3548"/>
             <p:cNvGrpSpPr/>
             <p:nvPr/>
           </p:nvGrpSpPr>
@@ -17199,7 +17199,7 @@
           </p:grpSpPr>
           <p:cxnSp>
             <p:nvCxnSpPr>
-              <p:cNvPr id="1773" name="Straight Arrow Connector 1772"/>
+              <p:cNvPr id="3554" name="Straight Arrow Connector 3553"/>
               <p:cNvCxnSpPr/>
               <p:nvPr/>
             </p:nvCxnSpPr>
@@ -17236,7 +17236,7 @@
           </p:cxnSp>
           <p:cxnSp>
             <p:nvCxnSpPr>
-              <p:cNvPr id="1774" name="Straight Arrow Connector 1773"/>
+              <p:cNvPr id="3555" name="Straight Arrow Connector 3554"/>
               <p:cNvCxnSpPr/>
               <p:nvPr/>
             </p:nvCxnSpPr>
@@ -17273,7 +17273,7 @@
           </p:cxnSp>
           <p:cxnSp>
             <p:nvCxnSpPr>
-              <p:cNvPr id="1775" name="Straight Arrow Connector 1774"/>
+              <p:cNvPr id="3556" name="Straight Arrow Connector 3555"/>
               <p:cNvCxnSpPr/>
               <p:nvPr/>
             </p:nvCxnSpPr>
@@ -17311,7 +17311,7 @@
         </p:grpSp>
         <p:grpSp>
           <p:nvGrpSpPr>
-            <p:cNvPr id="1769" name="Group 1768"/>
+            <p:cNvPr id="3550" name="Group 3549"/>
             <p:cNvGrpSpPr/>
             <p:nvPr/>
           </p:nvGrpSpPr>
@@ -17325,7 +17325,7 @@
           </p:grpSpPr>
           <p:cxnSp>
             <p:nvCxnSpPr>
-              <p:cNvPr id="1770" name="Straight Arrow Connector 1769"/>
+              <p:cNvPr id="3551" name="Straight Arrow Connector 3550"/>
               <p:cNvCxnSpPr/>
               <p:nvPr/>
             </p:nvCxnSpPr>
@@ -17362,7 +17362,7 @@
           </p:cxnSp>
           <p:cxnSp>
             <p:nvCxnSpPr>
-              <p:cNvPr id="1771" name="Straight Arrow Connector 1770"/>
+              <p:cNvPr id="3552" name="Straight Arrow Connector 3551"/>
               <p:cNvCxnSpPr/>
               <p:nvPr/>
             </p:nvCxnSpPr>
@@ -17399,7 +17399,7 @@
           </p:cxnSp>
           <p:cxnSp>
             <p:nvCxnSpPr>
-              <p:cNvPr id="1772" name="Straight Arrow Connector 1771"/>
+              <p:cNvPr id="3553" name="Straight Arrow Connector 3552"/>
               <p:cNvCxnSpPr/>
               <p:nvPr/>
             </p:nvCxnSpPr>
@@ -17438,13 +17438,13 @@
       </p:grpSp>
       <p:grpSp>
         <p:nvGrpSpPr>
-          <p:cNvPr id="1782" name="Group 1781"/>
+          <p:cNvPr id="3563" name="Group 3562"/>
           <p:cNvGrpSpPr/>
           <p:nvPr/>
         </p:nvGrpSpPr>
         <p:grpSpPr>
           <a:xfrm>
-            <a:off x="19524882" y="3100366"/>
+            <a:off x="8734661" y="13715969"/>
             <a:ext cx="361516" cy="1897145"/>
             <a:chOff x="11308644" y="3365911"/>
             <a:chExt cx="361516" cy="1897145"/>
@@ -17452,7 +17452,7 @@
         </p:grpSpPr>
         <p:grpSp>
           <p:nvGrpSpPr>
-            <p:cNvPr id="1783" name="Group 1782"/>
+            <p:cNvPr id="3564" name="Group 3563"/>
             <p:cNvGrpSpPr/>
             <p:nvPr/>
           </p:nvGrpSpPr>
@@ -17466,7 +17466,7 @@
           </p:grpSpPr>
           <p:cxnSp>
             <p:nvCxnSpPr>
-              <p:cNvPr id="1796" name="Straight Arrow Connector 1795"/>
+              <p:cNvPr id="3577" name="Straight Arrow Connector 3576"/>
               <p:cNvCxnSpPr/>
               <p:nvPr/>
             </p:nvCxnSpPr>
@@ -17503,7 +17503,7 @@
           </p:cxnSp>
           <p:cxnSp>
             <p:nvCxnSpPr>
-              <p:cNvPr id="1797" name="Straight Arrow Connector 1796"/>
+              <p:cNvPr id="3578" name="Straight Arrow Connector 3577"/>
               <p:cNvCxnSpPr/>
               <p:nvPr/>
             </p:nvCxnSpPr>
@@ -17540,7 +17540,7 @@
           </p:cxnSp>
           <p:cxnSp>
             <p:nvCxnSpPr>
-              <p:cNvPr id="1798" name="Straight Arrow Connector 1797"/>
+              <p:cNvPr id="3579" name="Straight Arrow Connector 3578"/>
               <p:cNvCxnSpPr/>
               <p:nvPr/>
             </p:nvCxnSpPr>
@@ -17578,7 +17578,7 @@
         </p:grpSp>
         <p:grpSp>
           <p:nvGrpSpPr>
-            <p:cNvPr id="1784" name="Group 1783"/>
+            <p:cNvPr id="3565" name="Group 3564"/>
             <p:cNvGrpSpPr/>
             <p:nvPr/>
           </p:nvGrpSpPr>
@@ -17592,7 +17592,7 @@
           </p:grpSpPr>
           <p:cxnSp>
             <p:nvCxnSpPr>
-              <p:cNvPr id="1793" name="Straight Arrow Connector 1792"/>
+              <p:cNvPr id="3574" name="Straight Arrow Connector 3573"/>
               <p:cNvCxnSpPr/>
               <p:nvPr/>
             </p:nvCxnSpPr>
@@ -17629,7 +17629,7 @@
           </p:cxnSp>
           <p:cxnSp>
             <p:nvCxnSpPr>
-              <p:cNvPr id="1794" name="Straight Arrow Connector 1793"/>
+              <p:cNvPr id="3575" name="Straight Arrow Connector 3574"/>
               <p:cNvCxnSpPr/>
               <p:nvPr/>
             </p:nvCxnSpPr>
@@ -17666,7 +17666,7 @@
           </p:cxnSp>
           <p:cxnSp>
             <p:nvCxnSpPr>
-              <p:cNvPr id="1795" name="Straight Arrow Connector 1794"/>
+              <p:cNvPr id="3576" name="Straight Arrow Connector 3575"/>
               <p:cNvCxnSpPr/>
               <p:nvPr/>
             </p:nvCxnSpPr>
@@ -17704,7 +17704,7 @@
         </p:grpSp>
         <p:grpSp>
           <p:nvGrpSpPr>
-            <p:cNvPr id="1785" name="Group 1784"/>
+            <p:cNvPr id="3566" name="Group 3565"/>
             <p:cNvGrpSpPr/>
             <p:nvPr/>
           </p:nvGrpSpPr>
@@ -17718,7 +17718,7 @@
           </p:grpSpPr>
           <p:cxnSp>
             <p:nvCxnSpPr>
-              <p:cNvPr id="1790" name="Straight Arrow Connector 1789"/>
+              <p:cNvPr id="3571" name="Straight Arrow Connector 3570"/>
               <p:cNvCxnSpPr/>
               <p:nvPr/>
             </p:nvCxnSpPr>
@@ -17755,7 +17755,7 @@
           </p:cxnSp>
           <p:cxnSp>
             <p:nvCxnSpPr>
-              <p:cNvPr id="1791" name="Straight Arrow Connector 1790"/>
+              <p:cNvPr id="3572" name="Straight Arrow Connector 3571"/>
               <p:cNvCxnSpPr/>
               <p:nvPr/>
             </p:nvCxnSpPr>
@@ -17792,7 +17792,7 @@
           </p:cxnSp>
           <p:cxnSp>
             <p:nvCxnSpPr>
-              <p:cNvPr id="1792" name="Straight Arrow Connector 1791"/>
+              <p:cNvPr id="3573" name="Straight Arrow Connector 3572"/>
               <p:cNvCxnSpPr/>
               <p:nvPr/>
             </p:nvCxnSpPr>
@@ -17830,7 +17830,7 @@
         </p:grpSp>
         <p:grpSp>
           <p:nvGrpSpPr>
-            <p:cNvPr id="1786" name="Group 1785"/>
+            <p:cNvPr id="3567" name="Group 3566"/>
             <p:cNvGrpSpPr/>
             <p:nvPr/>
           </p:nvGrpSpPr>
@@ -17844,7 +17844,7 @@
           </p:grpSpPr>
           <p:cxnSp>
             <p:nvCxnSpPr>
-              <p:cNvPr id="1787" name="Straight Arrow Connector 1786"/>
+              <p:cNvPr id="3568" name="Straight Arrow Connector 3567"/>
               <p:cNvCxnSpPr/>
               <p:nvPr/>
             </p:nvCxnSpPr>
@@ -17881,7 +17881,7 @@
           </p:cxnSp>
           <p:cxnSp>
             <p:nvCxnSpPr>
-              <p:cNvPr id="1788" name="Straight Arrow Connector 1787"/>
+              <p:cNvPr id="3569" name="Straight Arrow Connector 3568"/>
               <p:cNvCxnSpPr/>
               <p:nvPr/>
             </p:nvCxnSpPr>
@@ -17918,7 +17918,7 @@
           </p:cxnSp>
           <p:cxnSp>
             <p:nvCxnSpPr>
-              <p:cNvPr id="1789" name="Straight Arrow Connector 1788"/>
+              <p:cNvPr id="3570" name="Straight Arrow Connector 3569"/>
               <p:cNvCxnSpPr/>
               <p:nvPr/>
             </p:nvCxnSpPr>
@@ -17957,13 +17957,13 @@
       </p:grpSp>
       <p:grpSp>
         <p:nvGrpSpPr>
-          <p:cNvPr id="1799" name="Group 1798"/>
+          <p:cNvPr id="3580" name="Group 3579"/>
           <p:cNvGrpSpPr/>
           <p:nvPr/>
         </p:nvGrpSpPr>
         <p:grpSpPr>
           <a:xfrm>
-            <a:off x="19563127" y="1166556"/>
+            <a:off x="8772906" y="11782159"/>
             <a:ext cx="361516" cy="1897145"/>
             <a:chOff x="11308644" y="3365911"/>
             <a:chExt cx="361516" cy="1897145"/>
@@ -17971,7 +17971,7 @@
         </p:grpSpPr>
         <p:grpSp>
           <p:nvGrpSpPr>
-            <p:cNvPr id="1800" name="Group 1799"/>
+            <p:cNvPr id="3581" name="Group 3580"/>
             <p:cNvGrpSpPr/>
             <p:nvPr/>
           </p:nvGrpSpPr>
@@ -17985,7 +17985,7 @@
           </p:grpSpPr>
           <p:cxnSp>
             <p:nvCxnSpPr>
-              <p:cNvPr id="1813" name="Straight Arrow Connector 1812"/>
+              <p:cNvPr id="3594" name="Straight Arrow Connector 3593"/>
               <p:cNvCxnSpPr/>
               <p:nvPr/>
             </p:nvCxnSpPr>
@@ -18022,7 +18022,7 @@
           </p:cxnSp>
           <p:cxnSp>
             <p:nvCxnSpPr>
-              <p:cNvPr id="1814" name="Straight Arrow Connector 1813"/>
+              <p:cNvPr id="3595" name="Straight Arrow Connector 3594"/>
               <p:cNvCxnSpPr/>
               <p:nvPr/>
             </p:nvCxnSpPr>
@@ -18059,7 +18059,7 @@
           </p:cxnSp>
           <p:cxnSp>
             <p:nvCxnSpPr>
-              <p:cNvPr id="1815" name="Straight Arrow Connector 1814"/>
+              <p:cNvPr id="3596" name="Straight Arrow Connector 3595"/>
               <p:cNvCxnSpPr/>
               <p:nvPr/>
             </p:nvCxnSpPr>
@@ -18097,7 +18097,7 @@
         </p:grpSp>
         <p:grpSp>
           <p:nvGrpSpPr>
-            <p:cNvPr id="1801" name="Group 1800"/>
+            <p:cNvPr id="3582" name="Group 3581"/>
             <p:cNvGrpSpPr/>
             <p:nvPr/>
           </p:nvGrpSpPr>
@@ -18111,7 +18111,7 @@
           </p:grpSpPr>
           <p:cxnSp>
             <p:nvCxnSpPr>
-              <p:cNvPr id="1810" name="Straight Arrow Connector 1809"/>
+              <p:cNvPr id="3591" name="Straight Arrow Connector 3590"/>
               <p:cNvCxnSpPr/>
               <p:nvPr/>
             </p:nvCxnSpPr>
@@ -18148,7 +18148,7 @@
           </p:cxnSp>
           <p:cxnSp>
             <p:nvCxnSpPr>
-              <p:cNvPr id="1811" name="Straight Arrow Connector 1810"/>
+              <p:cNvPr id="3592" name="Straight Arrow Connector 3591"/>
               <p:cNvCxnSpPr/>
               <p:nvPr/>
             </p:nvCxnSpPr>
@@ -18185,7 +18185,7 @@
           </p:cxnSp>
           <p:cxnSp>
             <p:nvCxnSpPr>
-              <p:cNvPr id="1812" name="Straight Arrow Connector 1811"/>
+              <p:cNvPr id="3593" name="Straight Arrow Connector 3592"/>
               <p:cNvCxnSpPr/>
               <p:nvPr/>
             </p:nvCxnSpPr>
@@ -18223,7 +18223,7 @@
         </p:grpSp>
         <p:grpSp>
           <p:nvGrpSpPr>
-            <p:cNvPr id="1802" name="Group 1801"/>
+            <p:cNvPr id="3583" name="Group 3582"/>
             <p:cNvGrpSpPr/>
             <p:nvPr/>
           </p:nvGrpSpPr>
@@ -18237,7 +18237,7 @@
           </p:grpSpPr>
           <p:cxnSp>
             <p:nvCxnSpPr>
-              <p:cNvPr id="1807" name="Straight Arrow Connector 1806"/>
+              <p:cNvPr id="3588" name="Straight Arrow Connector 3587"/>
               <p:cNvCxnSpPr/>
               <p:nvPr/>
             </p:nvCxnSpPr>
@@ -18274,7 +18274,7 @@
           </p:cxnSp>
           <p:cxnSp>
             <p:nvCxnSpPr>
-              <p:cNvPr id="1808" name="Straight Arrow Connector 1807"/>
+              <p:cNvPr id="3589" name="Straight Arrow Connector 3588"/>
               <p:cNvCxnSpPr/>
               <p:nvPr/>
             </p:nvCxnSpPr>
@@ -18311,7 +18311,7 @@
           </p:cxnSp>
           <p:cxnSp>
             <p:nvCxnSpPr>
-              <p:cNvPr id="1809" name="Straight Arrow Connector 1808"/>
+              <p:cNvPr id="3590" name="Straight Arrow Connector 3589"/>
               <p:cNvCxnSpPr/>
               <p:nvPr/>
             </p:nvCxnSpPr>
@@ -18349,7 +18349,7 @@
         </p:grpSp>
         <p:grpSp>
           <p:nvGrpSpPr>
-            <p:cNvPr id="1803" name="Group 1802"/>
+            <p:cNvPr id="3584" name="Group 3583"/>
             <p:cNvGrpSpPr/>
             <p:nvPr/>
           </p:nvGrpSpPr>
@@ -18363,7 +18363,7 @@
           </p:grpSpPr>
           <p:cxnSp>
             <p:nvCxnSpPr>
-              <p:cNvPr id="1804" name="Straight Arrow Connector 1803"/>
+              <p:cNvPr id="3585" name="Straight Arrow Connector 3584"/>
               <p:cNvCxnSpPr/>
               <p:nvPr/>
             </p:nvCxnSpPr>
@@ -18400,7 +18400,7 @@
           </p:cxnSp>
           <p:cxnSp>
             <p:nvCxnSpPr>
-              <p:cNvPr id="1805" name="Straight Arrow Connector 1804"/>
+              <p:cNvPr id="3586" name="Straight Arrow Connector 3585"/>
               <p:cNvCxnSpPr/>
               <p:nvPr/>
             </p:nvCxnSpPr>
@@ -18437,7 +18437,7 @@
           </p:cxnSp>
           <p:cxnSp>
             <p:nvCxnSpPr>
-              <p:cNvPr id="1806" name="Straight Arrow Connector 1805"/>
+              <p:cNvPr id="3587" name="Straight Arrow Connector 3586"/>
               <p:cNvCxnSpPr/>
               <p:nvPr/>
             </p:nvCxnSpPr>
@@ -18476,13 +18476,13 @@
       </p:grpSp>
       <p:grpSp>
         <p:nvGrpSpPr>
-          <p:cNvPr id="1816" name="Group 1815"/>
+          <p:cNvPr id="3597" name="Group 3596"/>
           <p:cNvGrpSpPr/>
           <p:nvPr/>
         </p:nvGrpSpPr>
         <p:grpSpPr>
           <a:xfrm rot="5400000">
-            <a:off x="19512932" y="758454"/>
+            <a:off x="8722711" y="11374057"/>
             <a:ext cx="458297" cy="334817"/>
             <a:chOff x="6330339" y="5786642"/>
             <a:chExt cx="631500" cy="334817"/>
@@ -18490,7 +18490,7 @@
         </p:grpSpPr>
         <p:cxnSp>
           <p:nvCxnSpPr>
-            <p:cNvPr id="1817" name="Straight Arrow Connector 1816"/>
+            <p:cNvPr id="3598" name="Straight Arrow Connector 3597"/>
             <p:cNvCxnSpPr/>
             <p:nvPr/>
           </p:nvCxnSpPr>
@@ -18527,7 +18527,7 @@
         </p:cxnSp>
         <p:cxnSp>
           <p:nvCxnSpPr>
-            <p:cNvPr id="1818" name="Straight Arrow Connector 1817"/>
+            <p:cNvPr id="3599" name="Straight Arrow Connector 3598"/>
             <p:cNvCxnSpPr/>
             <p:nvPr/>
           </p:nvCxnSpPr>
@@ -18564,7 +18564,7 @@
         </p:cxnSp>
         <p:cxnSp>
           <p:nvCxnSpPr>
-            <p:cNvPr id="1819" name="Straight Arrow Connector 1818"/>
+            <p:cNvPr id="3600" name="Straight Arrow Connector 3599"/>
             <p:cNvCxnSpPr/>
             <p:nvPr/>
           </p:nvCxnSpPr>
@@ -18602,13 +18602,13 @@
       </p:grpSp>
       <p:cxnSp>
         <p:nvCxnSpPr>
-          <p:cNvPr id="1820" name="Straight Arrow Connector 1819"/>
+          <p:cNvPr id="3601" name="Straight Arrow Connector 3600"/>
           <p:cNvCxnSpPr/>
           <p:nvPr/>
         </p:nvCxnSpPr>
         <p:spPr>
           <a:xfrm flipH="1">
-            <a:off x="23584470" y="4363036"/>
+            <a:off x="12794249" y="14978639"/>
             <a:ext cx="764856" cy="0"/>
           </a:xfrm>
           <a:prstGeom prst="straightConnector1">
@@ -18639,13 +18639,13 @@
       </p:cxnSp>
       <p:cxnSp>
         <p:nvCxnSpPr>
-          <p:cNvPr id="1821" name="Straight Arrow Connector 1820"/>
+          <p:cNvPr id="3602" name="Straight Arrow Connector 3601"/>
           <p:cNvCxnSpPr/>
           <p:nvPr/>
         </p:nvCxnSpPr>
         <p:spPr>
           <a:xfrm>
-            <a:off x="29916386" y="4294909"/>
+            <a:off x="19126165" y="14910512"/>
             <a:ext cx="1026104" cy="0"/>
           </a:xfrm>
           <a:prstGeom prst="straightConnector1">
@@ -18676,13 +18676,13 @@
       </p:cxnSp>
       <p:cxnSp>
         <p:nvCxnSpPr>
-          <p:cNvPr id="1822" name="Straight Arrow Connector 1821"/>
+          <p:cNvPr id="3603" name="Straight Arrow Connector 3602"/>
           <p:cNvCxnSpPr/>
           <p:nvPr/>
         </p:nvCxnSpPr>
         <p:spPr>
           <a:xfrm>
-            <a:off x="29903257" y="10635673"/>
+            <a:off x="19113036" y="22318076"/>
             <a:ext cx="1026104" cy="0"/>
           </a:xfrm>
           <a:prstGeom prst="straightConnector1">
@@ -18713,13 +18713,13 @@
       </p:cxnSp>
       <p:cxnSp>
         <p:nvCxnSpPr>
-          <p:cNvPr id="1823" name="Straight Arrow Connector 1822"/>
+          <p:cNvPr id="3604" name="Straight Arrow Connector 3603"/>
           <p:cNvCxnSpPr/>
           <p:nvPr/>
         </p:nvCxnSpPr>
         <p:spPr>
           <a:xfrm>
-            <a:off x="29916386" y="15394709"/>
+            <a:off x="19126165" y="27077112"/>
             <a:ext cx="1026104" cy="0"/>
           </a:xfrm>
           <a:prstGeom prst="straightConnector1">
@@ -18750,13 +18750,13 @@
       </p:cxnSp>
       <p:cxnSp>
         <p:nvCxnSpPr>
-          <p:cNvPr id="1824" name="Straight Arrow Connector 1823"/>
+          <p:cNvPr id="3605" name="Straight Arrow Connector 3604"/>
           <p:cNvCxnSpPr/>
           <p:nvPr/>
         </p:nvCxnSpPr>
         <p:spPr>
           <a:xfrm flipH="1">
-            <a:off x="23736870" y="7368310"/>
+            <a:off x="12946649" y="19050713"/>
             <a:ext cx="2168426" cy="0"/>
           </a:xfrm>
           <a:prstGeom prst="straightConnector1">
@@ -18787,13 +18787,13 @@
       </p:cxnSp>
       <p:cxnSp>
         <p:nvCxnSpPr>
-          <p:cNvPr id="1825" name="Straight Arrow Connector 1824"/>
+          <p:cNvPr id="3606" name="Straight Arrow Connector 3605"/>
           <p:cNvCxnSpPr/>
           <p:nvPr/>
         </p:nvCxnSpPr>
         <p:spPr>
           <a:xfrm flipH="1">
-            <a:off x="13438623" y="18903482"/>
+            <a:off x="2648402" y="30585885"/>
             <a:ext cx="503344" cy="1168603"/>
           </a:xfrm>
           <a:prstGeom prst="straightConnector1">
@@ -18824,13 +18824,13 @@
       </p:cxnSp>
       <p:grpSp>
         <p:nvGrpSpPr>
-          <p:cNvPr id="1826" name="Group 1825"/>
+          <p:cNvPr id="3607" name="Group 3606"/>
           <p:cNvGrpSpPr/>
           <p:nvPr/>
         </p:nvGrpSpPr>
         <p:grpSpPr>
           <a:xfrm>
-            <a:off x="15712595" y="11731426"/>
+            <a:off x="4922374" y="23413829"/>
             <a:ext cx="374545" cy="337125"/>
             <a:chOff x="6330339" y="5786642"/>
             <a:chExt cx="631500" cy="337125"/>
@@ -18838,7 +18838,7 @@
         </p:grpSpPr>
         <p:cxnSp>
           <p:nvCxnSpPr>
-            <p:cNvPr id="1827" name="Straight Arrow Connector 1826"/>
+            <p:cNvPr id="3608" name="Straight Arrow Connector 3607"/>
             <p:cNvCxnSpPr/>
             <p:nvPr/>
           </p:nvCxnSpPr>
@@ -18875,7 +18875,7 @@
         </p:cxnSp>
         <p:cxnSp>
           <p:nvCxnSpPr>
-            <p:cNvPr id="1828" name="Straight Arrow Connector 1827"/>
+            <p:cNvPr id="3609" name="Straight Arrow Connector 3608"/>
             <p:cNvCxnSpPr/>
             <p:nvPr/>
           </p:nvCxnSpPr>
@@ -18912,7 +18912,7 @@
         </p:cxnSp>
         <p:cxnSp>
           <p:nvCxnSpPr>
-            <p:cNvPr id="1829" name="Straight Arrow Connector 1828"/>
+            <p:cNvPr id="3610" name="Straight Arrow Connector 3609"/>
             <p:cNvCxnSpPr/>
             <p:nvPr/>
           </p:nvCxnSpPr>
@@ -18950,13 +18950,13 @@
       </p:grpSp>
       <p:grpSp>
         <p:nvGrpSpPr>
-          <p:cNvPr id="1830" name="Group 1829"/>
+          <p:cNvPr id="3611" name="Group 3610"/>
           <p:cNvGrpSpPr/>
           <p:nvPr/>
         </p:nvGrpSpPr>
         <p:grpSpPr>
           <a:xfrm>
-            <a:off x="15338050" y="11727873"/>
+            <a:off x="4547829" y="23410276"/>
             <a:ext cx="374545" cy="337125"/>
             <a:chOff x="6330339" y="5786642"/>
             <a:chExt cx="631500" cy="337125"/>
@@ -18964,7 +18964,7 @@
         </p:grpSpPr>
         <p:cxnSp>
           <p:nvCxnSpPr>
-            <p:cNvPr id="1831" name="Straight Arrow Connector 1830"/>
+            <p:cNvPr id="3612" name="Straight Arrow Connector 3611"/>
             <p:cNvCxnSpPr/>
             <p:nvPr/>
           </p:nvCxnSpPr>
@@ -19001,7 +19001,7 @@
         </p:cxnSp>
         <p:cxnSp>
           <p:nvCxnSpPr>
-            <p:cNvPr id="1832" name="Straight Arrow Connector 1831"/>
+            <p:cNvPr id="3613" name="Straight Arrow Connector 3612"/>
             <p:cNvCxnSpPr/>
             <p:nvPr/>
           </p:nvCxnSpPr>
@@ -19038,7 +19038,7 @@
         </p:cxnSp>
         <p:cxnSp>
           <p:nvCxnSpPr>
-            <p:cNvPr id="1833" name="Straight Arrow Connector 1832"/>
+            <p:cNvPr id="3614" name="Straight Arrow Connector 3613"/>
             <p:cNvCxnSpPr/>
             <p:nvPr/>
           </p:nvCxnSpPr>
@@ -19076,13 +19076,13 @@
       </p:grpSp>
       <p:grpSp>
         <p:nvGrpSpPr>
-          <p:cNvPr id="1834" name="Group 1833"/>
+          <p:cNvPr id="3615" name="Group 3614"/>
           <p:cNvGrpSpPr/>
           <p:nvPr/>
         </p:nvGrpSpPr>
         <p:grpSpPr>
           <a:xfrm>
-            <a:off x="15373709" y="19640408"/>
+            <a:off x="4583488" y="31322811"/>
             <a:ext cx="2135687" cy="389405"/>
             <a:chOff x="7435565" y="19910283"/>
             <a:chExt cx="1873468" cy="354203"/>
@@ -19090,7 +19090,7 @@
         </p:grpSpPr>
         <p:grpSp>
           <p:nvGrpSpPr>
-            <p:cNvPr id="1835" name="Group 1834"/>
+            <p:cNvPr id="3616" name="Group 3615"/>
             <p:cNvGrpSpPr/>
             <p:nvPr/>
           </p:nvGrpSpPr>
@@ -19104,7 +19104,7 @@
           </p:grpSpPr>
           <p:grpSp>
             <p:nvGrpSpPr>
-              <p:cNvPr id="1840" name="Group 1839"/>
+              <p:cNvPr id="3621" name="Group 3620"/>
               <p:cNvGrpSpPr/>
               <p:nvPr/>
             </p:nvGrpSpPr>
@@ -19118,7 +19118,7 @@
             </p:grpSpPr>
             <p:cxnSp>
               <p:nvCxnSpPr>
-                <p:cNvPr id="1853" name="Straight Arrow Connector 1852"/>
+                <p:cNvPr id="3634" name="Straight Arrow Connector 3633"/>
                 <p:cNvCxnSpPr/>
                 <p:nvPr/>
               </p:nvCxnSpPr>
@@ -19155,7 +19155,7 @@
             </p:cxnSp>
             <p:cxnSp>
               <p:nvCxnSpPr>
-                <p:cNvPr id="1854" name="Straight Arrow Connector 1853"/>
+                <p:cNvPr id="3635" name="Straight Arrow Connector 3634"/>
                 <p:cNvCxnSpPr/>
                 <p:nvPr/>
               </p:nvCxnSpPr>
@@ -19192,7 +19192,7 @@
             </p:cxnSp>
             <p:cxnSp>
               <p:nvCxnSpPr>
-                <p:cNvPr id="1855" name="Straight Arrow Connector 1854"/>
+                <p:cNvPr id="3636" name="Straight Arrow Connector 3635"/>
                 <p:cNvCxnSpPr/>
                 <p:nvPr/>
               </p:nvCxnSpPr>
@@ -19230,7 +19230,7 @@
           </p:grpSp>
           <p:grpSp>
             <p:nvGrpSpPr>
-              <p:cNvPr id="1841" name="Group 1840"/>
+              <p:cNvPr id="3622" name="Group 3621"/>
               <p:cNvGrpSpPr/>
               <p:nvPr/>
             </p:nvGrpSpPr>
@@ -19244,7 +19244,7 @@
             </p:grpSpPr>
             <p:cxnSp>
               <p:nvCxnSpPr>
-                <p:cNvPr id="1850" name="Straight Arrow Connector 1849"/>
+                <p:cNvPr id="3631" name="Straight Arrow Connector 3630"/>
                 <p:cNvCxnSpPr/>
                 <p:nvPr/>
               </p:nvCxnSpPr>
@@ -19281,7 +19281,7 @@
             </p:cxnSp>
             <p:cxnSp>
               <p:nvCxnSpPr>
-                <p:cNvPr id="1851" name="Straight Arrow Connector 1850"/>
+                <p:cNvPr id="3632" name="Straight Arrow Connector 3631"/>
                 <p:cNvCxnSpPr/>
                 <p:nvPr/>
               </p:nvCxnSpPr>
@@ -19318,7 +19318,7 @@
             </p:cxnSp>
             <p:cxnSp>
               <p:nvCxnSpPr>
-                <p:cNvPr id="1852" name="Straight Arrow Connector 1851"/>
+                <p:cNvPr id="3633" name="Straight Arrow Connector 3632"/>
                 <p:cNvCxnSpPr/>
                 <p:nvPr/>
               </p:nvCxnSpPr>
@@ -19356,7 +19356,7 @@
           </p:grpSp>
           <p:grpSp>
             <p:nvGrpSpPr>
-              <p:cNvPr id="1842" name="Group 1841"/>
+              <p:cNvPr id="3623" name="Group 3622"/>
               <p:cNvGrpSpPr/>
               <p:nvPr/>
             </p:nvGrpSpPr>
@@ -19370,7 +19370,7 @@
             </p:grpSpPr>
             <p:cxnSp>
               <p:nvCxnSpPr>
-                <p:cNvPr id="1847" name="Straight Arrow Connector 1846"/>
+                <p:cNvPr id="3628" name="Straight Arrow Connector 3627"/>
                 <p:cNvCxnSpPr/>
                 <p:nvPr/>
               </p:nvCxnSpPr>
@@ -19407,7 +19407,7 @@
             </p:cxnSp>
             <p:cxnSp>
               <p:nvCxnSpPr>
-                <p:cNvPr id="1848" name="Straight Arrow Connector 1847"/>
+                <p:cNvPr id="3629" name="Straight Arrow Connector 3628"/>
                 <p:cNvCxnSpPr/>
                 <p:nvPr/>
               </p:nvCxnSpPr>
@@ -19444,7 +19444,7 @@
             </p:cxnSp>
             <p:cxnSp>
               <p:nvCxnSpPr>
-                <p:cNvPr id="1849" name="Straight Arrow Connector 1848"/>
+                <p:cNvPr id="3630" name="Straight Arrow Connector 3629"/>
                 <p:cNvCxnSpPr/>
                 <p:nvPr/>
               </p:nvCxnSpPr>
@@ -19482,7 +19482,7 @@
           </p:grpSp>
           <p:grpSp>
             <p:nvGrpSpPr>
-              <p:cNvPr id="1843" name="Group 1842"/>
+              <p:cNvPr id="3624" name="Group 3623"/>
               <p:cNvGrpSpPr/>
               <p:nvPr/>
             </p:nvGrpSpPr>
@@ -19496,7 +19496,7 @@
             </p:grpSpPr>
             <p:cxnSp>
               <p:nvCxnSpPr>
-                <p:cNvPr id="1844" name="Straight Arrow Connector 1843"/>
+                <p:cNvPr id="3625" name="Straight Arrow Connector 3624"/>
                 <p:cNvCxnSpPr/>
                 <p:nvPr/>
               </p:nvCxnSpPr>
@@ -19533,7 +19533,7 @@
             </p:cxnSp>
             <p:cxnSp>
               <p:nvCxnSpPr>
-                <p:cNvPr id="1845" name="Straight Arrow Connector 1844"/>
+                <p:cNvPr id="3626" name="Straight Arrow Connector 3625"/>
                 <p:cNvCxnSpPr/>
                 <p:nvPr/>
               </p:nvCxnSpPr>
@@ -19570,7 +19570,7 @@
             </p:cxnSp>
             <p:cxnSp>
               <p:nvCxnSpPr>
-                <p:cNvPr id="1846" name="Straight Arrow Connector 1845"/>
+                <p:cNvPr id="3627" name="Straight Arrow Connector 3626"/>
                 <p:cNvCxnSpPr/>
                 <p:nvPr/>
               </p:nvCxnSpPr>
@@ -19609,7 +19609,7 @@
         </p:grpSp>
         <p:grpSp>
           <p:nvGrpSpPr>
-            <p:cNvPr id="1836" name="Group 1835"/>
+            <p:cNvPr id="3617" name="Group 3616"/>
             <p:cNvGrpSpPr/>
             <p:nvPr/>
           </p:nvGrpSpPr>
@@ -19623,7 +19623,7 @@
           </p:grpSpPr>
           <p:cxnSp>
             <p:nvCxnSpPr>
-              <p:cNvPr id="1837" name="Straight Arrow Connector 1836"/>
+              <p:cNvPr id="3618" name="Straight Arrow Connector 3617"/>
               <p:cNvCxnSpPr/>
               <p:nvPr/>
             </p:nvCxnSpPr>
@@ -19660,7 +19660,7 @@
           </p:cxnSp>
           <p:cxnSp>
             <p:nvCxnSpPr>
-              <p:cNvPr id="1838" name="Straight Arrow Connector 1837"/>
+              <p:cNvPr id="3619" name="Straight Arrow Connector 3618"/>
               <p:cNvCxnSpPr/>
               <p:nvPr/>
             </p:nvCxnSpPr>
@@ -19697,7 +19697,7 @@
           </p:cxnSp>
           <p:cxnSp>
             <p:nvCxnSpPr>
-              <p:cNvPr id="1839" name="Straight Arrow Connector 1838"/>
+              <p:cNvPr id="3620" name="Straight Arrow Connector 3619"/>
               <p:cNvCxnSpPr/>
               <p:nvPr/>
             </p:nvCxnSpPr>
@@ -19736,13 +19736,13 @@
       </p:grpSp>
       <p:grpSp>
         <p:nvGrpSpPr>
-          <p:cNvPr id="1856" name="Group 1855"/>
+          <p:cNvPr id="3637" name="Group 3636"/>
           <p:cNvGrpSpPr/>
           <p:nvPr/>
         </p:nvGrpSpPr>
         <p:grpSpPr>
           <a:xfrm>
-            <a:off x="19551581" y="9461273"/>
+            <a:off x="8761360" y="21143676"/>
             <a:ext cx="361516" cy="1897145"/>
             <a:chOff x="11308644" y="3365911"/>
             <a:chExt cx="361516" cy="1897145"/>
@@ -19750,7 +19750,7 @@
         </p:grpSpPr>
         <p:grpSp>
           <p:nvGrpSpPr>
-            <p:cNvPr id="1857" name="Group 1856"/>
+            <p:cNvPr id="3638" name="Group 3637"/>
             <p:cNvGrpSpPr/>
             <p:nvPr/>
           </p:nvGrpSpPr>
@@ -19764,7 +19764,7 @@
           </p:grpSpPr>
           <p:cxnSp>
             <p:nvCxnSpPr>
-              <p:cNvPr id="1870" name="Straight Arrow Connector 1869"/>
+              <p:cNvPr id="3651" name="Straight Arrow Connector 3650"/>
               <p:cNvCxnSpPr/>
               <p:nvPr/>
             </p:nvCxnSpPr>
@@ -19801,7 +19801,7 @@
           </p:cxnSp>
           <p:cxnSp>
             <p:nvCxnSpPr>
-              <p:cNvPr id="1871" name="Straight Arrow Connector 1870"/>
+              <p:cNvPr id="3652" name="Straight Arrow Connector 3651"/>
               <p:cNvCxnSpPr/>
               <p:nvPr/>
             </p:nvCxnSpPr>
@@ -19838,7 +19838,7 @@
           </p:cxnSp>
           <p:cxnSp>
             <p:nvCxnSpPr>
-              <p:cNvPr id="1872" name="Straight Arrow Connector 1871"/>
+              <p:cNvPr id="3653" name="Straight Arrow Connector 3652"/>
               <p:cNvCxnSpPr/>
               <p:nvPr/>
             </p:nvCxnSpPr>
@@ -19876,7 +19876,7 @@
         </p:grpSp>
         <p:grpSp>
           <p:nvGrpSpPr>
-            <p:cNvPr id="1858" name="Group 1857"/>
+            <p:cNvPr id="3639" name="Group 3638"/>
             <p:cNvGrpSpPr/>
             <p:nvPr/>
           </p:nvGrpSpPr>
@@ -19890,7 +19890,7 @@
           </p:grpSpPr>
           <p:cxnSp>
             <p:nvCxnSpPr>
-              <p:cNvPr id="1867" name="Straight Arrow Connector 1866"/>
+              <p:cNvPr id="3648" name="Straight Arrow Connector 3647"/>
               <p:cNvCxnSpPr/>
               <p:nvPr/>
             </p:nvCxnSpPr>
@@ -19927,7 +19927,7 @@
           </p:cxnSp>
           <p:cxnSp>
             <p:nvCxnSpPr>
-              <p:cNvPr id="1868" name="Straight Arrow Connector 1867"/>
+              <p:cNvPr id="3649" name="Straight Arrow Connector 3648"/>
               <p:cNvCxnSpPr/>
               <p:nvPr/>
             </p:nvCxnSpPr>
@@ -19964,7 +19964,7 @@
           </p:cxnSp>
           <p:cxnSp>
             <p:nvCxnSpPr>
-              <p:cNvPr id="1869" name="Straight Arrow Connector 1868"/>
+              <p:cNvPr id="3650" name="Straight Arrow Connector 3649"/>
               <p:cNvCxnSpPr/>
               <p:nvPr/>
             </p:nvCxnSpPr>
@@ -20002,7 +20002,7 @@
         </p:grpSp>
         <p:grpSp>
           <p:nvGrpSpPr>
-            <p:cNvPr id="1859" name="Group 1858"/>
+            <p:cNvPr id="3640" name="Group 3639"/>
             <p:cNvGrpSpPr/>
             <p:nvPr/>
           </p:nvGrpSpPr>
@@ -20016,7 +20016,7 @@
           </p:grpSpPr>
           <p:cxnSp>
             <p:nvCxnSpPr>
-              <p:cNvPr id="1864" name="Straight Arrow Connector 1863"/>
+              <p:cNvPr id="3645" name="Straight Arrow Connector 3644"/>
               <p:cNvCxnSpPr/>
               <p:nvPr/>
             </p:nvCxnSpPr>
@@ -20053,7 +20053,7 @@
           </p:cxnSp>
           <p:cxnSp>
             <p:nvCxnSpPr>
-              <p:cNvPr id="1865" name="Straight Arrow Connector 1864"/>
+              <p:cNvPr id="3646" name="Straight Arrow Connector 3645"/>
               <p:cNvCxnSpPr/>
               <p:nvPr/>
             </p:nvCxnSpPr>
@@ -20090,7 +20090,7 @@
           </p:cxnSp>
           <p:cxnSp>
             <p:nvCxnSpPr>
-              <p:cNvPr id="1866" name="Straight Arrow Connector 1865"/>
+              <p:cNvPr id="3647" name="Straight Arrow Connector 3646"/>
               <p:cNvCxnSpPr/>
               <p:nvPr/>
             </p:nvCxnSpPr>
@@ -20128,7 +20128,7 @@
         </p:grpSp>
         <p:grpSp>
           <p:nvGrpSpPr>
-            <p:cNvPr id="1860" name="Group 1859"/>
+            <p:cNvPr id="3641" name="Group 3640"/>
             <p:cNvGrpSpPr/>
             <p:nvPr/>
           </p:nvGrpSpPr>
@@ -20142,7 +20142,7 @@
           </p:grpSpPr>
           <p:cxnSp>
             <p:nvCxnSpPr>
-              <p:cNvPr id="1861" name="Straight Arrow Connector 1860"/>
+              <p:cNvPr id="3642" name="Straight Arrow Connector 3641"/>
               <p:cNvCxnSpPr/>
               <p:nvPr/>
             </p:nvCxnSpPr>
@@ -20179,7 +20179,7 @@
           </p:cxnSp>
           <p:cxnSp>
             <p:nvCxnSpPr>
-              <p:cNvPr id="1862" name="Straight Arrow Connector 1861"/>
+              <p:cNvPr id="3643" name="Straight Arrow Connector 3642"/>
               <p:cNvCxnSpPr/>
               <p:nvPr/>
             </p:nvCxnSpPr>
@@ -20216,7 +20216,7 @@
           </p:cxnSp>
           <p:cxnSp>
             <p:nvCxnSpPr>
-              <p:cNvPr id="1863" name="Straight Arrow Connector 1862"/>
+              <p:cNvPr id="3644" name="Straight Arrow Connector 3643"/>
               <p:cNvCxnSpPr/>
               <p:nvPr/>
             </p:nvCxnSpPr>
@@ -20255,13 +20255,13 @@
       </p:grpSp>
       <p:grpSp>
         <p:nvGrpSpPr>
-          <p:cNvPr id="1873" name="Group 1872"/>
+          <p:cNvPr id="3654" name="Group 3653"/>
           <p:cNvGrpSpPr/>
           <p:nvPr/>
         </p:nvGrpSpPr>
         <p:grpSpPr>
           <a:xfrm rot="5400000">
-            <a:off x="19480461" y="9028051"/>
+            <a:off x="8690240" y="20710454"/>
             <a:ext cx="458297" cy="334817"/>
             <a:chOff x="6330339" y="5786642"/>
             <a:chExt cx="631500" cy="334817"/>
@@ -20269,7 +20269,7 @@
         </p:grpSpPr>
         <p:cxnSp>
           <p:nvCxnSpPr>
-            <p:cNvPr id="1874" name="Straight Arrow Connector 1873"/>
+            <p:cNvPr id="3655" name="Straight Arrow Connector 3654"/>
             <p:cNvCxnSpPr/>
             <p:nvPr/>
           </p:nvCxnSpPr>
@@ -20306,7 +20306,7 @@
         </p:cxnSp>
         <p:cxnSp>
           <p:nvCxnSpPr>
-            <p:cNvPr id="1875" name="Straight Arrow Connector 1874"/>
+            <p:cNvPr id="3656" name="Straight Arrow Connector 3655"/>
             <p:cNvCxnSpPr/>
             <p:nvPr/>
           </p:nvCxnSpPr>
@@ -20343,7 +20343,7 @@
         </p:cxnSp>
         <p:cxnSp>
           <p:nvCxnSpPr>
-            <p:cNvPr id="1876" name="Straight Arrow Connector 1875"/>
+            <p:cNvPr id="3657" name="Straight Arrow Connector 3656"/>
             <p:cNvCxnSpPr/>
             <p:nvPr/>
           </p:nvCxnSpPr>
@@ -20381,13 +20381,13 @@
       </p:grpSp>
       <p:grpSp>
         <p:nvGrpSpPr>
-          <p:cNvPr id="1877" name="Group 1876"/>
+          <p:cNvPr id="3658" name="Group 3657"/>
           <p:cNvGrpSpPr/>
           <p:nvPr/>
         </p:nvGrpSpPr>
         <p:grpSpPr>
           <a:xfrm rot="5400000">
-            <a:off x="19492217" y="8552666"/>
+            <a:off x="8701996" y="20235069"/>
             <a:ext cx="458297" cy="334817"/>
             <a:chOff x="6330339" y="5786642"/>
             <a:chExt cx="631500" cy="334817"/>
@@ -20395,7 +20395,7 @@
         </p:grpSpPr>
         <p:cxnSp>
           <p:nvCxnSpPr>
-            <p:cNvPr id="1878" name="Straight Arrow Connector 1877"/>
+            <p:cNvPr id="3659" name="Straight Arrow Connector 3658"/>
             <p:cNvCxnSpPr/>
             <p:nvPr/>
           </p:nvCxnSpPr>
@@ -20432,7 +20432,7 @@
         </p:cxnSp>
         <p:cxnSp>
           <p:nvCxnSpPr>
-            <p:cNvPr id="1879" name="Straight Arrow Connector 1878"/>
+            <p:cNvPr id="3660" name="Straight Arrow Connector 3659"/>
             <p:cNvCxnSpPr/>
             <p:nvPr/>
           </p:nvCxnSpPr>
@@ -20469,7 +20469,7 @@
         </p:cxnSp>
         <p:cxnSp>
           <p:nvCxnSpPr>
-            <p:cNvPr id="1880" name="Straight Arrow Connector 1879"/>
+            <p:cNvPr id="3661" name="Straight Arrow Connector 3660"/>
             <p:cNvCxnSpPr/>
             <p:nvPr/>
           </p:nvCxnSpPr>
@@ -20507,13 +20507,13 @@
       </p:grpSp>
       <p:grpSp>
         <p:nvGrpSpPr>
-          <p:cNvPr id="1881" name="Group 1880"/>
+          <p:cNvPr id="3662" name="Group 3661"/>
           <p:cNvGrpSpPr/>
           <p:nvPr/>
         </p:nvGrpSpPr>
         <p:grpSpPr>
           <a:xfrm rot="5400000">
-            <a:off x="19503763" y="8071084"/>
+            <a:off x="8713542" y="19753487"/>
             <a:ext cx="458297" cy="334817"/>
             <a:chOff x="6330339" y="5786642"/>
             <a:chExt cx="631500" cy="334817"/>
@@ -20521,7 +20521,7 @@
         </p:grpSpPr>
         <p:cxnSp>
           <p:nvCxnSpPr>
-            <p:cNvPr id="1882" name="Straight Arrow Connector 1881"/>
+            <p:cNvPr id="3663" name="Straight Arrow Connector 3662"/>
             <p:cNvCxnSpPr/>
             <p:nvPr/>
           </p:nvCxnSpPr>
@@ -20558,7 +20558,7 @@
         </p:cxnSp>
         <p:cxnSp>
           <p:nvCxnSpPr>
-            <p:cNvPr id="1883" name="Straight Arrow Connector 1882"/>
+            <p:cNvPr id="3664" name="Straight Arrow Connector 3663"/>
             <p:cNvCxnSpPr/>
             <p:nvPr/>
           </p:nvCxnSpPr>
@@ -20595,7 +20595,7 @@
         </p:cxnSp>
         <p:cxnSp>
           <p:nvCxnSpPr>
-            <p:cNvPr id="1884" name="Straight Arrow Connector 1883"/>
+            <p:cNvPr id="3665" name="Straight Arrow Connector 3664"/>
             <p:cNvCxnSpPr/>
             <p:nvPr/>
           </p:nvCxnSpPr>
@@ -20633,13 +20633,13 @@
       </p:grpSp>
       <p:grpSp>
         <p:nvGrpSpPr>
-          <p:cNvPr id="1885" name="Group 1884"/>
+          <p:cNvPr id="3666" name="Group 3665"/>
           <p:cNvGrpSpPr/>
           <p:nvPr/>
         </p:nvGrpSpPr>
         <p:grpSpPr>
           <a:xfrm rot="5400000">
-            <a:off x="19624466" y="7706511"/>
+            <a:off x="8834245" y="19388914"/>
             <a:ext cx="231831" cy="326667"/>
             <a:chOff x="6330339" y="5786642"/>
             <a:chExt cx="631500" cy="334817"/>
@@ -20647,7 +20647,7 @@
         </p:grpSpPr>
         <p:cxnSp>
           <p:nvCxnSpPr>
-            <p:cNvPr id="1886" name="Straight Arrow Connector 1885"/>
+            <p:cNvPr id="3667" name="Straight Arrow Connector 3666"/>
             <p:cNvCxnSpPr/>
             <p:nvPr/>
           </p:nvCxnSpPr>
@@ -20684,7 +20684,7 @@
         </p:cxnSp>
         <p:cxnSp>
           <p:nvCxnSpPr>
-            <p:cNvPr id="1887" name="Straight Arrow Connector 1886"/>
+            <p:cNvPr id="3668" name="Straight Arrow Connector 3667"/>
             <p:cNvCxnSpPr/>
             <p:nvPr/>
           </p:nvCxnSpPr>
@@ -20721,7 +20721,7 @@
         </p:cxnSp>
         <p:cxnSp>
           <p:nvCxnSpPr>
-            <p:cNvPr id="1888" name="Straight Arrow Connector 1887"/>
+            <p:cNvPr id="3669" name="Straight Arrow Connector 3668"/>
             <p:cNvCxnSpPr/>
             <p:nvPr/>
           </p:nvCxnSpPr>
@@ -20759,13 +20759,13 @@
       </p:grpSp>
       <p:grpSp>
         <p:nvGrpSpPr>
-          <p:cNvPr id="1889" name="Group 1888"/>
+          <p:cNvPr id="3670" name="Group 3669"/>
           <p:cNvGrpSpPr/>
           <p:nvPr/>
         </p:nvGrpSpPr>
         <p:grpSpPr>
           <a:xfrm>
-            <a:off x="19558070" y="17396150"/>
+            <a:off x="8767849" y="29078553"/>
             <a:ext cx="361516" cy="1897145"/>
             <a:chOff x="11308644" y="3365911"/>
             <a:chExt cx="361516" cy="1897145"/>
@@ -20773,7 +20773,7 @@
         </p:grpSpPr>
         <p:grpSp>
           <p:nvGrpSpPr>
-            <p:cNvPr id="1890" name="Group 1889"/>
+            <p:cNvPr id="3671" name="Group 3670"/>
             <p:cNvGrpSpPr/>
             <p:nvPr/>
           </p:nvGrpSpPr>
@@ -20787,7 +20787,7 @@
           </p:grpSpPr>
           <p:cxnSp>
             <p:nvCxnSpPr>
-              <p:cNvPr id="1903" name="Straight Arrow Connector 1902"/>
+              <p:cNvPr id="3684" name="Straight Arrow Connector 3683"/>
               <p:cNvCxnSpPr/>
               <p:nvPr/>
             </p:nvCxnSpPr>
@@ -20824,7 +20824,7 @@
           </p:cxnSp>
           <p:cxnSp>
             <p:nvCxnSpPr>
-              <p:cNvPr id="1904" name="Straight Arrow Connector 1903"/>
+              <p:cNvPr id="3685" name="Straight Arrow Connector 3684"/>
               <p:cNvCxnSpPr/>
               <p:nvPr/>
             </p:nvCxnSpPr>
@@ -20861,7 +20861,7 @@
           </p:cxnSp>
           <p:cxnSp>
             <p:nvCxnSpPr>
-              <p:cNvPr id="1905" name="Straight Arrow Connector 1904"/>
+              <p:cNvPr id="3686" name="Straight Arrow Connector 3685"/>
               <p:cNvCxnSpPr/>
               <p:nvPr/>
             </p:nvCxnSpPr>
@@ -20899,7 +20899,7 @@
         </p:grpSp>
         <p:grpSp>
           <p:nvGrpSpPr>
-            <p:cNvPr id="1891" name="Group 1890"/>
+            <p:cNvPr id="3672" name="Group 3671"/>
             <p:cNvGrpSpPr/>
             <p:nvPr/>
           </p:nvGrpSpPr>
@@ -20913,7 +20913,7 @@
           </p:grpSpPr>
           <p:cxnSp>
             <p:nvCxnSpPr>
-              <p:cNvPr id="1900" name="Straight Arrow Connector 1899"/>
+              <p:cNvPr id="3681" name="Straight Arrow Connector 3680"/>
               <p:cNvCxnSpPr/>
               <p:nvPr/>
             </p:nvCxnSpPr>
@@ -20950,7 +20950,7 @@
           </p:cxnSp>
           <p:cxnSp>
             <p:nvCxnSpPr>
-              <p:cNvPr id="1901" name="Straight Arrow Connector 1900"/>
+              <p:cNvPr id="3682" name="Straight Arrow Connector 3681"/>
               <p:cNvCxnSpPr/>
               <p:nvPr/>
             </p:nvCxnSpPr>
@@ -20987,7 +20987,7 @@
           </p:cxnSp>
           <p:cxnSp>
             <p:nvCxnSpPr>
-              <p:cNvPr id="1902" name="Straight Arrow Connector 1901"/>
+              <p:cNvPr id="3683" name="Straight Arrow Connector 3682"/>
               <p:cNvCxnSpPr/>
               <p:nvPr/>
             </p:nvCxnSpPr>
@@ -21025,7 +21025,7 @@
         </p:grpSp>
         <p:grpSp>
           <p:nvGrpSpPr>
-            <p:cNvPr id="1892" name="Group 1891"/>
+            <p:cNvPr id="3673" name="Group 3672"/>
             <p:cNvGrpSpPr/>
             <p:nvPr/>
           </p:nvGrpSpPr>
@@ -21039,7 +21039,7 @@
           </p:grpSpPr>
           <p:cxnSp>
             <p:nvCxnSpPr>
-              <p:cNvPr id="1897" name="Straight Arrow Connector 1896"/>
+              <p:cNvPr id="3678" name="Straight Arrow Connector 3677"/>
               <p:cNvCxnSpPr/>
               <p:nvPr/>
             </p:nvCxnSpPr>
@@ -21076,7 +21076,7 @@
           </p:cxnSp>
           <p:cxnSp>
             <p:nvCxnSpPr>
-              <p:cNvPr id="1898" name="Straight Arrow Connector 1897"/>
+              <p:cNvPr id="3679" name="Straight Arrow Connector 3678"/>
               <p:cNvCxnSpPr/>
               <p:nvPr/>
             </p:nvCxnSpPr>
@@ -21113,7 +21113,7 @@
           </p:cxnSp>
           <p:cxnSp>
             <p:nvCxnSpPr>
-              <p:cNvPr id="1899" name="Straight Arrow Connector 1898"/>
+              <p:cNvPr id="3680" name="Straight Arrow Connector 3679"/>
               <p:cNvCxnSpPr/>
               <p:nvPr/>
             </p:nvCxnSpPr>
@@ -21151,7 +21151,7 @@
         </p:grpSp>
         <p:grpSp>
           <p:nvGrpSpPr>
-            <p:cNvPr id="1893" name="Group 1892"/>
+            <p:cNvPr id="3674" name="Group 3673"/>
             <p:cNvGrpSpPr/>
             <p:nvPr/>
           </p:nvGrpSpPr>
@@ -21165,7 +21165,7 @@
           </p:grpSpPr>
           <p:cxnSp>
             <p:nvCxnSpPr>
-              <p:cNvPr id="1894" name="Straight Arrow Connector 1893"/>
+              <p:cNvPr id="3675" name="Straight Arrow Connector 3674"/>
               <p:cNvCxnSpPr/>
               <p:nvPr/>
             </p:nvCxnSpPr>
@@ -21202,7 +21202,7 @@
           </p:cxnSp>
           <p:cxnSp>
             <p:nvCxnSpPr>
-              <p:cNvPr id="1895" name="Straight Arrow Connector 1894"/>
+              <p:cNvPr id="3676" name="Straight Arrow Connector 3675"/>
               <p:cNvCxnSpPr/>
               <p:nvPr/>
             </p:nvCxnSpPr>
@@ -21239,7 +21239,7 @@
           </p:cxnSp>
           <p:cxnSp>
             <p:nvCxnSpPr>
-              <p:cNvPr id="1896" name="Straight Arrow Connector 1895"/>
+              <p:cNvPr id="3677" name="Straight Arrow Connector 3676"/>
               <p:cNvCxnSpPr/>
               <p:nvPr/>
             </p:nvCxnSpPr>
@@ -21278,13 +21278,13 @@
       </p:grpSp>
       <p:grpSp>
         <p:nvGrpSpPr>
-          <p:cNvPr id="1906" name="Group 1905"/>
+          <p:cNvPr id="3687" name="Group 3686"/>
           <p:cNvGrpSpPr/>
           <p:nvPr/>
         </p:nvGrpSpPr>
         <p:grpSpPr>
           <a:xfrm rot="5400000">
-            <a:off x="19539714" y="16999593"/>
+            <a:off x="8749493" y="28681996"/>
             <a:ext cx="458297" cy="334817"/>
             <a:chOff x="6330339" y="5786642"/>
             <a:chExt cx="631500" cy="334817"/>
@@ -21292,7 +21292,7 @@
         </p:grpSpPr>
         <p:cxnSp>
           <p:nvCxnSpPr>
-            <p:cNvPr id="1907" name="Straight Arrow Connector 1906"/>
+            <p:cNvPr id="3688" name="Straight Arrow Connector 3687"/>
             <p:cNvCxnSpPr/>
             <p:nvPr/>
           </p:nvCxnSpPr>
@@ -21329,7 +21329,7 @@
         </p:cxnSp>
         <p:cxnSp>
           <p:nvCxnSpPr>
-            <p:cNvPr id="1908" name="Straight Arrow Connector 1907"/>
+            <p:cNvPr id="3689" name="Straight Arrow Connector 3688"/>
             <p:cNvCxnSpPr/>
             <p:nvPr/>
           </p:nvCxnSpPr>
@@ -21366,7 +21366,7 @@
         </p:cxnSp>
         <p:cxnSp>
           <p:nvCxnSpPr>
-            <p:cNvPr id="1909" name="Straight Arrow Connector 1908"/>
+            <p:cNvPr id="3690" name="Straight Arrow Connector 3689"/>
             <p:cNvCxnSpPr/>
             <p:nvPr/>
           </p:nvCxnSpPr>
@@ -21404,13 +21404,13 @@
       </p:grpSp>
       <p:grpSp>
         <p:nvGrpSpPr>
-          <p:cNvPr id="1910" name="Group 1909"/>
+          <p:cNvPr id="3691" name="Group 3690"/>
           <p:cNvGrpSpPr/>
           <p:nvPr/>
         </p:nvGrpSpPr>
         <p:grpSpPr>
           <a:xfrm rot="5400000">
-            <a:off x="19665816" y="16638555"/>
+            <a:off x="8875595" y="28320958"/>
             <a:ext cx="229603" cy="334817"/>
             <a:chOff x="6330339" y="5786642"/>
             <a:chExt cx="631500" cy="334817"/>
@@ -21418,7 +21418,7 @@
         </p:grpSpPr>
         <p:cxnSp>
           <p:nvCxnSpPr>
-            <p:cNvPr id="1911" name="Straight Arrow Connector 1910"/>
+            <p:cNvPr id="3692" name="Straight Arrow Connector 3691"/>
             <p:cNvCxnSpPr/>
             <p:nvPr/>
           </p:nvCxnSpPr>
@@ -21455,7 +21455,7 @@
         </p:cxnSp>
         <p:cxnSp>
           <p:nvCxnSpPr>
-            <p:cNvPr id="1912" name="Straight Arrow Connector 1911"/>
+            <p:cNvPr id="3693" name="Straight Arrow Connector 3692"/>
             <p:cNvCxnSpPr/>
             <p:nvPr/>
           </p:nvCxnSpPr>
@@ -21492,7 +21492,7 @@
         </p:cxnSp>
         <p:cxnSp>
           <p:nvCxnSpPr>
-            <p:cNvPr id="1913" name="Straight Arrow Connector 1912"/>
+            <p:cNvPr id="3694" name="Straight Arrow Connector 3693"/>
             <p:cNvCxnSpPr/>
             <p:nvPr/>
           </p:nvCxnSpPr>
@@ -21530,13 +21530,13 @@
       </p:grpSp>
       <p:cxnSp>
         <p:nvCxnSpPr>
-          <p:cNvPr id="1914" name="Straight Arrow Connector 1913"/>
+          <p:cNvPr id="3695" name="Straight Arrow Connector 3694"/>
           <p:cNvCxnSpPr/>
           <p:nvPr/>
         </p:nvCxnSpPr>
         <p:spPr>
           <a:xfrm flipH="1">
-            <a:off x="23920169" y="15674877"/>
+            <a:off x="13129948" y="27357280"/>
             <a:ext cx="1084213" cy="0"/>
           </a:xfrm>
           <a:prstGeom prst="straightConnector1">
@@ -21565,175 +21565,160 @@
           </a:fontRef>
         </p:style>
       </p:cxnSp>
-      <p:grpSp>
-        <p:nvGrpSpPr>
-          <p:cNvPr id="1915" name="Group 1914"/>
-          <p:cNvGrpSpPr/>
+      <p:sp>
+        <p:nvSpPr>
+          <p:cNvPr id="3696" name="Rectangle 3695"/>
+          <p:cNvSpPr/>
           <p:nvPr/>
-        </p:nvGrpSpPr>
-        <p:grpSpPr>
+        </p:nvSpPr>
+        <p:spPr>
           <a:xfrm>
-            <a:off x="1422401" y="1358621"/>
-            <a:ext cx="7233726" cy="11650731"/>
-            <a:chOff x="1025470" y="323272"/>
-            <a:chExt cx="3698875" cy="5957455"/>
+            <a:off x="7891465" y="6135222"/>
+            <a:ext cx="4425590" cy="2681848"/>
           </a:xfrm>
-        </p:grpSpPr>
-        <p:sp>
-          <p:nvSpPr>
-            <p:cNvPr id="1916" name="Rectangle 1915"/>
-            <p:cNvSpPr/>
-            <p:nvPr/>
-          </p:nvSpPr>
-          <p:spPr>
-            <a:xfrm>
-              <a:off x="2270064" y="4179455"/>
-              <a:ext cx="2262970" cy="1524000"/>
-            </a:xfrm>
-            <a:prstGeom prst="rect">
-              <a:avLst/>
-            </a:prstGeom>
+          <a:prstGeom prst="rect">
+            <a:avLst/>
+          </a:prstGeom>
+          <a:solidFill>
+            <a:srgbClr val="FFFF00"/>
+          </a:solidFill>
+          <a:ln>
             <a:solidFill>
-              <a:srgbClr val="FFFF00"/>
+              <a:schemeClr val="tx1"/>
             </a:solidFill>
-            <a:ln>
+          </a:ln>
+          <a:effectLst/>
+        </p:spPr>
+        <p:style>
+          <a:lnRef idx="1">
+            <a:schemeClr val="accent1"/>
+          </a:lnRef>
+          <a:fillRef idx="3">
+            <a:schemeClr val="accent1"/>
+          </a:fillRef>
+          <a:effectRef idx="2">
+            <a:schemeClr val="accent1"/>
+          </a:effectRef>
+          <a:fontRef idx="minor">
+            <a:schemeClr val="lt1"/>
+          </a:fontRef>
+        </p:style>
+        <p:txBody>
+          <a:bodyPr rtlCol="0" anchor="ctr"/>
+          <a:lstStyle/>
+          <a:p>
+            <a:pPr algn="ctr"/>
+            <a:endParaRPr lang="en-US" sz="8000"/>
+          </a:p>
+        </p:txBody>
+      </p:sp>
+      <p:sp>
+        <p:nvSpPr>
+          <p:cNvPr id="3697" name="Rectangle 3696"/>
+          <p:cNvSpPr/>
+          <p:nvPr/>
+        </p:nvSpPr>
+        <p:spPr>
+          <a:xfrm>
+            <a:off x="7891463" y="1140947"/>
+            <a:ext cx="4425592" cy="4994275"/>
+          </a:xfrm>
+          <a:prstGeom prst="rect">
+            <a:avLst/>
+          </a:prstGeom>
+          <a:solidFill>
+            <a:schemeClr val="accent6"/>
+          </a:solidFill>
+          <a:ln>
+            <a:solidFill>
+              <a:schemeClr val="tx1"/>
+            </a:solidFill>
+          </a:ln>
+          <a:effectLst/>
+        </p:spPr>
+        <p:style>
+          <a:lnRef idx="1">
+            <a:schemeClr val="accent1"/>
+          </a:lnRef>
+          <a:fillRef idx="3">
+            <a:schemeClr val="accent1"/>
+          </a:fillRef>
+          <a:effectRef idx="2">
+            <a:schemeClr val="accent1"/>
+          </a:effectRef>
+          <a:fontRef idx="minor">
+            <a:schemeClr val="lt1"/>
+          </a:fontRef>
+        </p:style>
+        <p:txBody>
+          <a:bodyPr rtlCol="0" anchor="ctr"/>
+          <a:lstStyle/>
+          <a:p>
+            <a:pPr algn="ctr"/>
+            <a:endParaRPr lang="en-US" sz="8000"/>
+          </a:p>
+        </p:txBody>
+      </p:sp>
+      <p:sp>
+        <p:nvSpPr>
+          <p:cNvPr id="3698" name="Frame 3697"/>
+          <p:cNvSpPr/>
+          <p:nvPr/>
+        </p:nvSpPr>
+        <p:spPr>
+          <a:xfrm>
+            <a:off x="5457468" y="-15097"/>
+            <a:ext cx="7233726" cy="10020945"/>
+          </a:xfrm>
+          <a:prstGeom prst="frame">
+            <a:avLst>
+              <a:gd name="adj1" fmla="val 6151"/>
+            </a:avLst>
+          </a:prstGeom>
+          <a:solidFill>
+            <a:schemeClr val="accent2"/>
+          </a:solidFill>
+          <a:ln>
+            <a:noFill/>
+          </a:ln>
+          <a:effectLst/>
+        </p:spPr>
+        <p:style>
+          <a:lnRef idx="1">
+            <a:schemeClr val="accent1"/>
+          </a:lnRef>
+          <a:fillRef idx="3">
+            <a:schemeClr val="accent1"/>
+          </a:fillRef>
+          <a:effectRef idx="2">
+            <a:schemeClr val="accent1"/>
+          </a:effectRef>
+          <a:fontRef idx="minor">
+            <a:schemeClr val="lt1"/>
+          </a:fontRef>
+        </p:style>
+        <p:txBody>
+          <a:bodyPr rtlCol="0" anchor="ctr"/>
+          <a:lstStyle/>
+          <a:p>
+            <a:pPr algn="ctr"/>
+            <a:endParaRPr lang="en-US" sz="8000">
               <a:solidFill>
                 <a:schemeClr val="tx1"/>
               </a:solidFill>
-            </a:ln>
-            <a:effectLst/>
-          </p:spPr>
-          <p:style>
-            <a:lnRef idx="1">
-              <a:schemeClr val="accent1"/>
-            </a:lnRef>
-            <a:fillRef idx="3">
-              <a:schemeClr val="accent1"/>
-            </a:fillRef>
-            <a:effectRef idx="2">
-              <a:schemeClr val="accent1"/>
-            </a:effectRef>
-            <a:fontRef idx="minor">
-              <a:schemeClr val="lt1"/>
-            </a:fontRef>
-          </p:style>
-          <p:txBody>
-            <a:bodyPr rtlCol="0" anchor="ctr"/>
-            <a:lstStyle/>
-            <a:p>
-              <a:pPr algn="ctr"/>
-              <a:endParaRPr lang="en-US" sz="8000"/>
-            </a:p>
-          </p:txBody>
-        </p:sp>
-        <p:sp>
-          <p:nvSpPr>
-            <p:cNvPr id="1917" name="Rectangle 1916"/>
-            <p:cNvSpPr/>
-            <p:nvPr/>
-          </p:nvSpPr>
-          <p:spPr>
-            <a:xfrm>
-              <a:off x="2270063" y="914401"/>
-              <a:ext cx="2262971" cy="3265054"/>
-            </a:xfrm>
-            <a:prstGeom prst="rect">
-              <a:avLst/>
-            </a:prstGeom>
-            <a:solidFill>
-              <a:schemeClr val="accent6"/>
-            </a:solidFill>
-            <a:ln>
-              <a:solidFill>
-                <a:schemeClr val="tx1"/>
-              </a:solidFill>
-            </a:ln>
-            <a:effectLst/>
-          </p:spPr>
-          <p:style>
-            <a:lnRef idx="1">
-              <a:schemeClr val="accent1"/>
-            </a:lnRef>
-            <a:fillRef idx="3">
-              <a:schemeClr val="accent1"/>
-            </a:fillRef>
-            <a:effectRef idx="2">
-              <a:schemeClr val="accent1"/>
-            </a:effectRef>
-            <a:fontRef idx="minor">
-              <a:schemeClr val="lt1"/>
-            </a:fontRef>
-          </p:style>
-          <p:txBody>
-            <a:bodyPr rtlCol="0" anchor="ctr"/>
-            <a:lstStyle/>
-            <a:p>
-              <a:pPr algn="ctr"/>
-              <a:endParaRPr lang="en-US" sz="8000"/>
-            </a:p>
-          </p:txBody>
-        </p:sp>
-        <p:sp>
-          <p:nvSpPr>
-            <p:cNvPr id="1918" name="Frame 1917"/>
-            <p:cNvSpPr/>
-            <p:nvPr/>
-          </p:nvSpPr>
-          <p:spPr>
-            <a:xfrm>
-              <a:off x="1025470" y="323272"/>
-              <a:ext cx="3698875" cy="5957455"/>
-            </a:xfrm>
-            <a:prstGeom prst="frame">
-              <a:avLst>
-                <a:gd name="adj1" fmla="val 6151"/>
-              </a:avLst>
-            </a:prstGeom>
-            <a:solidFill>
-              <a:schemeClr val="accent2"/>
-            </a:solidFill>
-            <a:ln>
-              <a:noFill/>
-            </a:ln>
-            <a:effectLst/>
-          </p:spPr>
-          <p:style>
-            <a:lnRef idx="1">
-              <a:schemeClr val="accent1"/>
-            </a:lnRef>
-            <a:fillRef idx="3">
-              <a:schemeClr val="accent1"/>
-            </a:fillRef>
-            <a:effectRef idx="2">
-              <a:schemeClr val="accent1"/>
-            </a:effectRef>
-            <a:fontRef idx="minor">
-              <a:schemeClr val="lt1"/>
-            </a:fontRef>
-          </p:style>
-          <p:txBody>
-            <a:bodyPr rtlCol="0" anchor="ctr"/>
-            <a:lstStyle/>
-            <a:p>
-              <a:pPr algn="ctr"/>
-              <a:endParaRPr lang="en-US" sz="8000">
-                <a:solidFill>
-                  <a:schemeClr val="tx1"/>
-                </a:solidFill>
-              </a:endParaRPr>
-            </a:p>
-          </p:txBody>
-        </p:sp>
-      </p:grpSp>
+            </a:endParaRPr>
+          </a:p>
+        </p:txBody>
+      </p:sp>
       <p:sp>
         <p:nvSpPr>
-          <p:cNvPr id="1919" name="TextBox 1918"/>
+          <p:cNvPr id="3699" name="TextBox 3698"/>
           <p:cNvSpPr txBox="1"/>
           <p:nvPr/>
         </p:nvSpPr>
         <p:spPr>
           <a:xfrm>
-            <a:off x="4933753" y="4153890"/>
+            <a:off x="8968820" y="2780171"/>
             <a:ext cx="2521944" cy="2616101"/>
           </a:xfrm>
           <a:prstGeom prst="rect">
@@ -21774,13 +21759,13 @@
       </p:sp>
       <p:sp>
         <p:nvSpPr>
-          <p:cNvPr id="1920" name="TextBox 1919"/>
+          <p:cNvPr id="3700" name="TextBox 3699"/>
           <p:cNvSpPr txBox="1"/>
           <p:nvPr/>
         </p:nvSpPr>
         <p:spPr>
           <a:xfrm>
-            <a:off x="4495771" y="9062569"/>
+            <a:off x="8504581" y="6200969"/>
             <a:ext cx="3397910" cy="2616101"/>
           </a:xfrm>
           <a:prstGeom prst="rect">
@@ -21821,13 +21806,13 @@
       </p:sp>
       <p:sp>
         <p:nvSpPr>
-          <p:cNvPr id="1921" name="TextBox 1920"/>
+          <p:cNvPr id="3701" name="TextBox 3700"/>
           <p:cNvSpPr txBox="1"/>
           <p:nvPr/>
         </p:nvSpPr>
         <p:spPr>
           <a:xfrm>
-            <a:off x="3956965" y="11380070"/>
+            <a:off x="8075523" y="8252876"/>
             <a:ext cx="950623" cy="1354217"/>
           </a:xfrm>
           <a:prstGeom prst="rect">
@@ -21858,13 +21843,13 @@
       </p:sp>
       <p:sp>
         <p:nvSpPr>
-          <p:cNvPr id="1922" name="TextBox 1921"/>
+          <p:cNvPr id="3702" name="TextBox 3701"/>
           <p:cNvSpPr txBox="1"/>
           <p:nvPr/>
         </p:nvSpPr>
         <p:spPr>
           <a:xfrm>
-            <a:off x="4109365" y="1304589"/>
+            <a:off x="8144432" y="-69130"/>
             <a:ext cx="950623" cy="1354217"/>
           </a:xfrm>
           <a:prstGeom prst="rect">
@@ -21895,13 +21880,13 @@
       </p:sp>
       <p:sp>
         <p:nvSpPr>
-          <p:cNvPr id="1923" name="TextBox 1922"/>
+          <p:cNvPr id="3703" name="TextBox 3702"/>
           <p:cNvSpPr txBox="1"/>
           <p:nvPr/>
         </p:nvSpPr>
         <p:spPr>
           <a:xfrm>
-            <a:off x="1725930" y="6595716"/>
+            <a:off x="5760997" y="5221997"/>
             <a:ext cx="2478685" cy="1354217"/>
           </a:xfrm>
           <a:prstGeom prst="rect">
@@ -21946,13 +21931,13 @@
       </p:sp>
       <p:cxnSp>
         <p:nvCxnSpPr>
-          <p:cNvPr id="1924" name="Straight Arrow Connector 1923"/>
+          <p:cNvPr id="3704" name="Straight Arrow Connector 3703"/>
           <p:cNvCxnSpPr/>
           <p:nvPr/>
         </p:nvCxnSpPr>
         <p:spPr>
           <a:xfrm>
-            <a:off x="1841500" y="6661526"/>
+            <a:off x="5876567" y="5287807"/>
             <a:ext cx="2014896" cy="0"/>
           </a:xfrm>
           <a:prstGeom prst="straightConnector1">
@@ -21984,13 +21969,13 @@
       </p:cxnSp>
       <p:cxnSp>
         <p:nvCxnSpPr>
-          <p:cNvPr id="1925" name="Straight Arrow Connector 1924"/>
+          <p:cNvPr id="3705" name="Straight Arrow Connector 3704"/>
           <p:cNvCxnSpPr/>
           <p:nvPr/>
         </p:nvCxnSpPr>
         <p:spPr>
           <a:xfrm>
-            <a:off x="5059988" y="11880406"/>
+            <a:off x="9095055" y="8817070"/>
             <a:ext cx="0" cy="759558"/>
           </a:xfrm>
           <a:prstGeom prst="straightConnector1">
@@ -22022,13 +22007,13 @@
       </p:cxnSp>
       <p:cxnSp>
         <p:nvCxnSpPr>
-          <p:cNvPr id="1926" name="Straight Arrow Connector 1925"/>
+          <p:cNvPr id="3706" name="Straight Arrow Connector 3705"/>
           <p:cNvCxnSpPr/>
           <p:nvPr/>
         </p:nvCxnSpPr>
         <p:spPr>
           <a:xfrm>
-            <a:off x="5050752" y="1755108"/>
+            <a:off x="9085819" y="381389"/>
             <a:ext cx="0" cy="759558"/>
           </a:xfrm>
           <a:prstGeom prst="straightConnector1">
@@ -22060,13 +22045,13 @@
       </p:cxnSp>
       <p:sp>
         <p:nvSpPr>
-          <p:cNvPr id="1927" name="TextBox 1926"/>
+          <p:cNvPr id="3707" name="TextBox 3706"/>
           <p:cNvSpPr txBox="1"/>
           <p:nvPr/>
         </p:nvSpPr>
         <p:spPr>
           <a:xfrm>
-            <a:off x="1419075" y="13654677"/>
+            <a:off x="14863322" y="1683174"/>
             <a:ext cx="2762295" cy="1354217"/>
           </a:xfrm>
           <a:prstGeom prst="rect">
@@ -22097,13 +22082,13 @@
       </p:sp>
       <p:sp>
         <p:nvSpPr>
-          <p:cNvPr id="1928" name="TextBox 1927"/>
+          <p:cNvPr id="3708" name="TextBox 3707"/>
           <p:cNvSpPr txBox="1"/>
           <p:nvPr/>
         </p:nvSpPr>
         <p:spPr>
           <a:xfrm>
-            <a:off x="1419075" y="15404279"/>
+            <a:off x="14863322" y="3432776"/>
             <a:ext cx="2228758" cy="1354217"/>
           </a:xfrm>
           <a:prstGeom prst="rect">
@@ -22134,13 +22119,13 @@
       </p:sp>
       <p:sp>
         <p:nvSpPr>
-          <p:cNvPr id="1929" name="Octagon 1928"/>
+          <p:cNvPr id="3709" name="Octagon 3708"/>
           <p:cNvSpPr/>
           <p:nvPr/>
         </p:nvSpPr>
         <p:spPr>
           <a:xfrm>
-            <a:off x="6451557" y="13840654"/>
+            <a:off x="20403804" y="1869151"/>
             <a:ext cx="1214624" cy="1214624"/>
           </a:xfrm>
           <a:prstGeom prst="octagon">
@@ -22191,13 +22176,13 @@
       </p:sp>
       <p:sp>
         <p:nvSpPr>
-          <p:cNvPr id="1930" name="Octagon 1929"/>
+          <p:cNvPr id="3710" name="Octagon 3709"/>
           <p:cNvSpPr/>
           <p:nvPr/>
         </p:nvSpPr>
         <p:spPr>
           <a:xfrm>
-            <a:off x="6451557" y="15787435"/>
+            <a:off x="20403804" y="3815932"/>
             <a:ext cx="1214624" cy="1214624"/>
           </a:xfrm>
           <a:prstGeom prst="octagon">
@@ -22251,13 +22236,13 @@
       </p:sp>
       <p:sp>
         <p:nvSpPr>
-          <p:cNvPr id="1931" name="TextBox 1930"/>
+          <p:cNvPr id="3711" name="TextBox 3710"/>
           <p:cNvSpPr txBox="1"/>
           <p:nvPr/>
         </p:nvSpPr>
         <p:spPr>
           <a:xfrm>
-            <a:off x="1419075" y="17153881"/>
+            <a:off x="14863322" y="5182378"/>
             <a:ext cx="2637987" cy="1354217"/>
           </a:xfrm>
           <a:prstGeom prst="rect">
@@ -22288,13 +22273,13 @@
       </p:sp>
       <p:sp>
         <p:nvSpPr>
-          <p:cNvPr id="1932" name="TextBox 1931"/>
+          <p:cNvPr id="3712" name="TextBox 3711"/>
           <p:cNvSpPr txBox="1"/>
           <p:nvPr/>
         </p:nvSpPr>
         <p:spPr>
           <a:xfrm>
-            <a:off x="1419075" y="18903482"/>
+            <a:off x="14863322" y="6931979"/>
             <a:ext cx="4682079" cy="1354217"/>
           </a:xfrm>
           <a:prstGeom prst="rect">
@@ -22325,13 +22310,13 @@
       </p:sp>
       <p:grpSp>
         <p:nvGrpSpPr>
-          <p:cNvPr id="1933" name="Group 1932"/>
+          <p:cNvPr id="3713" name="Group 3712"/>
           <p:cNvGrpSpPr/>
           <p:nvPr/>
         </p:nvGrpSpPr>
         <p:grpSpPr>
           <a:xfrm rot="5400000">
-            <a:off x="6513960" y="18972183"/>
+            <a:off x="20466207" y="7000680"/>
             <a:ext cx="1471152" cy="1448877"/>
             <a:chOff x="6330339" y="5786642"/>
             <a:chExt cx="631500" cy="334817"/>
@@ -22339,7 +22324,7 @@
         </p:grpSpPr>
         <p:cxnSp>
           <p:nvCxnSpPr>
-            <p:cNvPr id="1934" name="Straight Arrow Connector 1933"/>
+            <p:cNvPr id="3714" name="Straight Arrow Connector 3713"/>
             <p:cNvCxnSpPr/>
             <p:nvPr/>
           </p:nvCxnSpPr>
@@ -22376,7 +22361,7 @@
         </p:cxnSp>
         <p:cxnSp>
           <p:nvCxnSpPr>
-            <p:cNvPr id="1935" name="Straight Arrow Connector 1934"/>
+            <p:cNvPr id="3715" name="Straight Arrow Connector 3714"/>
             <p:cNvCxnSpPr/>
             <p:nvPr/>
           </p:nvCxnSpPr>
@@ -22413,7 +22398,7 @@
         </p:cxnSp>
         <p:cxnSp>
           <p:nvCxnSpPr>
-            <p:cNvPr id="1936" name="Straight Arrow Connector 1935"/>
+            <p:cNvPr id="3716" name="Straight Arrow Connector 3715"/>
             <p:cNvCxnSpPr/>
             <p:nvPr/>
           </p:nvCxnSpPr>
@@ -22451,13 +22436,13 @@
       </p:grpSp>
       <p:cxnSp>
         <p:nvCxnSpPr>
-          <p:cNvPr id="1937" name="Straight Arrow Connector 1936"/>
+          <p:cNvPr id="3717" name="Straight Arrow Connector 3716"/>
           <p:cNvCxnSpPr/>
           <p:nvPr/>
         </p:nvCxnSpPr>
         <p:spPr>
           <a:xfrm>
-            <a:off x="6451557" y="18106725"/>
+            <a:off x="20403804" y="6135222"/>
             <a:ext cx="1450652" cy="0"/>
           </a:xfrm>
           <a:prstGeom prst="straightConnector1">

--- a/papers/ICRA2016/pictures/pdf/PositionNrobots.pptx
+++ b/papers/ICRA2016/pictures/pdf/PositionNrobots.pptx
@@ -288,7 +288,7 @@
           <a:p>
             <a:fld id="{D9007BAF-787B-5B4F-8632-C84DCD7706EC}" type="datetimeFigureOut">
               <a:rPr lang="en-US" smtClean="0"/>
-              <a:t>9/15/15</a:t>
+              <a:t>9/23/15</a:t>
             </a:fld>
             <a:endParaRPr lang="en-US"/>
           </a:p>
@@ -458,7 +458,7 @@
           <a:p>
             <a:fld id="{D9007BAF-787B-5B4F-8632-C84DCD7706EC}" type="datetimeFigureOut">
               <a:rPr lang="en-US" smtClean="0"/>
-              <a:t>9/15/15</a:t>
+              <a:t>9/23/15</a:t>
             </a:fld>
             <a:endParaRPr lang="en-US"/>
           </a:p>
@@ -638,7 +638,7 @@
           <a:p>
             <a:fld id="{D9007BAF-787B-5B4F-8632-C84DCD7706EC}" type="datetimeFigureOut">
               <a:rPr lang="en-US" smtClean="0"/>
-              <a:t>9/15/15</a:t>
+              <a:t>9/23/15</a:t>
             </a:fld>
             <a:endParaRPr lang="en-US"/>
           </a:p>
@@ -808,7 +808,7 @@
           <a:p>
             <a:fld id="{D9007BAF-787B-5B4F-8632-C84DCD7706EC}" type="datetimeFigureOut">
               <a:rPr lang="en-US" smtClean="0"/>
-              <a:t>9/15/15</a:t>
+              <a:t>9/23/15</a:t>
             </a:fld>
             <a:endParaRPr lang="en-US"/>
           </a:p>
@@ -1054,7 +1054,7 @@
           <a:p>
             <a:fld id="{D9007BAF-787B-5B4F-8632-C84DCD7706EC}" type="datetimeFigureOut">
               <a:rPr lang="en-US" smtClean="0"/>
-              <a:t>9/15/15</a:t>
+              <a:t>9/23/15</a:t>
             </a:fld>
             <a:endParaRPr lang="en-US"/>
           </a:p>
@@ -1342,7 +1342,7 @@
           <a:p>
             <a:fld id="{D9007BAF-787B-5B4F-8632-C84DCD7706EC}" type="datetimeFigureOut">
               <a:rPr lang="en-US" smtClean="0"/>
-              <a:t>9/15/15</a:t>
+              <a:t>9/23/15</a:t>
             </a:fld>
             <a:endParaRPr lang="en-US"/>
           </a:p>
@@ -1764,7 +1764,7 @@
           <a:p>
             <a:fld id="{D9007BAF-787B-5B4F-8632-C84DCD7706EC}" type="datetimeFigureOut">
               <a:rPr lang="en-US" smtClean="0"/>
-              <a:t>9/15/15</a:t>
+              <a:t>9/23/15</a:t>
             </a:fld>
             <a:endParaRPr lang="en-US"/>
           </a:p>
@@ -1882,7 +1882,7 @@
           <a:p>
             <a:fld id="{D9007BAF-787B-5B4F-8632-C84DCD7706EC}" type="datetimeFigureOut">
               <a:rPr lang="en-US" smtClean="0"/>
-              <a:t>9/15/15</a:t>
+              <a:t>9/23/15</a:t>
             </a:fld>
             <a:endParaRPr lang="en-US"/>
           </a:p>
@@ -1977,7 +1977,7 @@
           <a:p>
             <a:fld id="{D9007BAF-787B-5B4F-8632-C84DCD7706EC}" type="datetimeFigureOut">
               <a:rPr lang="en-US" smtClean="0"/>
-              <a:t>9/15/15</a:t>
+              <a:t>9/23/15</a:t>
             </a:fld>
             <a:endParaRPr lang="en-US"/>
           </a:p>
@@ -2254,7 +2254,7 @@
           <a:p>
             <a:fld id="{D9007BAF-787B-5B4F-8632-C84DCD7706EC}" type="datetimeFigureOut">
               <a:rPr lang="en-US" smtClean="0"/>
-              <a:t>9/15/15</a:t>
+              <a:t>9/23/15</a:t>
             </a:fld>
             <a:endParaRPr lang="en-US"/>
           </a:p>
@@ -2507,7 +2507,7 @@
           <a:p>
             <a:fld id="{D9007BAF-787B-5B4F-8632-C84DCD7706EC}" type="datetimeFigureOut">
               <a:rPr lang="en-US" smtClean="0"/>
-              <a:t>9/15/15</a:t>
+              <a:t>9/23/15</a:t>
             </a:fld>
             <a:endParaRPr lang="en-US"/>
           </a:p>
@@ -2720,7 +2720,7 @@
           <a:p>
             <a:fld id="{D9007BAF-787B-5B4F-8632-C84DCD7706EC}" type="datetimeFigureOut">
               <a:rPr lang="en-US" smtClean="0"/>
-              <a:t>9/15/15</a:t>
+              <a:t>9/23/15</a:t>
             </a:fld>
             <a:endParaRPr lang="en-US"/>
           </a:p>
@@ -16760,7 +16760,7 @@
         <p:spPr>
           <a:xfrm>
             <a:off x="152209" y="24710771"/>
-            <a:ext cx="1848783" cy="1354217"/>
+            <a:ext cx="1682198" cy="1154162"/>
           </a:xfrm>
           <a:prstGeom prst="rect">
             <a:avLst/>
@@ -16775,21 +16775,21 @@
           <a:p>
             <a:r>
               <a:rPr lang="en-US" i="1" dirty="0" smtClean="0">
-                <a:latin typeface="Times New Roman"/>
-                <a:cs typeface="Times New Roman"/>
+                <a:latin typeface="Arial"/>
+                <a:cs typeface="Arial"/>
               </a:rPr>
               <a:t>k</a:t>
             </a:r>
             <a:r>
               <a:rPr lang="en-US" dirty="0" smtClean="0">
-                <a:latin typeface="Times New Roman"/>
-                <a:cs typeface="Times New Roman"/>
+                <a:latin typeface="Arial"/>
+                <a:cs typeface="Arial"/>
               </a:rPr>
               <a:t>=5</a:t>
             </a:r>
             <a:endParaRPr lang="en-US" dirty="0">
-              <a:latin typeface="Times New Roman"/>
-              <a:cs typeface="Times New Roman"/>
+              <a:latin typeface="Arial"/>
+              <a:cs typeface="Arial"/>
             </a:endParaRPr>
           </a:p>
         </p:txBody>
@@ -16803,7 +16803,7 @@
         <p:spPr>
           <a:xfrm>
             <a:off x="152209" y="16819042"/>
-            <a:ext cx="1848783" cy="1354217"/>
+            <a:ext cx="1682198" cy="1154162"/>
           </a:xfrm>
           <a:prstGeom prst="rect">
             <a:avLst/>
@@ -16818,21 +16818,21 @@
           <a:p>
             <a:r>
               <a:rPr lang="en-US" i="1" dirty="0" smtClean="0">
-                <a:latin typeface="Times New Roman"/>
-                <a:cs typeface="Times New Roman"/>
+                <a:latin typeface="Arial"/>
+                <a:cs typeface="Arial"/>
               </a:rPr>
               <a:t>k</a:t>
             </a:r>
             <a:r>
               <a:rPr lang="en-US" dirty="0" smtClean="0">
-                <a:latin typeface="Times New Roman"/>
-                <a:cs typeface="Times New Roman"/>
+                <a:latin typeface="Arial"/>
+                <a:cs typeface="Arial"/>
               </a:rPr>
               <a:t>=2</a:t>
             </a:r>
             <a:endParaRPr lang="en-US" dirty="0">
-              <a:latin typeface="Times New Roman"/>
-              <a:cs typeface="Times New Roman"/>
+              <a:latin typeface="Arial"/>
+              <a:cs typeface="Arial"/>
             </a:endParaRPr>
           </a:p>
         </p:txBody>
@@ -16846,7 +16846,7 @@
         <p:spPr>
           <a:xfrm>
             <a:off x="152209" y="9224025"/>
-            <a:ext cx="1848783" cy="1354217"/>
+            <a:ext cx="1682198" cy="1154162"/>
           </a:xfrm>
           <a:prstGeom prst="rect">
             <a:avLst/>
@@ -16861,21 +16861,21 @@
           <a:p>
             <a:r>
               <a:rPr lang="en-US" i="1" dirty="0" smtClean="0">
-                <a:latin typeface="Times New Roman"/>
-                <a:cs typeface="Times New Roman"/>
+                <a:latin typeface="Arial"/>
+                <a:cs typeface="Arial"/>
               </a:rPr>
               <a:t>k</a:t>
             </a:r>
             <a:r>
               <a:rPr lang="en-US" dirty="0" smtClean="0">
-                <a:latin typeface="Times New Roman"/>
-                <a:cs typeface="Times New Roman"/>
+                <a:latin typeface="Arial"/>
+                <a:cs typeface="Arial"/>
               </a:rPr>
               <a:t>=1</a:t>
             </a:r>
             <a:endParaRPr lang="en-US" dirty="0">
-              <a:latin typeface="Times New Roman"/>
-              <a:cs typeface="Times New Roman"/>
+              <a:latin typeface="Arial"/>
+              <a:cs typeface="Arial"/>
             </a:endParaRPr>
           </a:p>
         </p:txBody>
@@ -21718,8 +21718,8 @@
         </p:nvSpPr>
         <p:spPr>
           <a:xfrm>
-            <a:off x="8968820" y="2780171"/>
-            <a:ext cx="2521944" cy="2616101"/>
+            <a:off x="9153660" y="2780171"/>
+            <a:ext cx="2152264" cy="2215991"/>
           </a:xfrm>
           <a:prstGeom prst="rect">
             <a:avLst/>
@@ -21735,8 +21735,8 @@
             <a:pPr algn="ctr"/>
             <a:r>
               <a:rPr lang="en-US" dirty="0" smtClean="0">
-                <a:latin typeface="Times New Roman"/>
-                <a:cs typeface="Times New Roman"/>
+                <a:latin typeface="Arial"/>
+                <a:cs typeface="Arial"/>
               </a:rPr>
               <a:t>Build</a:t>
             </a:r>
@@ -21745,14 +21745,14 @@
             <a:pPr algn="ctr"/>
             <a:r>
               <a:rPr lang="en-US" dirty="0" smtClean="0">
-                <a:latin typeface="Times New Roman"/>
-                <a:cs typeface="Times New Roman"/>
+                <a:latin typeface="Arial"/>
+                <a:cs typeface="Arial"/>
               </a:rPr>
               <a:t>zone</a:t>
             </a:r>
             <a:endParaRPr lang="en-US" dirty="0">
-              <a:latin typeface="Times New Roman"/>
-              <a:cs typeface="Times New Roman"/>
+              <a:latin typeface="Arial"/>
+              <a:cs typeface="Arial"/>
             </a:endParaRPr>
           </a:p>
         </p:txBody>
@@ -21765,8 +21765,8 @@
         </p:nvSpPr>
         <p:spPr>
           <a:xfrm>
-            <a:off x="8504581" y="6200969"/>
-            <a:ext cx="3397910" cy="2616101"/>
+            <a:off x="8610661" y="6200969"/>
+            <a:ext cx="3185750" cy="2215991"/>
           </a:xfrm>
           <a:prstGeom prst="rect">
             <a:avLst/>
@@ -21782,8 +21782,8 @@
             <a:pPr algn="ctr"/>
             <a:r>
               <a:rPr lang="en-US" dirty="0" smtClean="0">
-                <a:latin typeface="Times New Roman"/>
-                <a:cs typeface="Times New Roman"/>
+                <a:latin typeface="Arial"/>
+                <a:cs typeface="Arial"/>
               </a:rPr>
               <a:t>Staging</a:t>
             </a:r>
@@ -21792,14 +21792,14 @@
             <a:pPr algn="ctr"/>
             <a:r>
               <a:rPr lang="en-US" dirty="0" smtClean="0">
-                <a:latin typeface="Times New Roman"/>
-                <a:cs typeface="Times New Roman"/>
+                <a:latin typeface="Arial"/>
+                <a:cs typeface="Arial"/>
               </a:rPr>
               <a:t>zone</a:t>
             </a:r>
             <a:endParaRPr lang="en-US" dirty="0">
-              <a:latin typeface="Times New Roman"/>
-              <a:cs typeface="Times New Roman"/>
+              <a:latin typeface="Arial"/>
+              <a:cs typeface="Arial"/>
             </a:endParaRPr>
           </a:p>
         </p:txBody>
@@ -21886,8 +21886,8 @@
         </p:nvSpPr>
         <p:spPr>
           <a:xfrm>
-            <a:off x="5760997" y="5221997"/>
-            <a:ext cx="2478685" cy="1354217"/>
+            <a:off x="5954368" y="5221997"/>
+            <a:ext cx="2091942" cy="1154162"/>
           </a:xfrm>
           <a:prstGeom prst="rect">
             <a:avLst/>
@@ -21903,28 +21903,28 @@
             <a:pPr algn="ctr"/>
             <a:r>
               <a:rPr lang="en-US" i="1" dirty="0" smtClean="0">
-                <a:latin typeface="Times New Roman"/>
-                <a:cs typeface="Times New Roman"/>
+                <a:latin typeface="Arial"/>
+                <a:cs typeface="Arial"/>
               </a:rPr>
               <a:t>ε</a:t>
             </a:r>
             <a:r>
               <a:rPr lang="en-US" dirty="0" smtClean="0">
-                <a:latin typeface="Times New Roman"/>
-                <a:cs typeface="Times New Roman"/>
+                <a:latin typeface="Arial"/>
+                <a:cs typeface="Arial"/>
               </a:rPr>
               <a:t>+2</a:t>
             </a:r>
             <a:r>
               <a:rPr lang="en-US" i="1" dirty="0" smtClean="0">
-                <a:latin typeface="Times New Roman"/>
-                <a:cs typeface="Times New Roman"/>
+                <a:latin typeface="Arial"/>
+                <a:cs typeface="Arial"/>
               </a:rPr>
               <a:t>r</a:t>
             </a:r>
             <a:endParaRPr lang="en-US" i="1" dirty="0">
-              <a:latin typeface="Times New Roman"/>
-              <a:cs typeface="Times New Roman"/>
+              <a:latin typeface="Arial"/>
+              <a:cs typeface="Arial"/>
             </a:endParaRPr>
           </a:p>
         </p:txBody>
@@ -22051,8 +22051,8 @@
         </p:nvSpPr>
         <p:spPr>
           <a:xfrm>
-            <a:off x="14863322" y="1683174"/>
-            <a:ext cx="2762295" cy="1354217"/>
+            <a:off x="14971534" y="1683174"/>
+            <a:ext cx="2545871" cy="1154162"/>
           </a:xfrm>
           <a:prstGeom prst="rect">
             <a:avLst/>
@@ -22068,14 +22068,14 @@
             <a:pPr algn="ctr"/>
             <a:r>
               <a:rPr lang="en-US" dirty="0" smtClean="0">
-                <a:latin typeface="Times New Roman"/>
-                <a:cs typeface="Times New Roman"/>
+                <a:latin typeface="Arial"/>
+                <a:cs typeface="Arial"/>
               </a:rPr>
               <a:t>Robot</a:t>
             </a:r>
             <a:endParaRPr lang="en-US" dirty="0">
-              <a:latin typeface="Times New Roman"/>
-              <a:cs typeface="Times New Roman"/>
+              <a:latin typeface="Arial"/>
+              <a:cs typeface="Arial"/>
             </a:endParaRPr>
           </a:p>
         </p:txBody>
@@ -22088,8 +22088,8 @@
         </p:nvSpPr>
         <p:spPr>
           <a:xfrm>
-            <a:off x="14863322" y="3432776"/>
-            <a:ext cx="2228758" cy="1354217"/>
+            <a:off x="14950823" y="3432776"/>
+            <a:ext cx="2053755" cy="1154162"/>
           </a:xfrm>
           <a:prstGeom prst="rect">
             <a:avLst/>
@@ -22105,14 +22105,14 @@
             <a:pPr algn="ctr"/>
             <a:r>
               <a:rPr lang="en-US" dirty="0" smtClean="0">
-                <a:latin typeface="Times New Roman"/>
-                <a:cs typeface="Times New Roman"/>
+                <a:latin typeface="Arial"/>
+                <a:cs typeface="Arial"/>
               </a:rPr>
               <a:t>Goal</a:t>
             </a:r>
             <a:endParaRPr lang="en-US" dirty="0">
-              <a:latin typeface="Times New Roman"/>
-              <a:cs typeface="Times New Roman"/>
+              <a:latin typeface="Arial"/>
+              <a:cs typeface="Arial"/>
             </a:endParaRPr>
           </a:p>
         </p:txBody>
@@ -22242,8 +22242,8 @@
         </p:nvSpPr>
         <p:spPr>
           <a:xfrm>
-            <a:off x="14863322" y="5182378"/>
-            <a:ext cx="2637987" cy="1354217"/>
+            <a:off x="15008106" y="5182378"/>
+            <a:ext cx="2348419" cy="1154162"/>
           </a:xfrm>
           <a:prstGeom prst="rect">
             <a:avLst/>
@@ -22259,14 +22259,14 @@
             <a:pPr algn="ctr"/>
             <a:r>
               <a:rPr lang="en-US" dirty="0" smtClean="0">
-                <a:latin typeface="Times New Roman"/>
-                <a:cs typeface="Times New Roman"/>
+                <a:latin typeface="Arial"/>
+                <a:cs typeface="Arial"/>
               </a:rPr>
               <a:t>Move</a:t>
             </a:r>
             <a:endParaRPr lang="en-US" dirty="0">
-              <a:latin typeface="Times New Roman"/>
-              <a:cs typeface="Times New Roman"/>
+              <a:latin typeface="Arial"/>
+              <a:cs typeface="Arial"/>
             </a:endParaRPr>
           </a:p>
         </p:txBody>
@@ -22279,8 +22279,8 @@
         </p:nvSpPr>
         <p:spPr>
           <a:xfrm>
-            <a:off x="14863322" y="6931979"/>
-            <a:ext cx="4682079" cy="1354217"/>
+            <a:off x="15054110" y="6931979"/>
+            <a:ext cx="3970370" cy="1154162"/>
           </a:xfrm>
           <a:prstGeom prst="rect">
             <a:avLst/>
@@ -22296,14 +22296,14 @@
             <a:pPr algn="ctr"/>
             <a:r>
               <a:rPr lang="en-US" dirty="0" err="1" smtClean="0">
-                <a:latin typeface="Times New Roman"/>
-                <a:cs typeface="Times New Roman"/>
+                <a:latin typeface="Arial"/>
+                <a:cs typeface="Arial"/>
               </a:rPr>
               <a:t>DriftMove</a:t>
             </a:r>
             <a:endParaRPr lang="en-US" dirty="0">
-              <a:latin typeface="Times New Roman"/>
-              <a:cs typeface="Times New Roman"/>
+              <a:latin typeface="Arial"/>
+              <a:cs typeface="Arial"/>
             </a:endParaRPr>
           </a:p>
         </p:txBody>
@@ -22481,6 +22481,13 @@
   <p:clrMapOvr>
     <a:masterClrMapping/>
   </p:clrMapOvr>
+  <p:timing>
+    <p:tnLst>
+      <p:par>
+        <p:cTn xmlns:p14="http://schemas.microsoft.com/office/powerpoint/2010/main" id="1" dur="indefinite" restart="never" nodeType="tmRoot"/>
+      </p:par>
+    </p:tnLst>
+  </p:timing>
 </p:sld>
 </file>
 
